--- a/Assicurazioni/Databases_NoSql_ita.pptx
+++ b/Assicurazioni/Databases_NoSql_ita.pptx
@@ -5,7 +5,7 @@
     <p:sldMasterId id="2147483648" r:id="rId5"/>
   </p:sldMasterIdLst>
   <p:notesMasterIdLst>
-    <p:notesMasterId r:id="rId35"/>
+    <p:notesMasterId r:id="rId40"/>
   </p:notesMasterIdLst>
   <p:sldIdLst>
     <p:sldId id="256" r:id="rId6"/>
@@ -35,8 +35,13 @@
     <p:sldId id="344" r:id="rId30"/>
     <p:sldId id="345" r:id="rId31"/>
     <p:sldId id="361" r:id="rId32"/>
-    <p:sldId id="358" r:id="rId33"/>
-    <p:sldId id="343" r:id="rId34"/>
+    <p:sldId id="371" r:id="rId33"/>
+    <p:sldId id="372" r:id="rId34"/>
+    <p:sldId id="373" r:id="rId35"/>
+    <p:sldId id="374" r:id="rId36"/>
+    <p:sldId id="375" r:id="rId37"/>
+    <p:sldId id="358" r:id="rId38"/>
+    <p:sldId id="343" r:id="rId39"/>
   </p:sldIdLst>
   <p:sldSz cx="12192000" cy="6858000"/>
   <p:notesSz cx="6858000" cy="9144000"/>
@@ -294,7 +299,7 @@
               <a:pPr>
                 <a:defRPr/>
               </a:pPr>
-              <a:t>3/26/2023</a:t>
+              <a:t>4/4/2023</a:t>
             </a:fld>
             <a:endParaRPr lang="en-US"/>
           </a:p>
@@ -1233,6 +1238,186 @@
     <p:extLst>
       <p:ext uri="{BB962C8B-B14F-4D97-AF65-F5344CB8AC3E}">
         <p14:creationId xmlns:p14="http://schemas.microsoft.com/office/powerpoint/2010/main" val="3050344956"/>
+      </p:ext>
+    </p:extLst>
+  </p:cSld>
+  <p:clrMapOvr>
+    <a:masterClrMapping/>
+  </p:clrMapOvr>
+</p:notes>
+</file>
+
+<file path=ppt/notesSlides/notesSlide8.xml><?xml version="1.0" encoding="utf-8"?>
+<p:notes xmlns:a="http://schemas.openxmlformats.org/drawingml/2006/main" xmlns:r="http://schemas.openxmlformats.org/officeDocument/2006/relationships" xmlns:p="http://schemas.openxmlformats.org/presentationml/2006/main">
+  <p:cSld>
+    <p:spTree>
+      <p:nvGrpSpPr>
+        <p:cNvPr id="1" name=""/>
+        <p:cNvGrpSpPr/>
+        <p:nvPr/>
+      </p:nvGrpSpPr>
+      <p:grpSpPr>
+        <a:xfrm>
+          <a:off x="0" y="0"/>
+          <a:ext cx="0" cy="0"/>
+          <a:chOff x="0" y="0"/>
+          <a:chExt cx="0" cy="0"/>
+        </a:xfrm>
+      </p:grpSpPr>
+      <p:sp>
+        <p:nvSpPr>
+          <p:cNvPr id="2" name="Segnaposto immagine diapositiva 1"/>
+          <p:cNvSpPr>
+            <a:spLocks noGrp="1" noRot="1" noChangeAspect="1"/>
+          </p:cNvSpPr>
+          <p:nvPr>
+            <p:ph type="sldImg"/>
+          </p:nvPr>
+        </p:nvSpPr>
+        <p:spPr/>
+      </p:sp>
+      <p:sp>
+        <p:nvSpPr>
+          <p:cNvPr id="3" name="Segnaposto note 2"/>
+          <p:cNvSpPr>
+            <a:spLocks noGrp="1"/>
+          </p:cNvSpPr>
+          <p:nvPr>
+            <p:ph type="body" idx="1"/>
+          </p:nvPr>
+        </p:nvSpPr>
+        <p:spPr/>
+        <p:txBody>
+          <a:bodyPr/>
+          <a:lstStyle/>
+          <a:p>
+            <a:endParaRPr lang="it-IT"/>
+          </a:p>
+        </p:txBody>
+      </p:sp>
+      <p:sp>
+        <p:nvSpPr>
+          <p:cNvPr id="4" name="Segnaposto numero diapositiva 3"/>
+          <p:cNvSpPr>
+            <a:spLocks noGrp="1"/>
+          </p:cNvSpPr>
+          <p:nvPr>
+            <p:ph type="sldNum" sz="quarter" idx="5"/>
+          </p:nvPr>
+        </p:nvSpPr>
+        <p:spPr/>
+        <p:txBody>
+          <a:bodyPr/>
+          <a:lstStyle/>
+          <a:p>
+            <a:pPr>
+              <a:defRPr/>
+            </a:pPr>
+            <a:fld id="{F5F5882C-B867-4FE7-97C9-87FBF93DC802}" type="slidenum">
+              <a:rPr lang="en-US" smtClean="0"/>
+              <a:pPr>
+                <a:defRPr/>
+              </a:pPr>
+              <a:t>28</a:t>
+            </a:fld>
+            <a:endParaRPr lang="en-US"/>
+          </a:p>
+        </p:txBody>
+      </p:sp>
+    </p:spTree>
+    <p:extLst>
+      <p:ext uri="{BB962C8B-B14F-4D97-AF65-F5344CB8AC3E}">
+        <p14:creationId xmlns:p14="http://schemas.microsoft.com/office/powerpoint/2010/main" val="456896571"/>
+      </p:ext>
+    </p:extLst>
+  </p:cSld>
+  <p:clrMapOvr>
+    <a:masterClrMapping/>
+  </p:clrMapOvr>
+</p:notes>
+</file>
+
+<file path=ppt/notesSlides/notesSlide9.xml><?xml version="1.0" encoding="utf-8"?>
+<p:notes xmlns:a="http://schemas.openxmlformats.org/drawingml/2006/main" xmlns:r="http://schemas.openxmlformats.org/officeDocument/2006/relationships" xmlns:p="http://schemas.openxmlformats.org/presentationml/2006/main">
+  <p:cSld>
+    <p:spTree>
+      <p:nvGrpSpPr>
+        <p:cNvPr id="1" name=""/>
+        <p:cNvGrpSpPr/>
+        <p:nvPr/>
+      </p:nvGrpSpPr>
+      <p:grpSpPr>
+        <a:xfrm>
+          <a:off x="0" y="0"/>
+          <a:ext cx="0" cy="0"/>
+          <a:chOff x="0" y="0"/>
+          <a:chExt cx="0" cy="0"/>
+        </a:xfrm>
+      </p:grpSpPr>
+      <p:sp>
+        <p:nvSpPr>
+          <p:cNvPr id="2" name="Segnaposto immagine diapositiva 1"/>
+          <p:cNvSpPr>
+            <a:spLocks noGrp="1" noRot="1" noChangeAspect="1"/>
+          </p:cNvSpPr>
+          <p:nvPr>
+            <p:ph type="sldImg"/>
+          </p:nvPr>
+        </p:nvSpPr>
+        <p:spPr/>
+      </p:sp>
+      <p:sp>
+        <p:nvSpPr>
+          <p:cNvPr id="3" name="Segnaposto note 2"/>
+          <p:cNvSpPr>
+            <a:spLocks noGrp="1"/>
+          </p:cNvSpPr>
+          <p:nvPr>
+            <p:ph type="body" idx="1"/>
+          </p:nvPr>
+        </p:nvSpPr>
+        <p:spPr/>
+        <p:txBody>
+          <a:bodyPr/>
+          <a:lstStyle/>
+          <a:p>
+            <a:endParaRPr lang="it-IT"/>
+          </a:p>
+        </p:txBody>
+      </p:sp>
+      <p:sp>
+        <p:nvSpPr>
+          <p:cNvPr id="4" name="Segnaposto numero diapositiva 3"/>
+          <p:cNvSpPr>
+            <a:spLocks noGrp="1"/>
+          </p:cNvSpPr>
+          <p:nvPr>
+            <p:ph type="sldNum" sz="quarter" idx="5"/>
+          </p:nvPr>
+        </p:nvSpPr>
+        <p:spPr/>
+        <p:txBody>
+          <a:bodyPr/>
+          <a:lstStyle/>
+          <a:p>
+            <a:pPr>
+              <a:defRPr/>
+            </a:pPr>
+            <a:fld id="{F5F5882C-B867-4FE7-97C9-87FBF93DC802}" type="slidenum">
+              <a:rPr lang="en-US" smtClean="0"/>
+              <a:pPr>
+                <a:defRPr/>
+              </a:pPr>
+              <a:t>29</a:t>
+            </a:fld>
+            <a:endParaRPr lang="en-US"/>
+          </a:p>
+        </p:txBody>
+      </p:sp>
+    </p:spTree>
+    <p:extLst>
+      <p:ext uri="{BB962C8B-B14F-4D97-AF65-F5344CB8AC3E}">
+        <p14:creationId xmlns:p14="http://schemas.microsoft.com/office/powerpoint/2010/main" val="3334471627"/>
       </p:ext>
     </p:extLst>
   </p:cSld>
@@ -11242,6 +11427,17 @@
               <a:rPr lang="it-IT"/>
               <a:t>Database NoSql: DB Aggregati</a:t>
             </a:r>
+            <a:r>
+              <a:rPr lang="it-IT" sz="2800">
+                <a:solidFill>
+                  <a:schemeClr val="tx1"/>
+                </a:solidFill>
+                <a:latin typeface="Tahoma" panose="020B0604030504040204" pitchFamily="34" charset="0"/>
+                <a:ea typeface="Tahoma" panose="020B0604030504040204" pitchFamily="34" charset="0"/>
+                <a:cs typeface="Tahoma" panose="020B0604030504040204" pitchFamily="34" charset="0"/>
+              </a:rPr>
+              <a:t/>
+            </a:r>
             <a:br>
               <a:rPr lang="it-IT" sz="2800">
                 <a:solidFill>
@@ -14045,8 +14241,8 @@
         </p:nvSpPr>
         <p:spPr>
           <a:xfrm>
-            <a:off x="574293" y="1446404"/>
-            <a:ext cx="10927895" cy="4392612"/>
+            <a:off x="574292" y="1446404"/>
+            <a:ext cx="8906591" cy="4392612"/>
           </a:xfrm>
         </p:spPr>
         <p:txBody>
@@ -14058,7 +14254,7 @@
               <a:buChar char="ü"/>
             </a:pPr>
             <a:r>
-              <a:rPr lang="it-IT" sz="2400">
+              <a:rPr lang="it-IT" sz="2400" dirty="0">
                 <a:solidFill>
                   <a:schemeClr val="tx1"/>
                 </a:solidFill>
@@ -14069,16 +14265,35 @@
               <a:t>Si possono considerare tre differenti </a:t>
             </a:r>
             <a:r>
-              <a:rPr lang="it-IT" sz="2400" b="1">
-                <a:solidFill>
-                  <a:schemeClr val="tx1"/>
-                </a:solidFill>
-                <a:latin typeface="Tahoma" panose="020B0604030504040204" pitchFamily="34" charset="0"/>
-                <a:ea typeface="Tahoma" panose="020B0604030504040204" pitchFamily="34" charset="0"/>
-                <a:cs typeface="Tahoma" panose="020B0604030504040204" pitchFamily="34" charset="0"/>
-              </a:rPr>
-              <a:t>Modelli Dei Dati Aggregati:</a:t>
-            </a:r>
+              <a:rPr lang="it-IT" sz="2400" b="1" dirty="0">
+                <a:solidFill>
+                  <a:schemeClr val="tx1"/>
+                </a:solidFill>
+                <a:latin typeface="Tahoma" panose="020B0604030504040204" pitchFamily="34" charset="0"/>
+                <a:ea typeface="Tahoma" panose="020B0604030504040204" pitchFamily="34" charset="0"/>
+                <a:cs typeface="Tahoma" panose="020B0604030504040204" pitchFamily="34" charset="0"/>
+              </a:rPr>
+              <a:t>Modelli Dei Dati Aggregati</a:t>
+            </a:r>
+            <a:r>
+              <a:rPr lang="it-IT" sz="2400" b="1" dirty="0" smtClean="0">
+                <a:solidFill>
+                  <a:schemeClr val="tx1"/>
+                </a:solidFill>
+                <a:latin typeface="Tahoma" panose="020B0604030504040204" pitchFamily="34" charset="0"/>
+                <a:ea typeface="Tahoma" panose="020B0604030504040204" pitchFamily="34" charset="0"/>
+                <a:cs typeface="Tahoma" panose="020B0604030504040204" pitchFamily="34" charset="0"/>
+              </a:rPr>
+              <a:t>:</a:t>
+            </a:r>
+            <a:endParaRPr lang="it-IT" sz="2400" b="1" dirty="0">
+              <a:solidFill>
+                <a:schemeClr val="tx1"/>
+              </a:solidFill>
+              <a:latin typeface="Tahoma" panose="020B0604030504040204" pitchFamily="34" charset="0"/>
+              <a:ea typeface="Tahoma" panose="020B0604030504040204" pitchFamily="34" charset="0"/>
+              <a:cs typeface="Tahoma" panose="020B0604030504040204" pitchFamily="34" charset="0"/>
+            </a:endParaRPr>
           </a:p>
           <a:p>
             <a:pPr marL="914400" lvl="1" indent="-457200">
@@ -14086,7 +14301,7 @@
               <a:buAutoNum type="arabicPeriod"/>
             </a:pPr>
             <a:r>
-              <a:rPr lang="it-IT" sz="2600">
+              <a:rPr lang="it-IT" sz="2600" dirty="0">
                 <a:solidFill>
                   <a:schemeClr val="tx1"/>
                 </a:solidFill>
@@ -14103,7 +14318,7 @@
               <a:buAutoNum type="arabicPeriod"/>
             </a:pPr>
             <a:r>
-              <a:rPr lang="it-IT" sz="2600" b="1">
+              <a:rPr lang="it-IT" sz="2600" b="1" dirty="0">
                 <a:solidFill>
                   <a:schemeClr val="tx1"/>
                 </a:solidFill>
@@ -14120,17 +14335,31 @@
               <a:buAutoNum type="arabicPeriod"/>
             </a:pPr>
             <a:r>
-              <a:rPr lang="it-IT" sz="2600">
-                <a:solidFill>
-                  <a:schemeClr val="tx1"/>
-                </a:solidFill>
-                <a:latin typeface="Tahoma" panose="020B0604030504040204" pitchFamily="34" charset="0"/>
-                <a:ea typeface="Tahoma" panose="020B0604030504040204" pitchFamily="34" charset="0"/>
-                <a:cs typeface="Tahoma" panose="020B0604030504040204" pitchFamily="34" charset="0"/>
-              </a:rPr>
-              <a:t>Colonna - Famiglia</a:t>
-            </a:r>
-            <a:endParaRPr lang="it-IT" sz="2600" b="1">
+              <a:rPr lang="it-IT" sz="2600" dirty="0">
+                <a:solidFill>
+                  <a:schemeClr val="tx1"/>
+                </a:solidFill>
+                <a:latin typeface="Tahoma" panose="020B0604030504040204" pitchFamily="34" charset="0"/>
+                <a:ea typeface="Tahoma" panose="020B0604030504040204" pitchFamily="34" charset="0"/>
+                <a:cs typeface="Tahoma" panose="020B0604030504040204" pitchFamily="34" charset="0"/>
+              </a:rPr>
+              <a:t>Colonna </a:t>
+            </a:r>
+            <a:r>
+              <a:rPr lang="it-IT" sz="2600" dirty="0" smtClean="0">
+                <a:solidFill>
+                  <a:schemeClr val="tx1"/>
+                </a:solidFill>
+                <a:latin typeface="Tahoma" panose="020B0604030504040204" pitchFamily="34" charset="0"/>
+                <a:ea typeface="Tahoma" panose="020B0604030504040204" pitchFamily="34" charset="0"/>
+                <a:cs typeface="Tahoma" panose="020B0604030504040204" pitchFamily="34" charset="0"/>
+              </a:rPr>
+              <a:t>– Famiglia</a:t>
+            </a:r>
+          </a:p>
+          <a:p>
+            <a:pPr lvl="1"/>
+            <a:endParaRPr lang="it-IT" sz="2600" dirty="0">
               <a:solidFill>
                 <a:schemeClr val="tx1"/>
               </a:solidFill>
@@ -14239,6 +14468,189 @@
               <a:solidFill>
                 <a:schemeClr val="tx1"/>
               </a:solidFill>
+            </a:endParaRPr>
+          </a:p>
+        </p:txBody>
+      </p:sp>
+      <p:pic>
+        <p:nvPicPr>
+          <p:cNvPr id="3" name="Immagine 2"/>
+          <p:cNvPicPr>
+            <a:picLocks noChangeAspect="1"/>
+          </p:cNvPicPr>
+          <p:nvPr/>
+        </p:nvPicPr>
+        <p:blipFill>
+          <a:blip r:embed="rId4">
+            <a:extLst>
+              <a:ext uri="{28A0092B-C50C-407E-A947-70E740481C1C}">
+                <a14:useLocalDpi xmlns:a14="http://schemas.microsoft.com/office/drawing/2010/main" val="0"/>
+              </a:ext>
+            </a:extLst>
+          </a:blip>
+          <a:stretch>
+            <a:fillRect/>
+          </a:stretch>
+        </p:blipFill>
+        <p:spPr>
+          <a:xfrm>
+            <a:off x="7452292" y="1880206"/>
+            <a:ext cx="4057181" cy="2467205"/>
+          </a:xfrm>
+          <a:prstGeom prst="rect">
+            <a:avLst/>
+          </a:prstGeom>
+        </p:spPr>
+      </p:pic>
+      <p:sp>
+        <p:nvSpPr>
+          <p:cNvPr id="4" name="Rettangolo 3"/>
+          <p:cNvSpPr/>
+          <p:nvPr/>
+        </p:nvSpPr>
+        <p:spPr>
+          <a:xfrm>
+            <a:off x="574292" y="4703158"/>
+            <a:ext cx="11312909" cy="1569660"/>
+          </a:xfrm>
+          <a:prstGeom prst="rect">
+            <a:avLst/>
+          </a:prstGeom>
+        </p:spPr>
+        <p:txBody>
+          <a:bodyPr wrap="square">
+            <a:spAutoFit/>
+          </a:bodyPr>
+          <a:lstStyle/>
+          <a:p>
+            <a:pPr marL="457200" indent="-457200">
+              <a:buFont typeface="Wingdings" panose="05000000000000000000" pitchFamily="2" charset="2"/>
+              <a:buChar char="ü"/>
+            </a:pPr>
+            <a:r>
+              <a:rPr lang="it-IT" sz="2400" dirty="0">
+                <a:latin typeface="Tahoma" panose="020B0604030504040204" pitchFamily="34" charset="0"/>
+                <a:ea typeface="Tahoma" panose="020B0604030504040204" pitchFamily="34" charset="0"/>
+                <a:cs typeface="Tahoma" panose="020B0604030504040204" pitchFamily="34" charset="0"/>
+              </a:rPr>
+              <a:t>Un </a:t>
+            </a:r>
+            <a:r>
+              <a:rPr lang="it-IT" sz="2400" b="1" dirty="0">
+                <a:latin typeface="Tahoma" panose="020B0604030504040204" pitchFamily="34" charset="0"/>
+                <a:ea typeface="Tahoma" panose="020B0604030504040204" pitchFamily="34" charset="0"/>
+                <a:cs typeface="Tahoma" panose="020B0604030504040204" pitchFamily="34" charset="0"/>
+              </a:rPr>
+              <a:t>database</a:t>
+            </a:r>
+            <a:r>
+              <a:rPr lang="it-IT" sz="2400" dirty="0">
+                <a:latin typeface="Tahoma" panose="020B0604030504040204" pitchFamily="34" charset="0"/>
+                <a:ea typeface="Tahoma" panose="020B0604030504040204" pitchFamily="34" charset="0"/>
+                <a:cs typeface="Tahoma" panose="020B0604030504040204" pitchFamily="34" charset="0"/>
+              </a:rPr>
+              <a:t> </a:t>
+            </a:r>
+            <a:r>
+              <a:rPr lang="it-IT" sz="2400" b="1" dirty="0">
+                <a:latin typeface="Tahoma" panose="020B0604030504040204" pitchFamily="34" charset="0"/>
+                <a:ea typeface="Tahoma" panose="020B0604030504040204" pitchFamily="34" charset="0"/>
+                <a:cs typeface="Tahoma" panose="020B0604030504040204" pitchFamily="34" charset="0"/>
+              </a:rPr>
+              <a:t>chiave-valore</a:t>
+            </a:r>
+            <a:r>
+              <a:rPr lang="it-IT" sz="2400" dirty="0">
+                <a:latin typeface="Tahoma" panose="020B0604030504040204" pitchFamily="34" charset="0"/>
+                <a:ea typeface="Tahoma" panose="020B0604030504040204" pitchFamily="34" charset="0"/>
+                <a:cs typeface="Tahoma" panose="020B0604030504040204" pitchFamily="34" charset="0"/>
+              </a:rPr>
+              <a:t> è un database </a:t>
+            </a:r>
+            <a:r>
+              <a:rPr lang="it-IT" sz="2400" b="1" dirty="0">
+                <a:latin typeface="Tahoma" panose="020B0604030504040204" pitchFamily="34" charset="0"/>
+                <a:ea typeface="Tahoma" panose="020B0604030504040204" pitchFamily="34" charset="0"/>
+                <a:cs typeface="Tahoma" panose="020B0604030504040204" pitchFamily="34" charset="0"/>
+              </a:rPr>
+              <a:t>non</a:t>
+            </a:r>
+            <a:r>
+              <a:rPr lang="it-IT" sz="2400" dirty="0">
+                <a:latin typeface="Tahoma" panose="020B0604030504040204" pitchFamily="34" charset="0"/>
+                <a:ea typeface="Tahoma" panose="020B0604030504040204" pitchFamily="34" charset="0"/>
+                <a:cs typeface="Tahoma" panose="020B0604030504040204" pitchFamily="34" charset="0"/>
+              </a:rPr>
+              <a:t> </a:t>
+            </a:r>
+            <a:r>
+              <a:rPr lang="it-IT" sz="2400" b="1" dirty="0">
+                <a:latin typeface="Tahoma" panose="020B0604030504040204" pitchFamily="34" charset="0"/>
+                <a:ea typeface="Tahoma" panose="020B0604030504040204" pitchFamily="34" charset="0"/>
+                <a:cs typeface="Tahoma" panose="020B0604030504040204" pitchFamily="34" charset="0"/>
+              </a:rPr>
+              <a:t>relazionale</a:t>
+            </a:r>
+            <a:r>
+              <a:rPr lang="it-IT" sz="2400" dirty="0">
+                <a:latin typeface="Tahoma" panose="020B0604030504040204" pitchFamily="34" charset="0"/>
+                <a:ea typeface="Tahoma" panose="020B0604030504040204" pitchFamily="34" charset="0"/>
+                <a:cs typeface="Tahoma" panose="020B0604030504040204" pitchFamily="34" charset="0"/>
+              </a:rPr>
+              <a:t> che immagazzina i dati mediante un semplice metodo </a:t>
+            </a:r>
+            <a:r>
+              <a:rPr lang="it-IT" sz="2400" b="1" dirty="0">
+                <a:latin typeface="Tahoma" panose="020B0604030504040204" pitchFamily="34" charset="0"/>
+                <a:ea typeface="Tahoma" panose="020B0604030504040204" pitchFamily="34" charset="0"/>
+                <a:cs typeface="Tahoma" panose="020B0604030504040204" pitchFamily="34" charset="0"/>
+              </a:rPr>
+              <a:t>chiave-valore</a:t>
+            </a:r>
+            <a:r>
+              <a:rPr lang="it-IT" sz="2400" dirty="0">
+                <a:latin typeface="Tahoma" panose="020B0604030504040204" pitchFamily="34" charset="0"/>
+                <a:ea typeface="Tahoma" panose="020B0604030504040204" pitchFamily="34" charset="0"/>
+                <a:cs typeface="Tahoma" panose="020B0604030504040204" pitchFamily="34" charset="0"/>
+              </a:rPr>
+              <a:t>. Un database chiave-valore immagazzina i dati come un insieme di coppie di chiave-valore dove una chiave rappresenta un </a:t>
+            </a:r>
+            <a:r>
+              <a:rPr lang="it-IT" sz="2400" b="1" dirty="0">
+                <a:latin typeface="Tahoma" panose="020B0604030504040204" pitchFamily="34" charset="0"/>
+                <a:ea typeface="Tahoma" panose="020B0604030504040204" pitchFamily="34" charset="0"/>
+                <a:cs typeface="Tahoma" panose="020B0604030504040204" pitchFamily="34" charset="0"/>
+              </a:rPr>
+              <a:t>identificatore</a:t>
+            </a:r>
+            <a:r>
+              <a:rPr lang="it-IT" sz="2400" dirty="0">
+                <a:latin typeface="Tahoma" panose="020B0604030504040204" pitchFamily="34" charset="0"/>
+                <a:ea typeface="Tahoma" panose="020B0604030504040204" pitchFamily="34" charset="0"/>
+                <a:cs typeface="Tahoma" panose="020B0604030504040204" pitchFamily="34" charset="0"/>
+              </a:rPr>
+              <a:t> </a:t>
+            </a:r>
+            <a:r>
+              <a:rPr lang="it-IT" sz="2400" b="1" dirty="0">
+                <a:latin typeface="Tahoma" panose="020B0604030504040204" pitchFamily="34" charset="0"/>
+                <a:ea typeface="Tahoma" panose="020B0604030504040204" pitchFamily="34" charset="0"/>
+                <a:cs typeface="Tahoma" panose="020B0604030504040204" pitchFamily="34" charset="0"/>
+              </a:rPr>
+              <a:t>univoco</a:t>
+            </a:r>
+            <a:r>
+              <a:rPr lang="it-IT" sz="2400" dirty="0">
+                <a:latin typeface="Tahoma" panose="020B0604030504040204" pitchFamily="34" charset="0"/>
+                <a:ea typeface="Tahoma" panose="020B0604030504040204" pitchFamily="34" charset="0"/>
+                <a:cs typeface="Tahoma" panose="020B0604030504040204" pitchFamily="34" charset="0"/>
+              </a:rPr>
+              <a:t>.</a:t>
+            </a:r>
+            <a:endParaRPr lang="it-IT" sz="2400" dirty="0">
+              <a:latin typeface="Tahoma" panose="020B0604030504040204" pitchFamily="34" charset="0"/>
+              <a:ea typeface="Tahoma" panose="020B0604030504040204" pitchFamily="34" charset="0"/>
+              <a:cs typeface="Tahoma" panose="020B0604030504040204" pitchFamily="34" charset="0"/>
             </a:endParaRPr>
           </a:p>
         </p:txBody>
@@ -14291,53 +14703,75 @@
         </p:nvSpPr>
         <p:spPr>
           <a:xfrm>
-            <a:off x="468895" y="1232694"/>
-            <a:ext cx="11459402" cy="4392612"/>
+            <a:off x="574293" y="1446404"/>
+            <a:ext cx="10927895" cy="4392612"/>
           </a:xfrm>
         </p:spPr>
         <p:txBody>
           <a:bodyPr/>
           <a:lstStyle/>
           <a:p>
-            <a:pPr marL="342900" indent="-342900" algn="l">
+            <a:pPr marL="342900" indent="-342900" algn="just">
               <a:buFont typeface="Wingdings" panose="05000000000000000000" pitchFamily="2" charset="2"/>
               <a:buChar char="ü"/>
             </a:pPr>
             <a:r>
-              <a:rPr lang="en-US" sz="2400" b="1">
-                <a:solidFill>
-                  <a:schemeClr val="tx1"/>
-                </a:solidFill>
-                <a:latin typeface="Tahoma" panose="020B0604030504040204" pitchFamily="34" charset="0"/>
-                <a:ea typeface="Tahoma" panose="020B0604030504040204" pitchFamily="34" charset="0"/>
-                <a:cs typeface="Tahoma" panose="020B0604030504040204" pitchFamily="34" charset="0"/>
-              </a:rPr>
-              <a:t>turtleDB</a:t>
-            </a:r>
-            <a:r>
-              <a:rPr lang="en-US" sz="2400">
-                <a:solidFill>
-                  <a:schemeClr val="tx1"/>
-                </a:solidFill>
-                <a:latin typeface="Tahoma" panose="020B0604030504040204" pitchFamily="34" charset="0"/>
-                <a:ea typeface="Tahoma" panose="020B0604030504040204" pitchFamily="34" charset="0"/>
-                <a:cs typeface="Tahoma" panose="020B0604030504040204" pitchFamily="34" charset="0"/>
-              </a:rPr>
-              <a:t> è un framework per sviluppatori per costruire applicazioni we collaborative </a:t>
-            </a:r>
-            <a:r>
-              <a:rPr lang="en-US" sz="2400" b="1">
-                <a:solidFill>
-                  <a:schemeClr val="tx1"/>
-                </a:solidFill>
-                <a:latin typeface="Tahoma" panose="020B0604030504040204" pitchFamily="34" charset="0"/>
-                <a:ea typeface="Tahoma" panose="020B0604030504040204" pitchFamily="34" charset="0"/>
-                <a:cs typeface="Tahoma" panose="020B0604030504040204" pitchFamily="34" charset="0"/>
-              </a:rPr>
-              <a:t>offline-first.</a:t>
-            </a:r>
-            <a:r>
-              <a:rPr lang="en-US" sz="2400">
+              <a:rPr lang="it-IT" sz="2400" dirty="0" smtClean="0">
+                <a:solidFill>
+                  <a:schemeClr val="tx1"/>
+                </a:solidFill>
+                <a:latin typeface="Tahoma" panose="020B0604030504040204" pitchFamily="34" charset="0"/>
+                <a:ea typeface="Tahoma" panose="020B0604030504040204" pitchFamily="34" charset="0"/>
+                <a:cs typeface="Tahoma" panose="020B0604030504040204" pitchFamily="34" charset="0"/>
+              </a:rPr>
+              <a:t>Abbiamo detto precedentemente che i database </a:t>
+            </a:r>
+            <a:r>
+              <a:rPr lang="it-IT" sz="2400" b="1" dirty="0" smtClean="0">
+                <a:solidFill>
+                  <a:schemeClr val="tx1"/>
+                </a:solidFill>
+                <a:latin typeface="Tahoma" panose="020B0604030504040204" pitchFamily="34" charset="0"/>
+                <a:ea typeface="Tahoma" panose="020B0604030504040204" pitchFamily="34" charset="0"/>
+                <a:cs typeface="Tahoma" panose="020B0604030504040204" pitchFamily="34" charset="0"/>
+              </a:rPr>
+              <a:t>chiave – </a:t>
+            </a:r>
+            <a:r>
+              <a:rPr lang="it-IT" sz="2400" b="1" dirty="0" smtClean="0">
+                <a:solidFill>
+                  <a:schemeClr val="tx1"/>
+                </a:solidFill>
+                <a:latin typeface="Tahoma" panose="020B0604030504040204" pitchFamily="34" charset="0"/>
+                <a:ea typeface="Tahoma" panose="020B0604030504040204" pitchFamily="34" charset="0"/>
+                <a:cs typeface="Tahoma" panose="020B0604030504040204" pitchFamily="34" charset="0"/>
+              </a:rPr>
+              <a:t>valore</a:t>
+            </a:r>
+            <a:r>
+              <a:rPr lang="it-IT" sz="2400" dirty="0" smtClean="0">
+                <a:solidFill>
+                  <a:schemeClr val="tx1"/>
+                </a:solidFill>
+                <a:latin typeface="Tahoma" panose="020B0604030504040204" pitchFamily="34" charset="0"/>
+                <a:ea typeface="Tahoma" panose="020B0604030504040204" pitchFamily="34" charset="0"/>
+                <a:cs typeface="Tahoma" panose="020B0604030504040204" pitchFamily="34" charset="0"/>
+              </a:rPr>
+              <a:t> e </a:t>
+            </a:r>
+            <a:r>
+              <a:rPr lang="it-IT" sz="2400" b="1" dirty="0" smtClean="0">
+                <a:solidFill>
+                  <a:schemeClr val="tx1"/>
+                </a:solidFill>
+                <a:latin typeface="Tahoma" panose="020B0604030504040204" pitchFamily="34" charset="0"/>
+                <a:ea typeface="Tahoma" panose="020B0604030504040204" pitchFamily="34" charset="0"/>
+                <a:cs typeface="Tahoma" panose="020B0604030504040204" pitchFamily="34" charset="0"/>
+              </a:rPr>
+              <a:t>orientati</a:t>
+            </a:r>
+            <a:r>
+              <a:rPr lang="it-IT" sz="2400" dirty="0" smtClean="0">
                 <a:solidFill>
                   <a:schemeClr val="tx1"/>
                 </a:solidFill>
@@ -14347,135 +14781,237 @@
               </a:rPr>
               <a:t> </a:t>
             </a:r>
-          </a:p>
-          <a:p>
-            <a:pPr marL="342900" indent="-342900" algn="l">
+            <a:r>
+              <a:rPr lang="it-IT" sz="2400" b="1" dirty="0" smtClean="0">
+                <a:solidFill>
+                  <a:schemeClr val="tx1"/>
+                </a:solidFill>
+                <a:latin typeface="Tahoma" panose="020B0604030504040204" pitchFamily="34" charset="0"/>
+                <a:ea typeface="Tahoma" panose="020B0604030504040204" pitchFamily="34" charset="0"/>
+                <a:cs typeface="Tahoma" panose="020B0604030504040204" pitchFamily="34" charset="0"/>
+              </a:rPr>
+              <a:t>ai</a:t>
+            </a:r>
+            <a:r>
+              <a:rPr lang="it-IT" sz="2400" dirty="0" smtClean="0">
+                <a:solidFill>
+                  <a:schemeClr val="tx1"/>
+                </a:solidFill>
+                <a:latin typeface="Tahoma" panose="020B0604030504040204" pitchFamily="34" charset="0"/>
+                <a:ea typeface="Tahoma" panose="020B0604030504040204" pitchFamily="34" charset="0"/>
+                <a:cs typeface="Tahoma" panose="020B0604030504040204" pitchFamily="34" charset="0"/>
+              </a:rPr>
+              <a:t> </a:t>
+            </a:r>
+            <a:r>
+              <a:rPr lang="it-IT" sz="2400" b="1" dirty="0" smtClean="0">
+                <a:solidFill>
+                  <a:schemeClr val="tx1"/>
+                </a:solidFill>
+                <a:latin typeface="Tahoma" panose="020B0604030504040204" pitchFamily="34" charset="0"/>
+                <a:ea typeface="Tahoma" panose="020B0604030504040204" pitchFamily="34" charset="0"/>
+                <a:cs typeface="Tahoma" panose="020B0604030504040204" pitchFamily="34" charset="0"/>
+              </a:rPr>
+              <a:t>documenti</a:t>
+            </a:r>
+            <a:r>
+              <a:rPr lang="it-IT" sz="2400" dirty="0" smtClean="0">
+                <a:solidFill>
+                  <a:schemeClr val="tx1"/>
+                </a:solidFill>
+                <a:latin typeface="Tahoma" panose="020B0604030504040204" pitchFamily="34" charset="0"/>
+                <a:ea typeface="Tahoma" panose="020B0604030504040204" pitchFamily="34" charset="0"/>
+                <a:cs typeface="Tahoma" panose="020B0604030504040204" pitchFamily="34" charset="0"/>
+              </a:rPr>
+              <a:t> sono fortemente </a:t>
+            </a:r>
+            <a:r>
+              <a:rPr lang="it-IT" sz="2400" b="1" dirty="0" smtClean="0">
+                <a:solidFill>
+                  <a:schemeClr val="tx1"/>
+                </a:solidFill>
+                <a:latin typeface="Tahoma" panose="020B0604030504040204" pitchFamily="34" charset="0"/>
+                <a:ea typeface="Tahoma" panose="020B0604030504040204" pitchFamily="34" charset="0"/>
+                <a:cs typeface="Tahoma" panose="020B0604030504040204" pitchFamily="34" charset="0"/>
+              </a:rPr>
+              <a:t>aggregati</a:t>
+            </a:r>
+            <a:r>
+              <a:rPr lang="it-IT" sz="2400" dirty="0" smtClean="0">
+                <a:solidFill>
+                  <a:schemeClr val="tx1"/>
+                </a:solidFill>
+                <a:latin typeface="Tahoma" panose="020B0604030504040204" pitchFamily="34" charset="0"/>
+                <a:ea typeface="Tahoma" panose="020B0604030504040204" pitchFamily="34" charset="0"/>
+                <a:cs typeface="Tahoma" panose="020B0604030504040204" pitchFamily="34" charset="0"/>
+              </a:rPr>
+              <a:t>. </a:t>
+            </a:r>
+          </a:p>
+          <a:p>
+            <a:pPr marL="342900" indent="-342900" algn="just">
               <a:buFont typeface="Wingdings" panose="05000000000000000000" pitchFamily="2" charset="2"/>
               <a:buChar char="ü"/>
             </a:pPr>
             <a:r>
-              <a:rPr lang="en-US" sz="2400">
-                <a:solidFill>
-                  <a:schemeClr val="tx1"/>
-                </a:solidFill>
-                <a:latin typeface="Tahoma" panose="020B0604030504040204" pitchFamily="34" charset="0"/>
-                <a:ea typeface="Tahoma" panose="020B0604030504040204" pitchFamily="34" charset="0"/>
-                <a:cs typeface="Tahoma" panose="020B0604030504040204" pitchFamily="34" charset="0"/>
-              </a:rPr>
-              <a:t>Esso fornisce un'API user-friendly per gli sviluppatori, potenziando essi con l'abilità di creare app con uno </a:t>
-            </a:r>
-            <a:r>
-              <a:rPr lang="en-US" sz="2400" b="1">
-                <a:solidFill>
-                  <a:schemeClr val="tx1"/>
-                </a:solidFill>
-                <a:latin typeface="Tahoma" panose="020B0604030504040204" pitchFamily="34" charset="0"/>
-                <a:ea typeface="Tahoma" panose="020B0604030504040204" pitchFamily="34" charset="0"/>
-                <a:cs typeface="Tahoma" panose="020B0604030504040204" pitchFamily="34" charset="0"/>
-              </a:rPr>
-              <a:t>storage, </a:t>
-            </a:r>
-            <a:r>
-              <a:rPr lang="en-US" sz="2400">
-                <a:solidFill>
-                  <a:schemeClr val="tx1"/>
-                </a:solidFill>
-                <a:latin typeface="Tahoma" panose="020B0604030504040204" pitchFamily="34" charset="0"/>
-                <a:ea typeface="Tahoma" panose="020B0604030504040204" pitchFamily="34" charset="0"/>
-                <a:cs typeface="Tahoma" panose="020B0604030504040204" pitchFamily="34" charset="0"/>
-              </a:rPr>
-              <a:t>sincronizzazione di server efficace, versioning di documenti, risoluzione di conflitto flessibile per qualsiasi documento.</a:t>
-            </a:r>
-          </a:p>
-          <a:p>
-            <a:pPr marL="342900" indent="-342900" algn="l">
+              <a:rPr lang="it-IT" sz="2400" b="1" dirty="0" smtClean="0">
+                <a:solidFill>
+                  <a:schemeClr val="tx1"/>
+                </a:solidFill>
+                <a:latin typeface="Tahoma" panose="020B0604030504040204" pitchFamily="34" charset="0"/>
+                <a:ea typeface="Tahoma" panose="020B0604030504040204" pitchFamily="34" charset="0"/>
+                <a:cs typeface="Tahoma" panose="020B0604030504040204" pitchFamily="34" charset="0"/>
+              </a:rPr>
+              <a:t>In un database chiave-valore, l’aggregato è opaco </a:t>
+            </a:r>
+            <a:r>
+              <a:rPr lang="it-IT" sz="2400" dirty="0" smtClean="0">
+                <a:solidFill>
+                  <a:schemeClr val="tx1"/>
+                </a:solidFill>
+                <a:latin typeface="Tahoma" panose="020B0604030504040204" pitchFamily="34" charset="0"/>
+                <a:ea typeface="Tahoma" panose="020B0604030504040204" pitchFamily="34" charset="0"/>
+                <a:cs typeface="Tahoma" panose="020B0604030504040204" pitchFamily="34" charset="0"/>
+              </a:rPr>
+              <a:t>al database: solo dei blob grandi di bit. Il vantaggio dell’opacità è che </a:t>
+            </a:r>
+            <a:r>
+              <a:rPr lang="it-IT" sz="2400" b="1" dirty="0" smtClean="0">
+                <a:solidFill>
+                  <a:schemeClr val="tx1"/>
+                </a:solidFill>
+                <a:latin typeface="Tahoma" panose="020B0604030504040204" pitchFamily="34" charset="0"/>
+                <a:ea typeface="Tahoma" panose="020B0604030504040204" pitchFamily="34" charset="0"/>
+                <a:cs typeface="Tahoma" panose="020B0604030504040204" pitchFamily="34" charset="0"/>
+              </a:rPr>
+              <a:t>possiamo immagazzinare qualsiasi cosa ci piace nell’aggregato</a:t>
+            </a:r>
+            <a:r>
+              <a:rPr lang="it-IT" sz="2400" dirty="0" smtClean="0">
+                <a:solidFill>
+                  <a:schemeClr val="tx1"/>
+                </a:solidFill>
+                <a:latin typeface="Tahoma" panose="020B0604030504040204" pitchFamily="34" charset="0"/>
+                <a:ea typeface="Tahoma" panose="020B0604030504040204" pitchFamily="34" charset="0"/>
+                <a:cs typeface="Tahoma" panose="020B0604030504040204" pitchFamily="34" charset="0"/>
+              </a:rPr>
+              <a:t>. E’ responsabilità dell’applicazione comprendere quello che è stato immagazzinato. Dal momento che la chiave-valore immagazzina sempre l’uso dell’accesso primario alla chiave, in genere hanno un’elevata performance, dal momento che discendono dal database </a:t>
+            </a:r>
+            <a:r>
+              <a:rPr lang="it-IT" sz="2400" dirty="0" err="1" smtClean="0">
+                <a:solidFill>
+                  <a:schemeClr val="tx1"/>
+                </a:solidFill>
+                <a:latin typeface="Tahoma" panose="020B0604030504040204" pitchFamily="34" charset="0"/>
+                <a:ea typeface="Tahoma" panose="020B0604030504040204" pitchFamily="34" charset="0"/>
+                <a:cs typeface="Tahoma" panose="020B0604030504040204" pitchFamily="34" charset="0"/>
+              </a:rPr>
+              <a:t>Dynamo</a:t>
+            </a:r>
+            <a:r>
+              <a:rPr lang="it-IT" sz="2400" dirty="0" smtClean="0">
+                <a:solidFill>
+                  <a:schemeClr val="tx1"/>
+                </a:solidFill>
+                <a:latin typeface="Tahoma" panose="020B0604030504040204" pitchFamily="34" charset="0"/>
+                <a:ea typeface="Tahoma" panose="020B0604030504040204" pitchFamily="34" charset="0"/>
+                <a:cs typeface="Tahoma" panose="020B0604030504040204" pitchFamily="34" charset="0"/>
+              </a:rPr>
+              <a:t> di Amazon, una piattaforma progettata per uno shopping non stop. I </a:t>
+            </a:r>
+            <a:r>
+              <a:rPr lang="it-IT" sz="2400" dirty="0" err="1" smtClean="0">
+                <a:solidFill>
+                  <a:schemeClr val="tx1"/>
+                </a:solidFill>
+                <a:latin typeface="Tahoma" panose="020B0604030504040204" pitchFamily="34" charset="0"/>
+                <a:ea typeface="Tahoma" panose="020B0604030504040204" pitchFamily="34" charset="0"/>
+                <a:cs typeface="Tahoma" panose="020B0604030504040204" pitchFamily="34" charset="0"/>
+              </a:rPr>
+              <a:t>Key-value</a:t>
+            </a:r>
+            <a:r>
+              <a:rPr lang="it-IT" sz="2400" dirty="0" smtClean="0">
+                <a:solidFill>
+                  <a:schemeClr val="tx1"/>
+                </a:solidFill>
+                <a:latin typeface="Tahoma" panose="020B0604030504040204" pitchFamily="34" charset="0"/>
+                <a:ea typeface="Tahoma" panose="020B0604030504040204" pitchFamily="34" charset="0"/>
+                <a:cs typeface="Tahoma" panose="020B0604030504040204" pitchFamily="34" charset="0"/>
+              </a:rPr>
+              <a:t> immagazzinano essenzialmente grandi e distribuite strutture dati basate su </a:t>
+            </a:r>
+            <a:r>
+              <a:rPr lang="it-IT" sz="2400" dirty="0" err="1" smtClean="0">
+                <a:solidFill>
+                  <a:schemeClr val="tx1"/>
+                </a:solidFill>
+                <a:latin typeface="Tahoma" panose="020B0604030504040204" pitchFamily="34" charset="0"/>
+                <a:ea typeface="Tahoma" panose="020B0604030504040204" pitchFamily="34" charset="0"/>
+                <a:cs typeface="Tahoma" panose="020B0604030504040204" pitchFamily="34" charset="0"/>
+              </a:rPr>
+              <a:t>hashmap</a:t>
+            </a:r>
+            <a:r>
+              <a:rPr lang="it-IT" sz="2400" dirty="0" smtClean="0">
+                <a:solidFill>
+                  <a:schemeClr val="tx1"/>
+                </a:solidFill>
+                <a:latin typeface="Tahoma" panose="020B0604030504040204" pitchFamily="34" charset="0"/>
+                <a:ea typeface="Tahoma" panose="020B0604030504040204" pitchFamily="34" charset="0"/>
+                <a:cs typeface="Tahoma" panose="020B0604030504040204" pitchFamily="34" charset="0"/>
+              </a:rPr>
+              <a:t>. </a:t>
+            </a:r>
+          </a:p>
+          <a:p>
+            <a:pPr marL="342900" indent="-342900" algn="just">
               <a:buFont typeface="Wingdings" panose="05000000000000000000" pitchFamily="2" charset="2"/>
               <a:buChar char="ü"/>
             </a:pPr>
             <a:r>
-              <a:rPr lang="en-US" sz="2400">
-                <a:solidFill>
-                  <a:schemeClr val="tx1"/>
-                </a:solidFill>
-                <a:latin typeface="Tahoma" panose="020B0604030504040204" pitchFamily="34" charset="0"/>
-                <a:ea typeface="Tahoma" panose="020B0604030504040204" pitchFamily="34" charset="0"/>
-                <a:cs typeface="Tahoma" panose="020B0604030504040204" pitchFamily="34" charset="0"/>
-              </a:rPr>
-              <a:t>Le applicazioni Web lavoreranno apparentemente online o offline, e gli sviluppatori possono settare il backend a </a:t>
-            </a:r>
-            <a:r>
-              <a:rPr lang="en-US" sz="2400" b="1">
-                <a:solidFill>
-                  <a:schemeClr val="tx1"/>
-                </a:solidFill>
-                <a:latin typeface="Tahoma" panose="020B0604030504040204" pitchFamily="34" charset="0"/>
-                <a:ea typeface="Tahoma" panose="020B0604030504040204" pitchFamily="34" charset="0"/>
-                <a:cs typeface="Tahoma" panose="020B0604030504040204" pitchFamily="34" charset="0"/>
-              </a:rPr>
-              <a:t>turtleDB</a:t>
-            </a:r>
-            <a:r>
-              <a:rPr lang="en-US" sz="2400">
-                <a:solidFill>
-                  <a:schemeClr val="tx1"/>
-                </a:solidFill>
-                <a:latin typeface="Tahoma" panose="020B0604030504040204" pitchFamily="34" charset="0"/>
-                <a:ea typeface="Tahoma" panose="020B0604030504040204" pitchFamily="34" charset="0"/>
-                <a:cs typeface="Tahoma" panose="020B0604030504040204" pitchFamily="34" charset="0"/>
-              </a:rPr>
-              <a:t>.  </a:t>
-            </a:r>
-          </a:p>
-          <a:p>
-            <a:pPr marL="342900" indent="-342900" algn="l">
-              <a:buFont typeface="Wingdings" panose="05000000000000000000" pitchFamily="2" charset="2"/>
-              <a:buChar char="ü"/>
-            </a:pPr>
-            <a:r>
-              <a:rPr lang="en-US" sz="2400">
-                <a:solidFill>
-                  <a:schemeClr val="tx1"/>
-                </a:solidFill>
-                <a:latin typeface="Tahoma" panose="020B0604030504040204" pitchFamily="34" charset="0"/>
-                <a:ea typeface="Tahoma" panose="020B0604030504040204" pitchFamily="34" charset="0"/>
-                <a:cs typeface="Tahoma" panose="020B0604030504040204" pitchFamily="34" charset="0"/>
-              </a:rPr>
-              <a:t>Questo manipolerà tutta la sincronizzazione dei dati e la risoluzione dei conflitti tra utenti. Esso lavora con </a:t>
-            </a:r>
-            <a:r>
-              <a:rPr lang="en-US" sz="2400" b="1">
-                <a:solidFill>
-                  <a:schemeClr val="tx1"/>
-                </a:solidFill>
-                <a:latin typeface="Tahoma" panose="020B0604030504040204" pitchFamily="34" charset="0"/>
-                <a:ea typeface="Tahoma" panose="020B0604030504040204" pitchFamily="34" charset="0"/>
-                <a:cs typeface="Tahoma" panose="020B0604030504040204" pitchFamily="34" charset="0"/>
-              </a:rPr>
-              <a:t>MongoDB</a:t>
-            </a:r>
-            <a:r>
-              <a:rPr lang="en-US" sz="2400">
-                <a:solidFill>
-                  <a:schemeClr val="tx1"/>
-                </a:solidFill>
-                <a:latin typeface="Tahoma" panose="020B0604030504040204" pitchFamily="34" charset="0"/>
-                <a:ea typeface="Tahoma" panose="020B0604030504040204" pitchFamily="34" charset="0"/>
-                <a:cs typeface="Tahoma" panose="020B0604030504040204" pitchFamily="34" charset="0"/>
-              </a:rPr>
-              <a:t>. </a:t>
-            </a:r>
+              <a:rPr lang="it-IT" sz="2400" dirty="0" smtClean="0">
+                <a:solidFill>
+                  <a:schemeClr val="tx1"/>
+                </a:solidFill>
+                <a:latin typeface="Tahoma" panose="020B0604030504040204" pitchFamily="34" charset="0"/>
+                <a:ea typeface="Tahoma" panose="020B0604030504040204" pitchFamily="34" charset="0"/>
+                <a:cs typeface="Tahoma" panose="020B0604030504040204" pitchFamily="34" charset="0"/>
+              </a:rPr>
+              <a:t>Al contrario, </a:t>
+            </a:r>
+            <a:r>
+              <a:rPr lang="it-IT" sz="2400" b="1" dirty="0" smtClean="0">
+                <a:solidFill>
+                  <a:schemeClr val="tx1"/>
+                </a:solidFill>
+                <a:latin typeface="Tahoma" panose="020B0604030504040204" pitchFamily="34" charset="0"/>
+                <a:ea typeface="Tahoma" panose="020B0604030504040204" pitchFamily="34" charset="0"/>
+                <a:cs typeface="Tahoma" panose="020B0604030504040204" pitchFamily="34" charset="0"/>
+              </a:rPr>
+              <a:t>un documento di un database è capace di vedere una struttura</a:t>
+            </a:r>
+            <a:endParaRPr lang="it-IT" sz="2400" dirty="0" smtClean="0">
+              <a:solidFill>
+                <a:schemeClr val="tx1"/>
+              </a:solidFill>
+              <a:latin typeface="Tahoma" panose="020B0604030504040204" pitchFamily="34" charset="0"/>
+              <a:ea typeface="Tahoma" panose="020B0604030504040204" pitchFamily="34" charset="0"/>
+              <a:cs typeface="Tahoma" panose="020B0604030504040204" pitchFamily="34" charset="0"/>
+            </a:endParaRPr>
           </a:p>
           <a:p>
             <a:pPr marL="342900" indent="-342900">
               <a:buFont typeface="Wingdings" panose="05000000000000000000" pitchFamily="2" charset="2"/>
               <a:buChar char="ü"/>
             </a:pPr>
-            <a:endParaRPr lang="en-US" sz="2400" b="0" i="0" dirty="0">
+            <a:endParaRPr lang="it-IT" sz="2600" b="1" dirty="0">
               <a:solidFill>
-                <a:srgbClr val="555555"/>
+                <a:schemeClr val="tx1"/>
               </a:solidFill>
-              <a:effectLst/>
-              <a:latin typeface="PT Sans" panose="020B0503020203020204" pitchFamily="34" charset="0"/>
+              <a:latin typeface="Tahoma" panose="020B0604030504040204" pitchFamily="34" charset="0"/>
+              <a:ea typeface="Tahoma" panose="020B0604030504040204" pitchFamily="34" charset="0"/>
+              <a:cs typeface="Tahoma" panose="020B0604030504040204" pitchFamily="34" charset="0"/>
             </a:endParaRPr>
           </a:p>
         </p:txBody>
@@ -14532,10 +15068,6 @@
           </p:nvPr>
         </p:nvSpPr>
         <p:spPr>
-          <a:xfrm>
-            <a:off x="468895" y="503475"/>
-            <a:ext cx="11269308" cy="384721"/>
-          </a:xfrm>
           <a:noFill/>
           <a:ln>
             <a:noFill/>
@@ -14571,12 +15103,28 @@
           <a:p>
             <a:pPr eaLnBrk="0" hangingPunct="0"/>
             <a:r>
-              <a:rPr lang="it-IT">
-                <a:solidFill>
-                  <a:schemeClr val="tx1"/>
-                </a:solidFill>
-              </a:rPr>
-              <a:t>TurtleDB e Triplestore</a:t>
+              <a:rPr lang="it-IT" dirty="0" smtClean="0">
+                <a:solidFill>
+                  <a:schemeClr val="tx1"/>
+                </a:solidFill>
+              </a:rPr>
+              <a:t>Database </a:t>
+            </a:r>
+            <a:r>
+              <a:rPr lang="it-IT" dirty="0" err="1" smtClean="0">
+                <a:solidFill>
+                  <a:schemeClr val="tx1"/>
+                </a:solidFill>
+              </a:rPr>
+              <a:t>NoSQL</a:t>
+            </a:r>
+            <a:r>
+              <a:rPr lang="it-IT" dirty="0" smtClean="0">
+                <a:solidFill>
+                  <a:schemeClr val="tx1"/>
+                </a:solidFill>
+              </a:rPr>
+              <a:t>: DB Aggregati</a:t>
             </a:r>
             <a:endParaRPr lang="it-IT" dirty="0">
               <a:solidFill>
@@ -14586,40 +15134,10 @@
           </a:p>
         </p:txBody>
       </p:sp>
-      <p:pic>
-        <p:nvPicPr>
-          <p:cNvPr id="4" name="Immagine 3" descr="Immagine che contiene logo&#10;&#10;Descrizione generata automaticamente">
-            <a:extLst>
-              <a:ext uri="{FF2B5EF4-FFF2-40B4-BE49-F238E27FC236}">
-                <a16:creationId xmlns:a16="http://schemas.microsoft.com/office/drawing/2014/main" id="{292350A5-BA8D-0603-8817-54A460399248}"/>
-              </a:ext>
-            </a:extLst>
-          </p:cNvPr>
-          <p:cNvPicPr>
-            <a:picLocks noChangeAspect="1"/>
-          </p:cNvPicPr>
-          <p:nvPr/>
-        </p:nvPicPr>
-        <p:blipFill>
-          <a:blip r:embed="rId2"/>
-          <a:stretch>
-            <a:fillRect/>
-          </a:stretch>
-        </p:blipFill>
-        <p:spPr>
-          <a:xfrm>
-            <a:off x="5642203" y="4901512"/>
-            <a:ext cx="6096000" cy="1678275"/>
-          </a:xfrm>
-          <a:prstGeom prst="rect">
-            <a:avLst/>
-          </a:prstGeom>
-        </p:spPr>
-      </p:pic>
     </p:spTree>
     <p:extLst>
       <p:ext uri="{BB962C8B-B14F-4D97-AF65-F5344CB8AC3E}">
-        <p14:creationId xmlns:p14="http://schemas.microsoft.com/office/powerpoint/2010/main" val="3360116521"/>
+        <p14:creationId xmlns:p14="http://schemas.microsoft.com/office/powerpoint/2010/main" val="3338826838"/>
       </p:ext>
     </p:extLst>
   </p:cSld>
@@ -14648,6 +15166,160 @@
       </p:grpSpPr>
       <p:sp>
         <p:nvSpPr>
+          <p:cNvPr id="2" name="Segnaposto testo 1">
+            <a:extLst>
+              <a:ext uri="{FF2B5EF4-FFF2-40B4-BE49-F238E27FC236}">
+                <a16:creationId xmlns:a16="http://schemas.microsoft.com/office/drawing/2014/main" id="{E5AE986C-196F-4141-A898-FA4C4198CDCC}"/>
+              </a:ext>
+            </a:extLst>
+          </p:cNvPr>
+          <p:cNvSpPr>
+            <a:spLocks noGrp="1"/>
+          </p:cNvSpPr>
+          <p:nvPr>
+            <p:ph type="body" idx="1"/>
+          </p:nvPr>
+        </p:nvSpPr>
+        <p:spPr>
+          <a:xfrm>
+            <a:off x="574293" y="1446404"/>
+            <a:ext cx="10927895" cy="4392612"/>
+          </a:xfrm>
+        </p:spPr>
+        <p:txBody>
+          <a:bodyPr/>
+          <a:lstStyle/>
+          <a:p>
+            <a:pPr marL="342900" indent="-342900" algn="just">
+              <a:buFont typeface="Wingdings" panose="05000000000000000000" pitchFamily="2" charset="2"/>
+              <a:buChar char="ü"/>
+            </a:pPr>
+            <a:r>
+              <a:rPr lang="it-IT" sz="2400" dirty="0" smtClean="0">
+                <a:solidFill>
+                  <a:schemeClr val="tx1"/>
+                </a:solidFill>
+                <a:latin typeface="Tahoma" panose="020B0604030504040204" pitchFamily="34" charset="0"/>
+                <a:ea typeface="Tahoma" panose="020B0604030504040204" pitchFamily="34" charset="0"/>
+                <a:cs typeface="Tahoma" panose="020B0604030504040204" pitchFamily="34" charset="0"/>
+              </a:rPr>
+              <a:t>Al contrario, </a:t>
+            </a:r>
+            <a:r>
+              <a:rPr lang="it-IT" sz="2400" b="1" dirty="0" smtClean="0">
+                <a:solidFill>
+                  <a:schemeClr val="tx1"/>
+                </a:solidFill>
+                <a:latin typeface="Tahoma" panose="020B0604030504040204" pitchFamily="34" charset="0"/>
+                <a:ea typeface="Tahoma" panose="020B0604030504040204" pitchFamily="34" charset="0"/>
+                <a:cs typeface="Tahoma" panose="020B0604030504040204" pitchFamily="34" charset="0"/>
+              </a:rPr>
+              <a:t>un documento di un database è capace di vedere una struttura nell’aggregato, </a:t>
+            </a:r>
+            <a:r>
+              <a:rPr lang="it-IT" sz="2400" dirty="0" smtClean="0">
+                <a:solidFill>
+                  <a:schemeClr val="tx1"/>
+                </a:solidFill>
+                <a:latin typeface="Tahoma" panose="020B0604030504040204" pitchFamily="34" charset="0"/>
+                <a:ea typeface="Tahoma" panose="020B0604030504040204" pitchFamily="34" charset="0"/>
+                <a:cs typeface="Tahoma" panose="020B0604030504040204" pitchFamily="34" charset="0"/>
+              </a:rPr>
+              <a:t>ma impone </a:t>
+            </a:r>
+            <a:r>
+              <a:rPr lang="it-IT" sz="2400" b="1" dirty="0" smtClean="0">
+                <a:solidFill>
+                  <a:schemeClr val="tx1"/>
+                </a:solidFill>
+                <a:latin typeface="Tahoma" panose="020B0604030504040204" pitchFamily="34" charset="0"/>
+                <a:ea typeface="Tahoma" panose="020B0604030504040204" pitchFamily="34" charset="0"/>
+                <a:cs typeface="Tahoma" panose="020B0604030504040204" pitchFamily="34" charset="0"/>
+              </a:rPr>
+              <a:t>limiti su ciò che possiamo immagazzinare in esso, </a:t>
+            </a:r>
+            <a:r>
+              <a:rPr lang="it-IT" sz="2400" dirty="0" err="1" smtClean="0">
+                <a:solidFill>
+                  <a:schemeClr val="tx1"/>
+                </a:solidFill>
+                <a:latin typeface="Tahoma" panose="020B0604030504040204" pitchFamily="34" charset="0"/>
+                <a:ea typeface="Tahoma" panose="020B0604030504040204" pitchFamily="34" charset="0"/>
+                <a:cs typeface="Tahoma" panose="020B0604030504040204" pitchFamily="34" charset="0"/>
+              </a:rPr>
+              <a:t>definnendo</a:t>
+            </a:r>
+            <a:r>
+              <a:rPr lang="it-IT" sz="2400" dirty="0" smtClean="0">
+                <a:solidFill>
+                  <a:schemeClr val="tx1"/>
+                </a:solidFill>
+                <a:latin typeface="Tahoma" panose="020B0604030504040204" pitchFamily="34" charset="0"/>
+                <a:ea typeface="Tahoma" panose="020B0604030504040204" pitchFamily="34" charset="0"/>
+                <a:cs typeface="Tahoma" panose="020B0604030504040204" pitchFamily="34" charset="0"/>
+              </a:rPr>
+              <a:t> strutture ammissibili e i tipi. Di ritorno, tuttavia, </a:t>
+            </a:r>
+            <a:r>
+              <a:rPr lang="it-IT" sz="2400" b="1" dirty="0" smtClean="0">
+                <a:solidFill>
+                  <a:schemeClr val="tx1"/>
+                </a:solidFill>
+                <a:latin typeface="Tahoma" panose="020B0604030504040204" pitchFamily="34" charset="0"/>
+                <a:ea typeface="Tahoma" panose="020B0604030504040204" pitchFamily="34" charset="0"/>
+                <a:cs typeface="Tahoma" panose="020B0604030504040204" pitchFamily="34" charset="0"/>
+              </a:rPr>
+              <a:t>otteniamo più </a:t>
+            </a:r>
+            <a:r>
+              <a:rPr lang="it-IT" sz="2400" b="1" dirty="0" err="1" smtClean="0">
+                <a:solidFill>
+                  <a:schemeClr val="tx1"/>
+                </a:solidFill>
+                <a:latin typeface="Tahoma" panose="020B0604030504040204" pitchFamily="34" charset="0"/>
+                <a:ea typeface="Tahoma" panose="020B0604030504040204" pitchFamily="34" charset="0"/>
+                <a:cs typeface="Tahoma" panose="020B0604030504040204" pitchFamily="34" charset="0"/>
+              </a:rPr>
+              <a:t>flssibilità</a:t>
+            </a:r>
+            <a:r>
+              <a:rPr lang="it-IT" sz="2400" b="1" dirty="0" smtClean="0">
+                <a:solidFill>
+                  <a:schemeClr val="tx1"/>
+                </a:solidFill>
+                <a:latin typeface="Tahoma" panose="020B0604030504040204" pitchFamily="34" charset="0"/>
+                <a:ea typeface="Tahoma" panose="020B0604030504040204" pitchFamily="34" charset="0"/>
+                <a:cs typeface="Tahoma" panose="020B0604030504040204" pitchFamily="34" charset="0"/>
+              </a:rPr>
+              <a:t> quando accediamo ai dati. </a:t>
+            </a:r>
+            <a:endParaRPr lang="it-IT" sz="2400" dirty="0" smtClean="0">
+              <a:solidFill>
+                <a:schemeClr val="tx1"/>
+              </a:solidFill>
+              <a:latin typeface="Tahoma" panose="020B0604030504040204" pitchFamily="34" charset="0"/>
+              <a:ea typeface="Tahoma" panose="020B0604030504040204" pitchFamily="34" charset="0"/>
+              <a:cs typeface="Tahoma" panose="020B0604030504040204" pitchFamily="34" charset="0"/>
+            </a:endParaRPr>
+          </a:p>
+          <a:p>
+            <a:pPr marL="342900" indent="-342900">
+              <a:buFont typeface="Wingdings" panose="05000000000000000000" pitchFamily="2" charset="2"/>
+              <a:buChar char="ü"/>
+            </a:pPr>
+            <a:endParaRPr lang="it-IT" sz="2600" b="1" dirty="0">
+              <a:solidFill>
+                <a:schemeClr val="tx1"/>
+              </a:solidFill>
+              <a:latin typeface="Tahoma" panose="020B0604030504040204" pitchFamily="34" charset="0"/>
+              <a:ea typeface="Tahoma" panose="020B0604030504040204" pitchFamily="34" charset="0"/>
+              <a:cs typeface="Tahoma" panose="020B0604030504040204" pitchFamily="34" charset="0"/>
+            </a:endParaRPr>
+          </a:p>
+        </p:txBody>
+      </p:sp>
+      <p:sp>
+        <p:nvSpPr>
           <p:cNvPr id="7" name="Segnaposto numero diapositiva 6">
             <a:extLst>
               <a:ext uri="{FF2B5EF4-FFF2-40B4-BE49-F238E27FC236}">
@@ -14698,90 +15370,100 @@
           </p:nvPr>
         </p:nvSpPr>
         <p:spPr>
-          <a:xfrm>
-            <a:off x="468895" y="503475"/>
-            <a:ext cx="11269308" cy="384721"/>
-          </a:xfrm>
+          <a:noFill/>
+          <a:ln>
+            <a:noFill/>
+          </a:ln>
+          <a:extLst>
+            <a:ext uri="{909E8E84-426E-40DD-AFC4-6F175D3DCCD1}">
+              <a14:hiddenFill xmlns:a14="http://schemas.microsoft.com/office/drawing/2010/main">
+                <a:solidFill>
+                  <a:srgbClr val="FFFFFF"/>
+                </a:solidFill>
+              </a14:hiddenFill>
+            </a:ext>
+            <a:ext uri="{91240B29-F687-4F45-9708-019B960494DF}">
+              <a14:hiddenLine xmlns:a14="http://schemas.microsoft.com/office/drawing/2010/main" w="9525">
+                <a:solidFill>
+                  <a:srgbClr val="000000"/>
+                </a:solidFill>
+                <a:miter lim="800000"/>
+                <a:headEnd/>
+                <a:tailEnd/>
+              </a14:hiddenLine>
+            </a:ext>
+          </a:extLst>
         </p:spPr>
         <p:txBody>
-          <a:bodyPr/>
+          <a:bodyPr vert="horz" wrap="square" lIns="0" tIns="0" rIns="0" bIns="0" numCol="1" rtlCol="0" anchor="b" anchorCtr="0" compatLnSpc="1">
+            <a:prstTxWarp prst="textNoShape">
+              <a:avLst/>
+            </a:prstTxWarp>
+            <a:spAutoFit/>
+          </a:bodyPr>
           <a:lstStyle/>
           <a:p>
-            <a:r>
-              <a:rPr lang="it-IT" altLang="it-IT"/>
-              <a:t>Bibliografia</a:t>
-            </a:r>
-            <a:endParaRPr lang="it-IT" dirty="0"/>
+            <a:pPr eaLnBrk="0" hangingPunct="0"/>
+            <a:r>
+              <a:rPr lang="it-IT" dirty="0" smtClean="0">
+                <a:solidFill>
+                  <a:schemeClr val="tx1"/>
+                </a:solidFill>
+              </a:rPr>
+              <a:t>Database </a:t>
+            </a:r>
+            <a:r>
+              <a:rPr lang="it-IT" dirty="0" err="1" smtClean="0">
+                <a:solidFill>
+                  <a:schemeClr val="tx1"/>
+                </a:solidFill>
+              </a:rPr>
+              <a:t>NoSQL</a:t>
+            </a:r>
+            <a:r>
+              <a:rPr lang="it-IT" dirty="0" smtClean="0">
+                <a:solidFill>
+                  <a:schemeClr val="tx1"/>
+                </a:solidFill>
+              </a:rPr>
+              <a:t>: DB Aggregati</a:t>
+            </a:r>
+            <a:endParaRPr lang="it-IT" dirty="0">
+              <a:solidFill>
+                <a:schemeClr val="tx1"/>
+              </a:solidFill>
+            </a:endParaRPr>
           </a:p>
         </p:txBody>
       </p:sp>
-      <p:sp>
-        <p:nvSpPr>
-          <p:cNvPr id="3" name="Segnaposto testo 2">
-            <a:extLst>
-              <a:ext uri="{FF2B5EF4-FFF2-40B4-BE49-F238E27FC236}">
-                <a16:creationId xmlns:a16="http://schemas.microsoft.com/office/drawing/2014/main" id="{15CD42DB-61E6-AA3D-7125-BF4BEDB5D886}"/>
-              </a:ext>
-            </a:extLst>
-          </p:cNvPr>
-          <p:cNvSpPr>
-            <a:spLocks noGrp="1"/>
-          </p:cNvSpPr>
-          <p:nvPr>
-            <p:ph type="body" idx="1"/>
-          </p:nvPr>
-        </p:nvSpPr>
+      <p:pic>
+        <p:nvPicPr>
+          <p:cNvPr id="3" name="Immagine 2"/>
+          <p:cNvPicPr>
+            <a:picLocks noChangeAspect="1"/>
+          </p:cNvPicPr>
+          <p:nvPr/>
+        </p:nvPicPr>
+        <p:blipFill>
+          <a:blip r:embed="rId3"/>
+          <a:stretch>
+            <a:fillRect/>
+          </a:stretch>
+        </p:blipFill>
         <p:spPr>
           <a:xfrm>
-            <a:off x="477519" y="1557338"/>
-            <a:ext cx="11043921" cy="4392612"/>
+            <a:off x="1762625" y="3303483"/>
+            <a:ext cx="9975577" cy="2959621"/>
           </a:xfrm>
+          <a:prstGeom prst="rect">
+            <a:avLst/>
+          </a:prstGeom>
         </p:spPr>
-        <p:txBody>
-          <a:bodyPr/>
-          <a:lstStyle/>
-          <a:p>
-            <a:r>
-              <a:rPr lang="it-IT" dirty="0">
-                <a:hlinkClick r:id="rId2"/>
-              </a:rPr>
-              <a:t>https://www.stitchdata.com/resources</a:t>
-            </a:r>
-            <a:r>
-              <a:rPr lang="it-IT">
-                <a:hlinkClick r:id="rId2"/>
-              </a:rPr>
-              <a:t>/data-transformation</a:t>
-            </a:r>
-            <a:endParaRPr lang="it-IT"/>
-          </a:p>
-          <a:p>
-            <a:endParaRPr lang="it-IT"/>
-          </a:p>
-          <a:p>
-            <a:r>
-              <a:rPr lang="it-IT">
-                <a:hlinkClick r:id="rId3"/>
-              </a:rPr>
-              <a:t>https://www.ibm.com/cloud/learn/data-warehouse#:~:text=A%20data%20warehouse%2C%20or%20enterprise,AI)%2C%20and%20machine%20learning</a:t>
-            </a:r>
-            <a:r>
-              <a:rPr lang="it-IT"/>
-              <a:t>.</a:t>
-            </a:r>
-          </a:p>
-          <a:p>
-            <a:endParaRPr lang="it-IT" dirty="0"/>
-          </a:p>
-          <a:p>
-            <a:endParaRPr lang="it-IT" dirty="0"/>
-          </a:p>
-        </p:txBody>
-      </p:sp>
+      </p:pic>
     </p:spTree>
     <p:extLst>
       <p:ext uri="{BB962C8B-B14F-4D97-AF65-F5344CB8AC3E}">
-        <p14:creationId xmlns:p14="http://schemas.microsoft.com/office/powerpoint/2010/main" val="3490964097"/>
+        <p14:creationId xmlns:p14="http://schemas.microsoft.com/office/powerpoint/2010/main" val="3089860269"/>
       </p:ext>
     </p:extLst>
   </p:cSld>
@@ -15195,6 +15877,4827 @@
     <p:extLst>
       <p:ext uri="{BB962C8B-B14F-4D97-AF65-F5344CB8AC3E}">
         <p14:creationId xmlns:p14="http://schemas.microsoft.com/office/powerpoint/2010/main" val="1524414611"/>
+      </p:ext>
+    </p:extLst>
+  </p:cSld>
+  <p:clrMapOvr>
+    <a:masterClrMapping/>
+  </p:clrMapOvr>
+</p:sld>
+</file>
+
+<file path=ppt/slides/slide30.xml><?xml version="1.0" encoding="utf-8"?>
+<p:sld xmlns:a="http://schemas.openxmlformats.org/drawingml/2006/main" xmlns:r="http://schemas.openxmlformats.org/officeDocument/2006/relationships" xmlns:p="http://schemas.openxmlformats.org/presentationml/2006/main">
+  <p:cSld>
+    <p:spTree>
+      <p:nvGrpSpPr>
+        <p:cNvPr id="1" name=""/>
+        <p:cNvGrpSpPr/>
+        <p:nvPr/>
+      </p:nvGrpSpPr>
+      <p:grpSpPr>
+        <a:xfrm>
+          <a:off x="0" y="0"/>
+          <a:ext cx="0" cy="0"/>
+          <a:chOff x="0" y="0"/>
+          <a:chExt cx="0" cy="0"/>
+        </a:xfrm>
+      </p:grpSpPr>
+      <p:sp>
+        <p:nvSpPr>
+          <p:cNvPr id="7" name="Segnaposto numero diapositiva 6">
+            <a:extLst>
+              <a:ext uri="{FF2B5EF4-FFF2-40B4-BE49-F238E27FC236}">
+                <a16:creationId xmlns:a16="http://schemas.microsoft.com/office/drawing/2014/main" id="{AB740BE9-E218-4144-BFDE-AE473D230A3D}"/>
+              </a:ext>
+            </a:extLst>
+          </p:cNvPr>
+          <p:cNvSpPr>
+            <a:spLocks noGrp="1"/>
+          </p:cNvSpPr>
+          <p:nvPr>
+            <p:ph type="sldNum" sz="quarter" idx="12"/>
+          </p:nvPr>
+        </p:nvSpPr>
+        <p:spPr/>
+        <p:txBody>
+          <a:bodyPr/>
+          <a:lstStyle/>
+          <a:p>
+            <a:pPr>
+              <a:defRPr/>
+            </a:pPr>
+            <a:fld id="{48B4153A-D4C5-4CEF-8992-0D8815C829E3}" type="slidenum">
+              <a:rPr lang="en-US" smtClean="0"/>
+              <a:pPr>
+                <a:defRPr/>
+              </a:pPr>
+              <a:t>30</a:t>
+            </a:fld>
+            <a:endParaRPr lang="en-US" dirty="0"/>
+          </a:p>
+        </p:txBody>
+      </p:sp>
+      <p:sp>
+        <p:nvSpPr>
+          <p:cNvPr id="5" name="Titolo 4">
+            <a:extLst>
+              <a:ext uri="{FF2B5EF4-FFF2-40B4-BE49-F238E27FC236}">
+                <a16:creationId xmlns:a16="http://schemas.microsoft.com/office/drawing/2014/main" id="{82C46BA2-B380-4357-B125-BA9F08A643F5}"/>
+              </a:ext>
+            </a:extLst>
+          </p:cNvPr>
+          <p:cNvSpPr>
+            <a:spLocks noGrp="1"/>
+          </p:cNvSpPr>
+          <p:nvPr>
+            <p:ph type="title"/>
+          </p:nvPr>
+        </p:nvSpPr>
+        <p:spPr>
+          <a:xfrm>
+            <a:off x="468895" y="503475"/>
+            <a:ext cx="11269308" cy="384721"/>
+          </a:xfrm>
+          <a:noFill/>
+          <a:ln>
+            <a:noFill/>
+          </a:ln>
+          <a:extLst>
+            <a:ext uri="{909E8E84-426E-40DD-AFC4-6F175D3DCCD1}">
+              <a14:hiddenFill xmlns:a14="http://schemas.microsoft.com/office/drawing/2010/main">
+                <a:solidFill>
+                  <a:srgbClr val="FFFFFF"/>
+                </a:solidFill>
+              </a14:hiddenFill>
+            </a:ext>
+            <a:ext uri="{91240B29-F687-4F45-9708-019B960494DF}">
+              <a14:hiddenLine xmlns:a14="http://schemas.microsoft.com/office/drawing/2010/main" w="9525">
+                <a:solidFill>
+                  <a:srgbClr val="000000"/>
+                </a:solidFill>
+                <a:miter lim="800000"/>
+                <a:headEnd/>
+                <a:tailEnd/>
+              </a14:hiddenLine>
+            </a:ext>
+          </a:extLst>
+        </p:spPr>
+        <p:txBody>
+          <a:bodyPr vert="horz" wrap="square" lIns="0" tIns="0" rIns="0" bIns="0" numCol="1" rtlCol="0" anchor="b" anchorCtr="0" compatLnSpc="1">
+            <a:prstTxWarp prst="textNoShape">
+              <a:avLst/>
+            </a:prstTxWarp>
+            <a:spAutoFit/>
+          </a:bodyPr>
+          <a:lstStyle/>
+          <a:p>
+            <a:pPr eaLnBrk="0" hangingPunct="0"/>
+            <a:r>
+              <a:rPr lang="it-IT" dirty="0" smtClean="0">
+                <a:solidFill>
+                  <a:schemeClr val="tx1"/>
+                </a:solidFill>
+              </a:rPr>
+              <a:t>JavaScript Object </a:t>
+            </a:r>
+            <a:r>
+              <a:rPr lang="it-IT" dirty="0" err="1" smtClean="0">
+                <a:solidFill>
+                  <a:schemeClr val="tx1"/>
+                </a:solidFill>
+              </a:rPr>
+              <a:t>Notation</a:t>
+            </a:r>
+            <a:r>
+              <a:rPr lang="it-IT" dirty="0" smtClean="0">
+                <a:solidFill>
+                  <a:schemeClr val="tx1"/>
+                </a:solidFill>
+              </a:rPr>
+              <a:t> (JSON)</a:t>
+            </a:r>
+            <a:endParaRPr lang="it-IT" dirty="0">
+              <a:solidFill>
+                <a:schemeClr val="tx1"/>
+              </a:solidFill>
+            </a:endParaRPr>
+          </a:p>
+        </p:txBody>
+      </p:sp>
+      <p:sp>
+        <p:nvSpPr>
+          <p:cNvPr id="8" name="Segnaposto testo 1">
+            <a:extLst>
+              <a:ext uri="{FF2B5EF4-FFF2-40B4-BE49-F238E27FC236}">
+                <a16:creationId xmlns:a16="http://schemas.microsoft.com/office/drawing/2014/main" id="{E5AE986C-196F-4141-A898-FA4C4198CDCC}"/>
+              </a:ext>
+            </a:extLst>
+          </p:cNvPr>
+          <p:cNvSpPr>
+            <a:spLocks noGrp="1"/>
+          </p:cNvSpPr>
+          <p:nvPr>
+            <p:ph type="body" idx="1"/>
+          </p:nvPr>
+        </p:nvSpPr>
+        <p:spPr>
+          <a:xfrm>
+            <a:off x="468895" y="1232694"/>
+            <a:ext cx="11459402" cy="4392612"/>
+          </a:xfrm>
+        </p:spPr>
+        <p:txBody>
+          <a:bodyPr/>
+          <a:lstStyle/>
+          <a:p>
+            <a:pPr marL="342900" indent="-342900" algn="l">
+              <a:buFont typeface="Wingdings" panose="05000000000000000000" pitchFamily="2" charset="2"/>
+              <a:buChar char="ü"/>
+            </a:pPr>
+            <a:r>
+              <a:rPr lang="en-US" sz="2400" b="1" dirty="0" smtClean="0">
+                <a:solidFill>
+                  <a:schemeClr val="tx1"/>
+                </a:solidFill>
+                <a:latin typeface="Tahoma" panose="020B0604030504040204" pitchFamily="34" charset="0"/>
+                <a:ea typeface="Tahoma" panose="020B0604030504040204" pitchFamily="34" charset="0"/>
+                <a:cs typeface="Tahoma" panose="020B0604030504040204" pitchFamily="34" charset="0"/>
+              </a:rPr>
+              <a:t>JSON </a:t>
+            </a:r>
+            <a:r>
+              <a:rPr lang="en-US" sz="2400" dirty="0" smtClean="0">
+                <a:solidFill>
+                  <a:schemeClr val="tx1"/>
+                </a:solidFill>
+                <a:latin typeface="Tahoma" panose="020B0604030504040204" pitchFamily="34" charset="0"/>
+                <a:ea typeface="Tahoma" panose="020B0604030504040204" pitchFamily="34" charset="0"/>
+                <a:cs typeface="Tahoma" panose="020B0604030504040204" pitchFamily="34" charset="0"/>
+              </a:rPr>
+              <a:t>è un </a:t>
+            </a:r>
+            <a:r>
+              <a:rPr lang="en-US" sz="2400" dirty="0" err="1" smtClean="0">
+                <a:solidFill>
+                  <a:schemeClr val="tx1"/>
+                </a:solidFill>
+                <a:latin typeface="Tahoma" panose="020B0604030504040204" pitchFamily="34" charset="0"/>
+                <a:ea typeface="Tahoma" panose="020B0604030504040204" pitchFamily="34" charset="0"/>
+                <a:cs typeface="Tahoma" panose="020B0604030504040204" pitchFamily="34" charset="0"/>
+              </a:rPr>
+              <a:t>formato</a:t>
+            </a:r>
+            <a:r>
+              <a:rPr lang="en-US" sz="2400" dirty="0" smtClean="0">
+                <a:solidFill>
+                  <a:schemeClr val="tx1"/>
+                </a:solidFill>
+                <a:latin typeface="Tahoma" panose="020B0604030504040204" pitchFamily="34" charset="0"/>
+                <a:ea typeface="Tahoma" panose="020B0604030504040204" pitchFamily="34" charset="0"/>
+                <a:cs typeface="Tahoma" panose="020B0604030504040204" pitchFamily="34" charset="0"/>
+              </a:rPr>
+              <a:t> di </a:t>
+            </a:r>
+            <a:r>
+              <a:rPr lang="en-US" sz="2400" dirty="0" err="1" smtClean="0">
+                <a:solidFill>
+                  <a:schemeClr val="tx1"/>
+                </a:solidFill>
+                <a:latin typeface="Tahoma" panose="020B0604030504040204" pitchFamily="34" charset="0"/>
+                <a:ea typeface="Tahoma" panose="020B0604030504040204" pitchFamily="34" charset="0"/>
+                <a:cs typeface="Tahoma" panose="020B0604030504040204" pitchFamily="34" charset="0"/>
+              </a:rPr>
+              <a:t>interscambio</a:t>
+            </a:r>
+            <a:r>
+              <a:rPr lang="en-US" sz="2400" dirty="0" smtClean="0">
+                <a:solidFill>
+                  <a:schemeClr val="tx1"/>
+                </a:solidFill>
+                <a:latin typeface="Tahoma" panose="020B0604030504040204" pitchFamily="34" charset="0"/>
+                <a:ea typeface="Tahoma" panose="020B0604030504040204" pitchFamily="34" charset="0"/>
+                <a:cs typeface="Tahoma" panose="020B0604030504040204" pitchFamily="34" charset="0"/>
+              </a:rPr>
+              <a:t> </a:t>
+            </a:r>
+            <a:r>
+              <a:rPr lang="en-US" sz="2400" dirty="0" err="1" smtClean="0">
+                <a:solidFill>
+                  <a:schemeClr val="tx1"/>
+                </a:solidFill>
+                <a:latin typeface="Tahoma" panose="020B0604030504040204" pitchFamily="34" charset="0"/>
+                <a:ea typeface="Tahoma" panose="020B0604030504040204" pitchFamily="34" charset="0"/>
+                <a:cs typeface="Tahoma" panose="020B0604030504040204" pitchFamily="34" charset="0"/>
+              </a:rPr>
+              <a:t>dei</a:t>
+            </a:r>
+            <a:r>
+              <a:rPr lang="en-US" sz="2400" dirty="0" smtClean="0">
+                <a:solidFill>
+                  <a:schemeClr val="tx1"/>
+                </a:solidFill>
+                <a:latin typeface="Tahoma" panose="020B0604030504040204" pitchFamily="34" charset="0"/>
+                <a:ea typeface="Tahoma" panose="020B0604030504040204" pitchFamily="34" charset="0"/>
+                <a:cs typeface="Tahoma" panose="020B0604030504040204" pitchFamily="34" charset="0"/>
+              </a:rPr>
+              <a:t> </a:t>
+            </a:r>
+            <a:r>
+              <a:rPr lang="en-US" sz="2400" dirty="0" err="1" smtClean="0">
+                <a:solidFill>
+                  <a:schemeClr val="tx1"/>
+                </a:solidFill>
+                <a:latin typeface="Tahoma" panose="020B0604030504040204" pitchFamily="34" charset="0"/>
+                <a:ea typeface="Tahoma" panose="020B0604030504040204" pitchFamily="34" charset="0"/>
+                <a:cs typeface="Tahoma" panose="020B0604030504040204" pitchFamily="34" charset="0"/>
+              </a:rPr>
+              <a:t>dati</a:t>
+            </a:r>
+            <a:r>
+              <a:rPr lang="en-US" sz="2400" dirty="0" smtClean="0">
+                <a:solidFill>
+                  <a:schemeClr val="tx1"/>
+                </a:solidFill>
+                <a:latin typeface="Tahoma" panose="020B0604030504040204" pitchFamily="34" charset="0"/>
+                <a:ea typeface="Tahoma" panose="020B0604030504040204" pitchFamily="34" charset="0"/>
+                <a:cs typeface="Tahoma" panose="020B0604030504040204" pitchFamily="34" charset="0"/>
+              </a:rPr>
+              <a:t> molto </a:t>
+            </a:r>
+            <a:r>
+              <a:rPr lang="en-US" sz="2400" dirty="0" err="1" smtClean="0">
+                <a:solidFill>
+                  <a:schemeClr val="tx1"/>
+                </a:solidFill>
+                <a:latin typeface="Tahoma" panose="020B0604030504040204" pitchFamily="34" charset="0"/>
+                <a:ea typeface="Tahoma" panose="020B0604030504040204" pitchFamily="34" charset="0"/>
+                <a:cs typeface="Tahoma" panose="020B0604030504040204" pitchFamily="34" charset="0"/>
+              </a:rPr>
+              <a:t>snello</a:t>
+            </a:r>
+            <a:r>
+              <a:rPr lang="en-US" sz="2400" dirty="0" smtClean="0">
+                <a:solidFill>
+                  <a:schemeClr val="tx1"/>
+                </a:solidFill>
+                <a:latin typeface="Tahoma" panose="020B0604030504040204" pitchFamily="34" charset="0"/>
+                <a:ea typeface="Tahoma" panose="020B0604030504040204" pitchFamily="34" charset="0"/>
+                <a:cs typeface="Tahoma" panose="020B0604030504040204" pitchFamily="34" charset="0"/>
+              </a:rPr>
+              <a:t> </a:t>
+            </a:r>
+            <a:r>
+              <a:rPr lang="en-US" sz="2400" dirty="0" err="1" smtClean="0">
+                <a:solidFill>
+                  <a:schemeClr val="tx1"/>
+                </a:solidFill>
+                <a:latin typeface="Tahoma" panose="020B0604030504040204" pitchFamily="34" charset="0"/>
+                <a:ea typeface="Tahoma" panose="020B0604030504040204" pitchFamily="34" charset="0"/>
+                <a:cs typeface="Tahoma" panose="020B0604030504040204" pitchFamily="34" charset="0"/>
+              </a:rPr>
+              <a:t>basato</a:t>
+            </a:r>
+            <a:r>
+              <a:rPr lang="en-US" sz="2400" dirty="0" smtClean="0">
+                <a:solidFill>
+                  <a:schemeClr val="tx1"/>
+                </a:solidFill>
+                <a:latin typeface="Tahoma" panose="020B0604030504040204" pitchFamily="34" charset="0"/>
+                <a:ea typeface="Tahoma" panose="020B0604030504040204" pitchFamily="34" charset="0"/>
+                <a:cs typeface="Tahoma" panose="020B0604030504040204" pitchFamily="34" charset="0"/>
+              </a:rPr>
+              <a:t> sui tipi di </a:t>
+            </a:r>
+            <a:r>
+              <a:rPr lang="en-US" sz="2400" dirty="0" err="1" smtClean="0">
+                <a:solidFill>
+                  <a:schemeClr val="tx1"/>
+                </a:solidFill>
+                <a:latin typeface="Tahoma" panose="020B0604030504040204" pitchFamily="34" charset="0"/>
+                <a:ea typeface="Tahoma" panose="020B0604030504040204" pitchFamily="34" charset="0"/>
+                <a:cs typeface="Tahoma" panose="020B0604030504040204" pitchFamily="34" charset="0"/>
+              </a:rPr>
+              <a:t>dati</a:t>
+            </a:r>
+            <a:r>
+              <a:rPr lang="en-US" sz="2400" dirty="0" smtClean="0">
+                <a:solidFill>
+                  <a:schemeClr val="tx1"/>
+                </a:solidFill>
+                <a:latin typeface="Tahoma" panose="020B0604030504040204" pitchFamily="34" charset="0"/>
+                <a:ea typeface="Tahoma" panose="020B0604030504040204" pitchFamily="34" charset="0"/>
+                <a:cs typeface="Tahoma" panose="020B0604030504040204" pitchFamily="34" charset="0"/>
+              </a:rPr>
+              <a:t> del </a:t>
+            </a:r>
+            <a:r>
+              <a:rPr lang="en-US" sz="2400" dirty="0" err="1" smtClean="0">
+                <a:solidFill>
+                  <a:schemeClr val="tx1"/>
+                </a:solidFill>
+                <a:latin typeface="Tahoma" panose="020B0604030504040204" pitchFamily="34" charset="0"/>
+                <a:ea typeface="Tahoma" panose="020B0604030504040204" pitchFamily="34" charset="0"/>
+                <a:cs typeface="Tahoma" panose="020B0604030504040204" pitchFamily="34" charset="0"/>
+              </a:rPr>
+              <a:t>linguaggio</a:t>
+            </a:r>
+            <a:r>
+              <a:rPr lang="en-US" sz="2400" dirty="0" smtClean="0">
+                <a:solidFill>
+                  <a:schemeClr val="tx1"/>
+                </a:solidFill>
+                <a:latin typeface="Tahoma" panose="020B0604030504040204" pitchFamily="34" charset="0"/>
+                <a:ea typeface="Tahoma" panose="020B0604030504040204" pitchFamily="34" charset="0"/>
+                <a:cs typeface="Tahoma" panose="020B0604030504040204" pitchFamily="34" charset="0"/>
+              </a:rPr>
+              <a:t> di </a:t>
+            </a:r>
+            <a:r>
+              <a:rPr lang="en-US" sz="2400" dirty="0" err="1" smtClean="0">
+                <a:solidFill>
+                  <a:schemeClr val="tx1"/>
+                </a:solidFill>
+                <a:latin typeface="Tahoma" panose="020B0604030504040204" pitchFamily="34" charset="0"/>
+                <a:ea typeface="Tahoma" panose="020B0604030504040204" pitchFamily="34" charset="0"/>
+                <a:cs typeface="Tahoma" panose="020B0604030504040204" pitchFamily="34" charset="0"/>
+              </a:rPr>
+              <a:t>programmazione</a:t>
+            </a:r>
+            <a:r>
+              <a:rPr lang="en-US" sz="2400" dirty="0" smtClean="0">
+                <a:solidFill>
+                  <a:schemeClr val="tx1"/>
+                </a:solidFill>
+                <a:latin typeface="Tahoma" panose="020B0604030504040204" pitchFamily="34" charset="0"/>
+                <a:ea typeface="Tahoma" panose="020B0604030504040204" pitchFamily="34" charset="0"/>
+                <a:cs typeface="Tahoma" panose="020B0604030504040204" pitchFamily="34" charset="0"/>
+              </a:rPr>
+              <a:t> JavaScript</a:t>
+            </a:r>
+            <a:r>
+              <a:rPr lang="en-US" sz="2400" b="1" dirty="0" smtClean="0">
+                <a:solidFill>
+                  <a:schemeClr val="tx1"/>
+                </a:solidFill>
+                <a:latin typeface="Tahoma" panose="020B0604030504040204" pitchFamily="34" charset="0"/>
+                <a:ea typeface="Tahoma" panose="020B0604030504040204" pitchFamily="34" charset="0"/>
+                <a:cs typeface="Tahoma" panose="020B0604030504040204" pitchFamily="34" charset="0"/>
+              </a:rPr>
+              <a:t>.</a:t>
+            </a:r>
+            <a:r>
+              <a:rPr lang="en-US" sz="2400" dirty="0" smtClean="0">
+                <a:solidFill>
+                  <a:schemeClr val="tx1"/>
+                </a:solidFill>
+                <a:latin typeface="Tahoma" panose="020B0604030504040204" pitchFamily="34" charset="0"/>
+                <a:ea typeface="Tahoma" panose="020B0604030504040204" pitchFamily="34" charset="0"/>
+                <a:cs typeface="Tahoma" panose="020B0604030504040204" pitchFamily="34" charset="0"/>
+              </a:rPr>
+              <a:t> </a:t>
+            </a:r>
+            <a:endParaRPr lang="en-US" sz="2400" dirty="0">
+              <a:solidFill>
+                <a:schemeClr val="tx1"/>
+              </a:solidFill>
+              <a:latin typeface="Tahoma" panose="020B0604030504040204" pitchFamily="34" charset="0"/>
+              <a:ea typeface="Tahoma" panose="020B0604030504040204" pitchFamily="34" charset="0"/>
+              <a:cs typeface="Tahoma" panose="020B0604030504040204" pitchFamily="34" charset="0"/>
+            </a:endParaRPr>
+          </a:p>
+          <a:p>
+            <a:pPr marL="342900" indent="-342900" algn="l">
+              <a:buFont typeface="Wingdings" panose="05000000000000000000" pitchFamily="2" charset="2"/>
+              <a:buChar char="ü"/>
+            </a:pPr>
+            <a:r>
+              <a:rPr lang="en-US" sz="2400" dirty="0" err="1" smtClean="0">
+                <a:solidFill>
+                  <a:schemeClr val="tx1"/>
+                </a:solidFill>
+                <a:latin typeface="Tahoma" panose="020B0604030504040204" pitchFamily="34" charset="0"/>
+                <a:ea typeface="Tahoma" panose="020B0604030504040204" pitchFamily="34" charset="0"/>
+                <a:cs typeface="Tahoma" panose="020B0604030504040204" pitchFamily="34" charset="0"/>
+              </a:rPr>
+              <a:t>Nella</a:t>
+            </a:r>
+            <a:r>
+              <a:rPr lang="en-US" sz="2400" dirty="0" smtClean="0">
+                <a:solidFill>
+                  <a:schemeClr val="tx1"/>
+                </a:solidFill>
+                <a:latin typeface="Tahoma" panose="020B0604030504040204" pitchFamily="34" charset="0"/>
+                <a:ea typeface="Tahoma" panose="020B0604030504040204" pitchFamily="34" charset="0"/>
+                <a:cs typeface="Tahoma" panose="020B0604030504040204" pitchFamily="34" charset="0"/>
+              </a:rPr>
+              <a:t> </a:t>
+            </a:r>
+            <a:r>
+              <a:rPr lang="en-US" sz="2400" dirty="0" err="1" smtClean="0">
+                <a:solidFill>
+                  <a:schemeClr val="tx1"/>
+                </a:solidFill>
+                <a:latin typeface="Tahoma" panose="020B0604030504040204" pitchFamily="34" charset="0"/>
+                <a:ea typeface="Tahoma" panose="020B0604030504040204" pitchFamily="34" charset="0"/>
+                <a:cs typeface="Tahoma" panose="020B0604030504040204" pitchFamily="34" charset="0"/>
+              </a:rPr>
+              <a:t>loro</a:t>
+            </a:r>
+            <a:r>
+              <a:rPr lang="en-US" sz="2400" dirty="0" smtClean="0">
+                <a:solidFill>
+                  <a:schemeClr val="tx1"/>
+                </a:solidFill>
+                <a:latin typeface="Tahoma" panose="020B0604030504040204" pitchFamily="34" charset="0"/>
+                <a:ea typeface="Tahoma" panose="020B0604030504040204" pitchFamily="34" charset="0"/>
+                <a:cs typeface="Tahoma" panose="020B0604030504040204" pitchFamily="34" charset="0"/>
+              </a:rPr>
+              <a:t> </a:t>
+            </a:r>
+            <a:r>
+              <a:rPr lang="en-US" sz="2400" dirty="0" err="1" smtClean="0">
+                <a:solidFill>
+                  <a:schemeClr val="tx1"/>
+                </a:solidFill>
+                <a:latin typeface="Tahoma" panose="020B0604030504040204" pitchFamily="34" charset="0"/>
+                <a:ea typeface="Tahoma" panose="020B0604030504040204" pitchFamily="34" charset="0"/>
+                <a:cs typeface="Tahoma" panose="020B0604030504040204" pitchFamily="34" charset="0"/>
+              </a:rPr>
+              <a:t>essenza</a:t>
+            </a:r>
+            <a:r>
+              <a:rPr lang="en-US" sz="2400" dirty="0" smtClean="0">
+                <a:solidFill>
+                  <a:schemeClr val="tx1"/>
+                </a:solidFill>
+                <a:latin typeface="Tahoma" panose="020B0604030504040204" pitchFamily="34" charset="0"/>
+                <a:ea typeface="Tahoma" panose="020B0604030504040204" pitchFamily="34" charset="0"/>
+                <a:cs typeface="Tahoma" panose="020B0604030504040204" pitchFamily="34" charset="0"/>
+              </a:rPr>
+              <a:t>, </a:t>
+            </a:r>
+            <a:r>
+              <a:rPr lang="en-US" sz="2400" dirty="0" err="1" smtClean="0">
+                <a:solidFill>
+                  <a:schemeClr val="tx1"/>
+                </a:solidFill>
+                <a:latin typeface="Tahoma" panose="020B0604030504040204" pitchFamily="34" charset="0"/>
+                <a:ea typeface="Tahoma" panose="020B0604030504040204" pitchFamily="34" charset="0"/>
+                <a:cs typeface="Tahoma" panose="020B0604030504040204" pitchFamily="34" charset="0"/>
+              </a:rPr>
+              <a:t>i</a:t>
+            </a:r>
+            <a:r>
+              <a:rPr lang="en-US" sz="2400" dirty="0" smtClean="0">
+                <a:solidFill>
+                  <a:schemeClr val="tx1"/>
+                </a:solidFill>
+                <a:latin typeface="Tahoma" panose="020B0604030504040204" pitchFamily="34" charset="0"/>
+                <a:ea typeface="Tahoma" panose="020B0604030504040204" pitchFamily="34" charset="0"/>
+                <a:cs typeface="Tahoma" panose="020B0604030504040204" pitchFamily="34" charset="0"/>
+              </a:rPr>
+              <a:t> </a:t>
+            </a:r>
+            <a:r>
+              <a:rPr lang="en-US" sz="2400" dirty="0" err="1" smtClean="0">
+                <a:solidFill>
+                  <a:schemeClr val="tx1"/>
+                </a:solidFill>
+                <a:latin typeface="Tahoma" panose="020B0604030504040204" pitchFamily="34" charset="0"/>
+                <a:ea typeface="Tahoma" panose="020B0604030504040204" pitchFamily="34" charset="0"/>
+                <a:cs typeface="Tahoma" panose="020B0604030504040204" pitchFamily="34" charset="0"/>
+              </a:rPr>
+              <a:t>documenti</a:t>
+            </a:r>
+            <a:r>
+              <a:rPr lang="en-US" sz="2400" dirty="0" smtClean="0">
+                <a:solidFill>
+                  <a:schemeClr val="tx1"/>
+                </a:solidFill>
+                <a:latin typeface="Tahoma" panose="020B0604030504040204" pitchFamily="34" charset="0"/>
+                <a:ea typeface="Tahoma" panose="020B0604030504040204" pitchFamily="34" charset="0"/>
+                <a:cs typeface="Tahoma" panose="020B0604030504040204" pitchFamily="34" charset="0"/>
+              </a:rPr>
+              <a:t> </a:t>
+            </a:r>
+            <a:r>
+              <a:rPr lang="en-US" sz="2400" b="1" dirty="0" smtClean="0">
+                <a:solidFill>
+                  <a:schemeClr val="tx1"/>
+                </a:solidFill>
+                <a:latin typeface="Tahoma" panose="020B0604030504040204" pitchFamily="34" charset="0"/>
+                <a:ea typeface="Tahoma" panose="020B0604030504040204" pitchFamily="34" charset="0"/>
+                <a:cs typeface="Tahoma" panose="020B0604030504040204" pitchFamily="34" charset="0"/>
+              </a:rPr>
+              <a:t>JSON </a:t>
+            </a:r>
+            <a:r>
+              <a:rPr lang="en-US" sz="2400" dirty="0" err="1" smtClean="0">
+                <a:solidFill>
+                  <a:schemeClr val="tx1"/>
+                </a:solidFill>
+                <a:latin typeface="Tahoma" panose="020B0604030504040204" pitchFamily="34" charset="0"/>
+                <a:ea typeface="Tahoma" panose="020B0604030504040204" pitchFamily="34" charset="0"/>
+                <a:cs typeface="Tahoma" panose="020B0604030504040204" pitchFamily="34" charset="0"/>
+              </a:rPr>
+              <a:t>sono</a:t>
+            </a:r>
+            <a:r>
+              <a:rPr lang="en-US" sz="2400" dirty="0" smtClean="0">
+                <a:solidFill>
+                  <a:schemeClr val="tx1"/>
+                </a:solidFill>
+                <a:latin typeface="Tahoma" panose="020B0604030504040204" pitchFamily="34" charset="0"/>
+                <a:ea typeface="Tahoma" panose="020B0604030504040204" pitchFamily="34" charset="0"/>
+                <a:cs typeface="Tahoma" panose="020B0604030504040204" pitchFamily="34" charset="0"/>
+              </a:rPr>
+              <a:t> </a:t>
+            </a:r>
+            <a:r>
+              <a:rPr lang="en-US" sz="2400" dirty="0" err="1" smtClean="0">
+                <a:solidFill>
+                  <a:schemeClr val="tx1"/>
+                </a:solidFill>
+                <a:latin typeface="Tahoma" panose="020B0604030504040204" pitchFamily="34" charset="0"/>
+                <a:ea typeface="Tahoma" panose="020B0604030504040204" pitchFamily="34" charset="0"/>
+                <a:cs typeface="Tahoma" panose="020B0604030504040204" pitchFamily="34" charset="0"/>
+              </a:rPr>
+              <a:t>dizionari</a:t>
+            </a:r>
+            <a:r>
+              <a:rPr lang="en-US" sz="2400" dirty="0" smtClean="0">
+                <a:solidFill>
+                  <a:schemeClr val="tx1"/>
+                </a:solidFill>
+                <a:latin typeface="Tahoma" panose="020B0604030504040204" pitchFamily="34" charset="0"/>
+                <a:ea typeface="Tahoma" panose="020B0604030504040204" pitchFamily="34" charset="0"/>
+                <a:cs typeface="Tahoma" panose="020B0604030504040204" pitchFamily="34" charset="0"/>
+              </a:rPr>
+              <a:t> </a:t>
+            </a:r>
+            <a:r>
+              <a:rPr lang="en-US" sz="2400" dirty="0" err="1" smtClean="0">
+                <a:solidFill>
+                  <a:schemeClr val="tx1"/>
+                </a:solidFill>
+                <a:latin typeface="Tahoma" panose="020B0604030504040204" pitchFamily="34" charset="0"/>
+                <a:ea typeface="Tahoma" panose="020B0604030504040204" pitchFamily="34" charset="0"/>
+                <a:cs typeface="Tahoma" panose="020B0604030504040204" pitchFamily="34" charset="0"/>
+              </a:rPr>
+              <a:t>che</a:t>
+            </a:r>
+            <a:r>
+              <a:rPr lang="en-US" sz="2400" dirty="0" smtClean="0">
+                <a:solidFill>
+                  <a:schemeClr val="tx1"/>
+                </a:solidFill>
+                <a:latin typeface="Tahoma" panose="020B0604030504040204" pitchFamily="34" charset="0"/>
+                <a:ea typeface="Tahoma" panose="020B0604030504040204" pitchFamily="34" charset="0"/>
+                <a:cs typeface="Tahoma" panose="020B0604030504040204" pitchFamily="34" charset="0"/>
+              </a:rPr>
+              <a:t> </a:t>
+            </a:r>
+            <a:r>
+              <a:rPr lang="en-US" sz="2400" dirty="0" err="1" smtClean="0">
+                <a:solidFill>
+                  <a:schemeClr val="tx1"/>
+                </a:solidFill>
+                <a:latin typeface="Tahoma" panose="020B0604030504040204" pitchFamily="34" charset="0"/>
+                <a:ea typeface="Tahoma" panose="020B0604030504040204" pitchFamily="34" charset="0"/>
+                <a:cs typeface="Tahoma" panose="020B0604030504040204" pitchFamily="34" charset="0"/>
+              </a:rPr>
+              <a:t>consistono</a:t>
+            </a:r>
+            <a:r>
+              <a:rPr lang="en-US" sz="2400" dirty="0" smtClean="0">
+                <a:solidFill>
+                  <a:schemeClr val="tx1"/>
+                </a:solidFill>
+                <a:latin typeface="Tahoma" panose="020B0604030504040204" pitchFamily="34" charset="0"/>
+                <a:ea typeface="Tahoma" panose="020B0604030504040204" pitchFamily="34" charset="0"/>
+                <a:cs typeface="Tahoma" panose="020B0604030504040204" pitchFamily="34" charset="0"/>
+              </a:rPr>
+              <a:t> in </a:t>
+            </a:r>
+            <a:r>
+              <a:rPr lang="en-US" sz="2400" dirty="0" err="1" smtClean="0">
+                <a:solidFill>
+                  <a:schemeClr val="tx1"/>
+                </a:solidFill>
+                <a:latin typeface="Tahoma" panose="020B0604030504040204" pitchFamily="34" charset="0"/>
+                <a:ea typeface="Tahoma" panose="020B0604030504040204" pitchFamily="34" charset="0"/>
+                <a:cs typeface="Tahoma" panose="020B0604030504040204" pitchFamily="34" charset="0"/>
+              </a:rPr>
+              <a:t>coppie</a:t>
+            </a:r>
+            <a:r>
+              <a:rPr lang="en-US" sz="2400" dirty="0" smtClean="0">
+                <a:solidFill>
+                  <a:schemeClr val="tx1"/>
+                </a:solidFill>
+                <a:latin typeface="Tahoma" panose="020B0604030504040204" pitchFamily="34" charset="0"/>
+                <a:ea typeface="Tahoma" panose="020B0604030504040204" pitchFamily="34" charset="0"/>
+                <a:cs typeface="Tahoma" panose="020B0604030504040204" pitchFamily="34" charset="0"/>
+              </a:rPr>
+              <a:t> </a:t>
+            </a:r>
+            <a:r>
+              <a:rPr lang="en-US" sz="2400" dirty="0" err="1" smtClean="0">
+                <a:solidFill>
+                  <a:schemeClr val="tx1"/>
+                </a:solidFill>
+                <a:latin typeface="Tahoma" panose="020B0604030504040204" pitchFamily="34" charset="0"/>
+                <a:ea typeface="Tahoma" panose="020B0604030504040204" pitchFamily="34" charset="0"/>
+                <a:cs typeface="Tahoma" panose="020B0604030504040204" pitchFamily="34" charset="0"/>
+              </a:rPr>
+              <a:t>chiave-valore</a:t>
+            </a:r>
+            <a:r>
+              <a:rPr lang="en-US" sz="2400" dirty="0" smtClean="0">
+                <a:solidFill>
+                  <a:schemeClr val="tx1"/>
+                </a:solidFill>
+                <a:latin typeface="Tahoma" panose="020B0604030504040204" pitchFamily="34" charset="0"/>
+                <a:ea typeface="Tahoma" panose="020B0604030504040204" pitchFamily="34" charset="0"/>
+                <a:cs typeface="Tahoma" panose="020B0604030504040204" pitchFamily="34" charset="0"/>
+              </a:rPr>
+              <a:t>, dove </a:t>
+            </a:r>
+            <a:r>
+              <a:rPr lang="en-US" sz="2400" dirty="0" err="1" smtClean="0">
+                <a:solidFill>
+                  <a:schemeClr val="tx1"/>
+                </a:solidFill>
+                <a:latin typeface="Tahoma" panose="020B0604030504040204" pitchFamily="34" charset="0"/>
+                <a:ea typeface="Tahoma" panose="020B0604030504040204" pitchFamily="34" charset="0"/>
+                <a:cs typeface="Tahoma" panose="020B0604030504040204" pitchFamily="34" charset="0"/>
+              </a:rPr>
+              <a:t>il</a:t>
+            </a:r>
+            <a:r>
+              <a:rPr lang="en-US" sz="2400" dirty="0" smtClean="0">
+                <a:solidFill>
+                  <a:schemeClr val="tx1"/>
+                </a:solidFill>
+                <a:latin typeface="Tahoma" panose="020B0604030504040204" pitchFamily="34" charset="0"/>
+                <a:ea typeface="Tahoma" panose="020B0604030504040204" pitchFamily="34" charset="0"/>
+                <a:cs typeface="Tahoma" panose="020B0604030504040204" pitchFamily="34" charset="0"/>
+              </a:rPr>
+              <a:t> </a:t>
+            </a:r>
+            <a:r>
+              <a:rPr lang="en-US" sz="2400" dirty="0" err="1" smtClean="0">
+                <a:solidFill>
+                  <a:schemeClr val="tx1"/>
+                </a:solidFill>
+                <a:latin typeface="Tahoma" panose="020B0604030504040204" pitchFamily="34" charset="0"/>
+                <a:ea typeface="Tahoma" panose="020B0604030504040204" pitchFamily="34" charset="0"/>
+                <a:cs typeface="Tahoma" panose="020B0604030504040204" pitchFamily="34" charset="0"/>
+              </a:rPr>
+              <a:t>valore</a:t>
+            </a:r>
+            <a:r>
+              <a:rPr lang="en-US" sz="2400" dirty="0" smtClean="0">
+                <a:solidFill>
+                  <a:schemeClr val="tx1"/>
+                </a:solidFill>
+                <a:latin typeface="Tahoma" panose="020B0604030504040204" pitchFamily="34" charset="0"/>
+                <a:ea typeface="Tahoma" panose="020B0604030504040204" pitchFamily="34" charset="0"/>
+                <a:cs typeface="Tahoma" panose="020B0604030504040204" pitchFamily="34" charset="0"/>
+              </a:rPr>
+              <a:t> </a:t>
+            </a:r>
+            <a:r>
+              <a:rPr lang="en-US" sz="2400" dirty="0" err="1" smtClean="0">
+                <a:solidFill>
+                  <a:schemeClr val="tx1"/>
+                </a:solidFill>
+                <a:latin typeface="Tahoma" panose="020B0604030504040204" pitchFamily="34" charset="0"/>
+                <a:ea typeface="Tahoma" panose="020B0604030504040204" pitchFamily="34" charset="0"/>
+                <a:cs typeface="Tahoma" panose="020B0604030504040204" pitchFamily="34" charset="0"/>
+              </a:rPr>
+              <a:t>può</a:t>
+            </a:r>
+            <a:r>
+              <a:rPr lang="en-US" sz="2400" dirty="0" smtClean="0">
+                <a:solidFill>
+                  <a:schemeClr val="tx1"/>
+                </a:solidFill>
+                <a:latin typeface="Tahoma" panose="020B0604030504040204" pitchFamily="34" charset="0"/>
+                <a:ea typeface="Tahoma" panose="020B0604030504040204" pitchFamily="34" charset="0"/>
+                <a:cs typeface="Tahoma" panose="020B0604030504040204" pitchFamily="34" charset="0"/>
+              </a:rPr>
+              <a:t> </a:t>
+            </a:r>
+            <a:r>
+              <a:rPr lang="en-US" sz="2400" dirty="0" err="1" smtClean="0">
+                <a:solidFill>
+                  <a:schemeClr val="tx1"/>
+                </a:solidFill>
+                <a:latin typeface="Tahoma" panose="020B0604030504040204" pitchFamily="34" charset="0"/>
+                <a:ea typeface="Tahoma" panose="020B0604030504040204" pitchFamily="34" charset="0"/>
+                <a:cs typeface="Tahoma" panose="020B0604030504040204" pitchFamily="34" charset="0"/>
+              </a:rPr>
+              <a:t>essere</a:t>
+            </a:r>
+            <a:r>
+              <a:rPr lang="en-US" sz="2400" dirty="0" smtClean="0">
+                <a:solidFill>
+                  <a:schemeClr val="tx1"/>
+                </a:solidFill>
+                <a:latin typeface="Tahoma" panose="020B0604030504040204" pitchFamily="34" charset="0"/>
+                <a:ea typeface="Tahoma" panose="020B0604030504040204" pitchFamily="34" charset="0"/>
+                <a:cs typeface="Tahoma" panose="020B0604030504040204" pitchFamily="34" charset="0"/>
+              </a:rPr>
+              <a:t> di </a:t>
+            </a:r>
+            <a:r>
+              <a:rPr lang="en-US" sz="2400" dirty="0" err="1" smtClean="0">
+                <a:solidFill>
+                  <a:schemeClr val="tx1"/>
+                </a:solidFill>
+                <a:latin typeface="Tahoma" panose="020B0604030504040204" pitchFamily="34" charset="0"/>
+                <a:ea typeface="Tahoma" panose="020B0604030504040204" pitchFamily="34" charset="0"/>
+                <a:cs typeface="Tahoma" panose="020B0604030504040204" pitchFamily="34" charset="0"/>
+              </a:rPr>
+              <a:t>nuovo</a:t>
+            </a:r>
+            <a:r>
+              <a:rPr lang="en-US" sz="2400" dirty="0" smtClean="0">
+                <a:solidFill>
+                  <a:schemeClr val="tx1"/>
+                </a:solidFill>
+                <a:latin typeface="Tahoma" panose="020B0604030504040204" pitchFamily="34" charset="0"/>
+                <a:ea typeface="Tahoma" panose="020B0604030504040204" pitchFamily="34" charset="0"/>
+                <a:cs typeface="Tahoma" panose="020B0604030504040204" pitchFamily="34" charset="0"/>
+              </a:rPr>
+              <a:t> un document JSON, </a:t>
+            </a:r>
+            <a:r>
+              <a:rPr lang="en-US" sz="2400" dirty="0" err="1" smtClean="0">
+                <a:solidFill>
+                  <a:schemeClr val="tx1"/>
+                </a:solidFill>
+                <a:latin typeface="Tahoma" panose="020B0604030504040204" pitchFamily="34" charset="0"/>
+                <a:ea typeface="Tahoma" panose="020B0604030504040204" pitchFamily="34" charset="0"/>
+                <a:cs typeface="Tahoma" panose="020B0604030504040204" pitchFamily="34" charset="0"/>
+              </a:rPr>
+              <a:t>quindi</a:t>
+            </a:r>
+            <a:r>
+              <a:rPr lang="en-US" sz="2400" dirty="0" smtClean="0">
+                <a:solidFill>
+                  <a:schemeClr val="tx1"/>
+                </a:solidFill>
+                <a:latin typeface="Tahoma" panose="020B0604030504040204" pitchFamily="34" charset="0"/>
+                <a:ea typeface="Tahoma" panose="020B0604030504040204" pitchFamily="34" charset="0"/>
+                <a:cs typeface="Tahoma" panose="020B0604030504040204" pitchFamily="34" charset="0"/>
+              </a:rPr>
+              <a:t> in </a:t>
+            </a:r>
+            <a:r>
+              <a:rPr lang="en-US" sz="2400" dirty="0" err="1" smtClean="0">
+                <a:solidFill>
+                  <a:schemeClr val="tx1"/>
+                </a:solidFill>
+                <a:latin typeface="Tahoma" panose="020B0604030504040204" pitchFamily="34" charset="0"/>
+                <a:ea typeface="Tahoma" panose="020B0604030504040204" pitchFamily="34" charset="0"/>
+                <a:cs typeface="Tahoma" panose="020B0604030504040204" pitchFamily="34" charset="0"/>
+              </a:rPr>
+              <a:t>modo</a:t>
+            </a:r>
+            <a:r>
+              <a:rPr lang="en-US" sz="2400" dirty="0" smtClean="0">
+                <a:solidFill>
+                  <a:schemeClr val="tx1"/>
+                </a:solidFill>
+                <a:latin typeface="Tahoma" panose="020B0604030504040204" pitchFamily="34" charset="0"/>
+                <a:ea typeface="Tahoma" panose="020B0604030504040204" pitchFamily="34" charset="0"/>
+                <a:cs typeface="Tahoma" panose="020B0604030504040204" pitchFamily="34" charset="0"/>
+              </a:rPr>
+              <a:t> da </a:t>
+            </a:r>
+            <a:r>
+              <a:rPr lang="en-US" sz="2400" dirty="0" err="1" smtClean="0">
+                <a:solidFill>
+                  <a:schemeClr val="tx1"/>
+                </a:solidFill>
+                <a:latin typeface="Tahoma" panose="020B0604030504040204" pitchFamily="34" charset="0"/>
+                <a:ea typeface="Tahoma" panose="020B0604030504040204" pitchFamily="34" charset="0"/>
+                <a:cs typeface="Tahoma" panose="020B0604030504040204" pitchFamily="34" charset="0"/>
+              </a:rPr>
+              <a:t>permettere</a:t>
+            </a:r>
+            <a:r>
+              <a:rPr lang="en-US" sz="2400" dirty="0" smtClean="0">
+                <a:solidFill>
+                  <a:schemeClr val="tx1"/>
+                </a:solidFill>
+                <a:latin typeface="Tahoma" panose="020B0604030504040204" pitchFamily="34" charset="0"/>
+                <a:ea typeface="Tahoma" panose="020B0604030504040204" pitchFamily="34" charset="0"/>
+                <a:cs typeface="Tahoma" panose="020B0604030504040204" pitchFamily="34" charset="0"/>
+              </a:rPr>
+              <a:t> un </a:t>
+            </a:r>
+            <a:r>
+              <a:rPr lang="en-US" sz="2400" dirty="0" err="1" smtClean="0">
+                <a:solidFill>
+                  <a:schemeClr val="tx1"/>
+                </a:solidFill>
+                <a:latin typeface="Tahoma" panose="020B0604030504040204" pitchFamily="34" charset="0"/>
+                <a:ea typeface="Tahoma" panose="020B0604030504040204" pitchFamily="34" charset="0"/>
+                <a:cs typeface="Tahoma" panose="020B0604030504040204" pitchFamily="34" charset="0"/>
+              </a:rPr>
+              <a:t>arbitrario</a:t>
+            </a:r>
+            <a:r>
+              <a:rPr lang="en-US" sz="2400" dirty="0" smtClean="0">
+                <a:solidFill>
+                  <a:schemeClr val="tx1"/>
+                </a:solidFill>
+                <a:latin typeface="Tahoma" panose="020B0604030504040204" pitchFamily="34" charset="0"/>
+                <a:ea typeface="Tahoma" panose="020B0604030504040204" pitchFamily="34" charset="0"/>
+                <a:cs typeface="Tahoma" panose="020B0604030504040204" pitchFamily="34" charset="0"/>
+              </a:rPr>
+              <a:t> </a:t>
+            </a:r>
+            <a:r>
+              <a:rPr lang="en-US" sz="2400" dirty="0" err="1" smtClean="0">
+                <a:solidFill>
+                  <a:schemeClr val="tx1"/>
+                </a:solidFill>
+                <a:latin typeface="Tahoma" panose="020B0604030504040204" pitchFamily="34" charset="0"/>
+                <a:ea typeface="Tahoma" panose="020B0604030504040204" pitchFamily="34" charset="0"/>
+                <a:cs typeface="Tahoma" panose="020B0604030504040204" pitchFamily="34" charset="0"/>
+              </a:rPr>
+              <a:t>livello</a:t>
+            </a:r>
+            <a:r>
+              <a:rPr lang="en-US" sz="2400" dirty="0" smtClean="0">
+                <a:solidFill>
+                  <a:schemeClr val="tx1"/>
+                </a:solidFill>
+                <a:latin typeface="Tahoma" panose="020B0604030504040204" pitchFamily="34" charset="0"/>
+                <a:ea typeface="Tahoma" panose="020B0604030504040204" pitchFamily="34" charset="0"/>
+                <a:cs typeface="Tahoma" panose="020B0604030504040204" pitchFamily="34" charset="0"/>
+              </a:rPr>
+              <a:t> di </a:t>
+            </a:r>
+            <a:r>
+              <a:rPr lang="en-US" sz="2400" dirty="0" err="1" smtClean="0">
+                <a:solidFill>
+                  <a:schemeClr val="tx1"/>
+                </a:solidFill>
+                <a:latin typeface="Tahoma" panose="020B0604030504040204" pitchFamily="34" charset="0"/>
+                <a:ea typeface="Tahoma" panose="020B0604030504040204" pitchFamily="34" charset="0"/>
+                <a:cs typeface="Tahoma" panose="020B0604030504040204" pitchFamily="34" charset="0"/>
+              </a:rPr>
+              <a:t>annidamento</a:t>
+            </a:r>
+            <a:r>
+              <a:rPr lang="en-US" sz="2400" dirty="0" smtClean="0">
+                <a:solidFill>
+                  <a:schemeClr val="tx1"/>
+                </a:solidFill>
+                <a:latin typeface="Tahoma" panose="020B0604030504040204" pitchFamily="34" charset="0"/>
+                <a:ea typeface="Tahoma" panose="020B0604030504040204" pitchFamily="34" charset="0"/>
+                <a:cs typeface="Tahoma" panose="020B0604030504040204" pitchFamily="34" charset="0"/>
+              </a:rPr>
+              <a:t>. </a:t>
+            </a:r>
+          </a:p>
+          <a:p>
+            <a:pPr marL="342900" indent="-342900" algn="l">
+              <a:buFont typeface="Wingdings" panose="05000000000000000000" pitchFamily="2" charset="2"/>
+              <a:buChar char="ü"/>
+            </a:pPr>
+            <a:r>
+              <a:rPr lang="en-US" sz="2400" b="0" i="0" dirty="0" err="1" smtClean="0">
+                <a:solidFill>
+                  <a:schemeClr val="tx1"/>
+                </a:solidFill>
+                <a:effectLst/>
+                <a:latin typeface="Tahoma" panose="020B0604030504040204" pitchFamily="34" charset="0"/>
+                <a:ea typeface="Tahoma" panose="020B0604030504040204" pitchFamily="34" charset="0"/>
+                <a:cs typeface="Tahoma" panose="020B0604030504040204" pitchFamily="34" charset="0"/>
+              </a:rPr>
+              <a:t>Esempio</a:t>
+            </a:r>
+            <a:r>
+              <a:rPr lang="en-US" sz="2400" b="0" i="0" dirty="0" smtClean="0">
+                <a:solidFill>
+                  <a:schemeClr val="tx1"/>
+                </a:solidFill>
+                <a:effectLst/>
+                <a:latin typeface="Tahoma" panose="020B0604030504040204" pitchFamily="34" charset="0"/>
+                <a:ea typeface="Tahoma" panose="020B0604030504040204" pitchFamily="34" charset="0"/>
+                <a:cs typeface="Tahoma" panose="020B0604030504040204" pitchFamily="34" charset="0"/>
+              </a:rPr>
+              <a:t>: </a:t>
+            </a:r>
+            <a:endParaRPr lang="en-US" sz="2400" b="0" i="0" dirty="0">
+              <a:solidFill>
+                <a:srgbClr val="555555"/>
+              </a:solidFill>
+              <a:effectLst/>
+              <a:latin typeface="PT Sans" panose="020B0503020203020204" pitchFamily="34" charset="0"/>
+            </a:endParaRPr>
+          </a:p>
+        </p:txBody>
+      </p:sp>
+      <p:pic>
+        <p:nvPicPr>
+          <p:cNvPr id="9" name="Immagine 8"/>
+          <p:cNvPicPr>
+            <a:picLocks noChangeAspect="1"/>
+          </p:cNvPicPr>
+          <p:nvPr/>
+        </p:nvPicPr>
+        <p:blipFill>
+          <a:blip r:embed="rId2"/>
+          <a:stretch>
+            <a:fillRect/>
+          </a:stretch>
+        </p:blipFill>
+        <p:spPr>
+          <a:xfrm>
+            <a:off x="3589169" y="3228906"/>
+            <a:ext cx="5250031" cy="3168319"/>
+          </a:xfrm>
+          <a:prstGeom prst="rect">
+            <a:avLst/>
+          </a:prstGeom>
+        </p:spPr>
+      </p:pic>
+    </p:spTree>
+    <p:extLst>
+      <p:ext uri="{BB962C8B-B14F-4D97-AF65-F5344CB8AC3E}">
+        <p14:creationId xmlns:p14="http://schemas.microsoft.com/office/powerpoint/2010/main" val="191822569"/>
+      </p:ext>
+    </p:extLst>
+  </p:cSld>
+  <p:clrMapOvr>
+    <a:masterClrMapping/>
+  </p:clrMapOvr>
+</p:sld>
+</file>
+
+<file path=ppt/slides/slide31.xml><?xml version="1.0" encoding="utf-8"?>
+<p:sld xmlns:a="http://schemas.openxmlformats.org/drawingml/2006/main" xmlns:r="http://schemas.openxmlformats.org/officeDocument/2006/relationships" xmlns:p="http://schemas.openxmlformats.org/presentationml/2006/main">
+  <p:cSld>
+    <p:spTree>
+      <p:nvGrpSpPr>
+        <p:cNvPr id="1" name=""/>
+        <p:cNvGrpSpPr/>
+        <p:nvPr/>
+      </p:nvGrpSpPr>
+      <p:grpSpPr>
+        <a:xfrm>
+          <a:off x="0" y="0"/>
+          <a:ext cx="0" cy="0"/>
+          <a:chOff x="0" y="0"/>
+          <a:chExt cx="0" cy="0"/>
+        </a:xfrm>
+      </p:grpSpPr>
+      <p:sp>
+        <p:nvSpPr>
+          <p:cNvPr id="7" name="Segnaposto numero diapositiva 6">
+            <a:extLst>
+              <a:ext uri="{FF2B5EF4-FFF2-40B4-BE49-F238E27FC236}">
+                <a16:creationId xmlns:a16="http://schemas.microsoft.com/office/drawing/2014/main" id="{AB740BE9-E218-4144-BFDE-AE473D230A3D}"/>
+              </a:ext>
+            </a:extLst>
+          </p:cNvPr>
+          <p:cNvSpPr>
+            <a:spLocks noGrp="1"/>
+          </p:cNvSpPr>
+          <p:nvPr>
+            <p:ph type="sldNum" sz="quarter" idx="12"/>
+          </p:nvPr>
+        </p:nvSpPr>
+        <p:spPr/>
+        <p:txBody>
+          <a:bodyPr/>
+          <a:lstStyle/>
+          <a:p>
+            <a:pPr>
+              <a:defRPr/>
+            </a:pPr>
+            <a:fld id="{48B4153A-D4C5-4CEF-8992-0D8815C829E3}" type="slidenum">
+              <a:rPr lang="en-US" smtClean="0"/>
+              <a:pPr>
+                <a:defRPr/>
+              </a:pPr>
+              <a:t>31</a:t>
+            </a:fld>
+            <a:endParaRPr lang="en-US" dirty="0"/>
+          </a:p>
+        </p:txBody>
+      </p:sp>
+      <p:sp>
+        <p:nvSpPr>
+          <p:cNvPr id="5" name="Titolo 4">
+            <a:extLst>
+              <a:ext uri="{FF2B5EF4-FFF2-40B4-BE49-F238E27FC236}">
+                <a16:creationId xmlns:a16="http://schemas.microsoft.com/office/drawing/2014/main" id="{82C46BA2-B380-4357-B125-BA9F08A643F5}"/>
+              </a:ext>
+            </a:extLst>
+          </p:cNvPr>
+          <p:cNvSpPr>
+            <a:spLocks noGrp="1"/>
+          </p:cNvSpPr>
+          <p:nvPr>
+            <p:ph type="title"/>
+          </p:nvPr>
+        </p:nvSpPr>
+        <p:spPr>
+          <a:xfrm>
+            <a:off x="468895" y="503475"/>
+            <a:ext cx="11269308" cy="384721"/>
+          </a:xfrm>
+          <a:noFill/>
+          <a:ln>
+            <a:noFill/>
+          </a:ln>
+          <a:extLst>
+            <a:ext uri="{909E8E84-426E-40DD-AFC4-6F175D3DCCD1}">
+              <a14:hiddenFill xmlns:a14="http://schemas.microsoft.com/office/drawing/2010/main">
+                <a:solidFill>
+                  <a:srgbClr val="FFFFFF"/>
+                </a:solidFill>
+              </a14:hiddenFill>
+            </a:ext>
+            <a:ext uri="{91240B29-F687-4F45-9708-019B960494DF}">
+              <a14:hiddenLine xmlns:a14="http://schemas.microsoft.com/office/drawing/2010/main" w="9525">
+                <a:solidFill>
+                  <a:srgbClr val="000000"/>
+                </a:solidFill>
+                <a:miter lim="800000"/>
+                <a:headEnd/>
+                <a:tailEnd/>
+              </a14:hiddenLine>
+            </a:ext>
+          </a:extLst>
+        </p:spPr>
+        <p:txBody>
+          <a:bodyPr vert="horz" wrap="square" lIns="0" tIns="0" rIns="0" bIns="0" numCol="1" rtlCol="0" anchor="b" anchorCtr="0" compatLnSpc="1">
+            <a:prstTxWarp prst="textNoShape">
+              <a:avLst/>
+            </a:prstTxWarp>
+            <a:spAutoFit/>
+          </a:bodyPr>
+          <a:lstStyle/>
+          <a:p>
+            <a:pPr eaLnBrk="0" hangingPunct="0"/>
+            <a:r>
+              <a:rPr lang="it-IT" dirty="0" smtClean="0">
+                <a:solidFill>
+                  <a:schemeClr val="tx1"/>
+                </a:solidFill>
+              </a:rPr>
+              <a:t>JavaScript Object </a:t>
+            </a:r>
+            <a:r>
+              <a:rPr lang="it-IT" dirty="0" err="1" smtClean="0">
+                <a:solidFill>
+                  <a:schemeClr val="tx1"/>
+                </a:solidFill>
+              </a:rPr>
+              <a:t>Notation</a:t>
+            </a:r>
+            <a:r>
+              <a:rPr lang="it-IT" dirty="0" smtClean="0">
+                <a:solidFill>
+                  <a:schemeClr val="tx1"/>
+                </a:solidFill>
+              </a:rPr>
+              <a:t> (JSON)</a:t>
+            </a:r>
+            <a:endParaRPr lang="it-IT" dirty="0">
+              <a:solidFill>
+                <a:schemeClr val="tx1"/>
+              </a:solidFill>
+            </a:endParaRPr>
+          </a:p>
+        </p:txBody>
+      </p:sp>
+      <p:sp>
+        <p:nvSpPr>
+          <p:cNvPr id="8" name="Segnaposto testo 1">
+            <a:extLst>
+              <a:ext uri="{FF2B5EF4-FFF2-40B4-BE49-F238E27FC236}">
+                <a16:creationId xmlns:a16="http://schemas.microsoft.com/office/drawing/2014/main" id="{E5AE986C-196F-4141-A898-FA4C4198CDCC}"/>
+              </a:ext>
+            </a:extLst>
+          </p:cNvPr>
+          <p:cNvSpPr>
+            <a:spLocks noGrp="1"/>
+          </p:cNvSpPr>
+          <p:nvPr>
+            <p:ph type="body" idx="1"/>
+          </p:nvPr>
+        </p:nvSpPr>
+        <p:spPr>
+          <a:xfrm>
+            <a:off x="468895" y="1232694"/>
+            <a:ext cx="11459402" cy="4392612"/>
+          </a:xfrm>
+        </p:spPr>
+        <p:txBody>
+          <a:bodyPr/>
+          <a:lstStyle/>
+          <a:p>
+            <a:pPr marL="342900" indent="-342900" algn="l">
+              <a:buFont typeface="Wingdings" panose="05000000000000000000" pitchFamily="2" charset="2"/>
+              <a:buChar char="ü"/>
+            </a:pPr>
+            <a:r>
+              <a:rPr lang="en-US" sz="2400" dirty="0" smtClean="0">
+                <a:solidFill>
+                  <a:schemeClr val="tx1"/>
+                </a:solidFill>
+                <a:latin typeface="Tahoma" panose="020B0604030504040204" pitchFamily="34" charset="0"/>
+                <a:ea typeface="Tahoma" panose="020B0604030504040204" pitchFamily="34" charset="0"/>
+                <a:cs typeface="Tahoma" panose="020B0604030504040204" pitchFamily="34" charset="0"/>
+              </a:rPr>
+              <a:t>Come </a:t>
+            </a:r>
+            <a:r>
+              <a:rPr lang="en-US" sz="2400" dirty="0" err="1" smtClean="0">
+                <a:solidFill>
+                  <a:schemeClr val="tx1"/>
+                </a:solidFill>
+                <a:latin typeface="Tahoma" panose="020B0604030504040204" pitchFamily="34" charset="0"/>
+                <a:ea typeface="Tahoma" panose="020B0604030504040204" pitchFamily="34" charset="0"/>
+                <a:cs typeface="Tahoma" panose="020B0604030504040204" pitchFamily="34" charset="0"/>
+              </a:rPr>
+              <a:t>possiamo</a:t>
+            </a:r>
+            <a:r>
+              <a:rPr lang="en-US" sz="2400" dirty="0" smtClean="0">
+                <a:solidFill>
+                  <a:schemeClr val="tx1"/>
+                </a:solidFill>
+                <a:latin typeface="Tahoma" panose="020B0604030504040204" pitchFamily="34" charset="0"/>
+                <a:ea typeface="Tahoma" panose="020B0604030504040204" pitchFamily="34" charset="0"/>
+                <a:cs typeface="Tahoma" panose="020B0604030504040204" pitchFamily="34" charset="0"/>
+              </a:rPr>
+              <a:t> </a:t>
+            </a:r>
+            <a:r>
+              <a:rPr lang="en-US" sz="2400" dirty="0" err="1" smtClean="0">
+                <a:solidFill>
+                  <a:schemeClr val="tx1"/>
+                </a:solidFill>
+                <a:latin typeface="Tahoma" panose="020B0604030504040204" pitchFamily="34" charset="0"/>
+                <a:ea typeface="Tahoma" panose="020B0604030504040204" pitchFamily="34" charset="0"/>
+                <a:cs typeface="Tahoma" panose="020B0604030504040204" pitchFamily="34" charset="0"/>
+              </a:rPr>
+              <a:t>vedere</a:t>
+            </a:r>
+            <a:r>
+              <a:rPr lang="en-US" sz="2400" dirty="0" smtClean="0">
+                <a:solidFill>
+                  <a:schemeClr val="tx1"/>
+                </a:solidFill>
+                <a:latin typeface="Tahoma" panose="020B0604030504040204" pitchFamily="34" charset="0"/>
+                <a:ea typeface="Tahoma" panose="020B0604030504040204" pitchFamily="34" charset="0"/>
+                <a:cs typeface="Tahoma" panose="020B0604030504040204" pitchFamily="34" charset="0"/>
+              </a:rPr>
+              <a:t> </a:t>
+            </a:r>
+            <a:r>
+              <a:rPr lang="en-US" sz="2400" b="1" dirty="0" smtClean="0">
+                <a:solidFill>
+                  <a:schemeClr val="tx1"/>
+                </a:solidFill>
+                <a:latin typeface="Tahoma" panose="020B0604030504040204" pitchFamily="34" charset="0"/>
+                <a:ea typeface="Tahoma" panose="020B0604030504040204" pitchFamily="34" charset="0"/>
+                <a:cs typeface="Tahoma" panose="020B0604030504040204" pitchFamily="34" charset="0"/>
+              </a:rPr>
+              <a:t>JSON </a:t>
+            </a:r>
+            <a:r>
+              <a:rPr lang="en-US" sz="2400" dirty="0" err="1" smtClean="0">
+                <a:solidFill>
+                  <a:schemeClr val="tx1"/>
+                </a:solidFill>
+                <a:latin typeface="Tahoma" panose="020B0604030504040204" pitchFamily="34" charset="0"/>
+                <a:ea typeface="Tahoma" panose="020B0604030504040204" pitchFamily="34" charset="0"/>
+                <a:cs typeface="Tahoma" panose="020B0604030504040204" pitchFamily="34" charset="0"/>
+              </a:rPr>
+              <a:t>supporta</a:t>
+            </a:r>
+            <a:r>
+              <a:rPr lang="en-US" sz="2400" dirty="0" smtClean="0">
+                <a:solidFill>
+                  <a:schemeClr val="tx1"/>
+                </a:solidFill>
+                <a:latin typeface="Tahoma" panose="020B0604030504040204" pitchFamily="34" charset="0"/>
+                <a:ea typeface="Tahoma" panose="020B0604030504040204" pitchFamily="34" charset="0"/>
+                <a:cs typeface="Tahoma" panose="020B0604030504040204" pitchFamily="34" charset="0"/>
+              </a:rPr>
+              <a:t> array e tipi </a:t>
+            </a:r>
+            <a:r>
+              <a:rPr lang="en-US" sz="2400" dirty="0" err="1" smtClean="0">
+                <a:solidFill>
+                  <a:schemeClr val="tx1"/>
+                </a:solidFill>
+                <a:latin typeface="Tahoma" panose="020B0604030504040204" pitchFamily="34" charset="0"/>
+                <a:ea typeface="Tahoma" panose="020B0604030504040204" pitchFamily="34" charset="0"/>
+                <a:cs typeface="Tahoma" panose="020B0604030504040204" pitchFamily="34" charset="0"/>
+              </a:rPr>
+              <a:t>atomici</a:t>
+            </a:r>
+            <a:r>
+              <a:rPr lang="en-US" sz="2400" dirty="0" smtClean="0">
+                <a:solidFill>
+                  <a:schemeClr val="tx1"/>
+                </a:solidFill>
+                <a:latin typeface="Tahoma" panose="020B0604030504040204" pitchFamily="34" charset="0"/>
+                <a:ea typeface="Tahoma" panose="020B0604030504040204" pitchFamily="34" charset="0"/>
+                <a:cs typeface="Tahoma" panose="020B0604030504040204" pitchFamily="34" charset="0"/>
+              </a:rPr>
+              <a:t>, come </a:t>
+            </a:r>
+            <a:r>
+              <a:rPr lang="en-US" sz="2400" dirty="0" err="1" smtClean="0">
+                <a:solidFill>
+                  <a:schemeClr val="tx1"/>
+                </a:solidFill>
+                <a:latin typeface="Tahoma" panose="020B0604030504040204" pitchFamily="34" charset="0"/>
+                <a:ea typeface="Tahoma" panose="020B0604030504040204" pitchFamily="34" charset="0"/>
+                <a:cs typeface="Tahoma" panose="020B0604030504040204" pitchFamily="34" charset="0"/>
+              </a:rPr>
+              <a:t>interi</a:t>
+            </a:r>
+            <a:r>
+              <a:rPr lang="en-US" sz="2400" dirty="0" smtClean="0">
+                <a:solidFill>
+                  <a:schemeClr val="tx1"/>
+                </a:solidFill>
+                <a:latin typeface="Tahoma" panose="020B0604030504040204" pitchFamily="34" charset="0"/>
+                <a:ea typeface="Tahoma" panose="020B0604030504040204" pitchFamily="34" charset="0"/>
+                <a:cs typeface="Tahoma" panose="020B0604030504040204" pitchFamily="34" charset="0"/>
+              </a:rPr>
+              <a:t> e </a:t>
+            </a:r>
+            <a:r>
+              <a:rPr lang="en-US" sz="2400" dirty="0" err="1" smtClean="0">
+                <a:solidFill>
+                  <a:schemeClr val="tx1"/>
+                </a:solidFill>
+                <a:latin typeface="Tahoma" panose="020B0604030504040204" pitchFamily="34" charset="0"/>
+                <a:ea typeface="Tahoma" panose="020B0604030504040204" pitchFamily="34" charset="0"/>
+                <a:cs typeface="Tahoma" panose="020B0604030504040204" pitchFamily="34" charset="0"/>
+              </a:rPr>
+              <a:t>stringhe</a:t>
+            </a:r>
+            <a:endParaRPr lang="en-US" sz="2400" dirty="0" smtClean="0">
+              <a:solidFill>
+                <a:schemeClr val="tx1"/>
+              </a:solidFill>
+              <a:latin typeface="Tahoma" panose="020B0604030504040204" pitchFamily="34" charset="0"/>
+              <a:ea typeface="Tahoma" panose="020B0604030504040204" pitchFamily="34" charset="0"/>
+              <a:cs typeface="Tahoma" panose="020B0604030504040204" pitchFamily="34" charset="0"/>
+            </a:endParaRPr>
+          </a:p>
+          <a:p>
+            <a:pPr marL="342900" indent="-342900" algn="l">
+              <a:buFont typeface="Wingdings" panose="05000000000000000000" pitchFamily="2" charset="2"/>
+              <a:buChar char="ü"/>
+            </a:pPr>
+            <a:r>
+              <a:rPr lang="en-US" sz="2400" dirty="0" err="1" smtClean="0">
+                <a:solidFill>
+                  <a:schemeClr val="tx1"/>
+                </a:solidFill>
+                <a:latin typeface="Tahoma" panose="020B0604030504040204" pitchFamily="34" charset="0"/>
+                <a:ea typeface="Tahoma" panose="020B0604030504040204" pitchFamily="34" charset="0"/>
+                <a:cs typeface="Tahoma" panose="020B0604030504040204" pitchFamily="34" charset="0"/>
+              </a:rPr>
+              <a:t>Denotiamo</a:t>
+            </a:r>
+            <a:r>
+              <a:rPr lang="en-US" sz="2400" dirty="0" smtClean="0">
+                <a:solidFill>
+                  <a:schemeClr val="tx1"/>
+                </a:solidFill>
+                <a:latin typeface="Tahoma" panose="020B0604030504040204" pitchFamily="34" charset="0"/>
+                <a:ea typeface="Tahoma" panose="020B0604030504040204" pitchFamily="34" charset="0"/>
+                <a:cs typeface="Tahoma" panose="020B0604030504040204" pitchFamily="34" charset="0"/>
+              </a:rPr>
+              <a:t> con </a:t>
+            </a:r>
+            <a:r>
+              <a:rPr lang="en-US" sz="2400" b="1" dirty="0" smtClean="0">
+                <a:solidFill>
+                  <a:schemeClr val="tx1"/>
+                </a:solidFill>
+                <a:latin typeface="Tahoma" panose="020B0604030504040204" pitchFamily="34" charset="0"/>
+                <a:ea typeface="Tahoma" panose="020B0604030504040204" pitchFamily="34" charset="0"/>
+                <a:cs typeface="Tahoma" panose="020B0604030504040204" pitchFamily="34" charset="0"/>
+              </a:rPr>
+              <a:t>⅀ </a:t>
+            </a:r>
+            <a:r>
+              <a:rPr lang="en-US" sz="2400" dirty="0" err="1" smtClean="0">
+                <a:solidFill>
+                  <a:schemeClr val="tx1"/>
+                </a:solidFill>
+                <a:latin typeface="Tahoma" panose="020B0604030504040204" pitchFamily="34" charset="0"/>
+                <a:ea typeface="Tahoma" panose="020B0604030504040204" pitchFamily="34" charset="0"/>
+                <a:cs typeface="Tahoma" panose="020B0604030504040204" pitchFamily="34" charset="0"/>
+              </a:rPr>
+              <a:t>l’insieme</a:t>
+            </a:r>
+            <a:r>
+              <a:rPr lang="en-US" sz="2400" dirty="0" smtClean="0">
+                <a:solidFill>
+                  <a:schemeClr val="tx1"/>
+                </a:solidFill>
+                <a:latin typeface="Tahoma" panose="020B0604030504040204" pitchFamily="34" charset="0"/>
+                <a:ea typeface="Tahoma" panose="020B0604030504040204" pitchFamily="34" charset="0"/>
+                <a:cs typeface="Tahoma" panose="020B0604030504040204" pitchFamily="34" charset="0"/>
+              </a:rPr>
+              <a:t> </a:t>
+            </a:r>
+            <a:r>
+              <a:rPr lang="en-US" sz="2400" dirty="0" err="1" smtClean="0">
+                <a:solidFill>
+                  <a:schemeClr val="tx1"/>
+                </a:solidFill>
+                <a:latin typeface="Tahoma" panose="020B0604030504040204" pitchFamily="34" charset="0"/>
+                <a:ea typeface="Tahoma" panose="020B0604030504040204" pitchFamily="34" charset="0"/>
+                <a:cs typeface="Tahoma" panose="020B0604030504040204" pitchFamily="34" charset="0"/>
+              </a:rPr>
+              <a:t>dei</a:t>
+            </a:r>
+            <a:r>
+              <a:rPr lang="en-US" sz="2400" dirty="0" smtClean="0">
+                <a:solidFill>
+                  <a:schemeClr val="tx1"/>
+                </a:solidFill>
+                <a:latin typeface="Tahoma" panose="020B0604030504040204" pitchFamily="34" charset="0"/>
+                <a:ea typeface="Tahoma" panose="020B0604030504040204" pitchFamily="34" charset="0"/>
+                <a:cs typeface="Tahoma" panose="020B0604030504040204" pitchFamily="34" charset="0"/>
+              </a:rPr>
+              <a:t> </a:t>
+            </a:r>
+            <a:r>
+              <a:rPr lang="en-US" sz="2400" dirty="0" err="1" smtClean="0">
+                <a:solidFill>
+                  <a:schemeClr val="tx1"/>
+                </a:solidFill>
+                <a:latin typeface="Tahoma" panose="020B0604030504040204" pitchFamily="34" charset="0"/>
+                <a:ea typeface="Tahoma" panose="020B0604030504040204" pitchFamily="34" charset="0"/>
+                <a:cs typeface="Tahoma" panose="020B0604030504040204" pitchFamily="34" charset="0"/>
+              </a:rPr>
+              <a:t>caratteri</a:t>
+            </a:r>
+            <a:r>
+              <a:rPr lang="en-US" sz="2400" dirty="0" smtClean="0">
+                <a:solidFill>
+                  <a:schemeClr val="tx1"/>
+                </a:solidFill>
+                <a:latin typeface="Tahoma" panose="020B0604030504040204" pitchFamily="34" charset="0"/>
+                <a:ea typeface="Tahoma" panose="020B0604030504040204" pitchFamily="34" charset="0"/>
+                <a:cs typeface="Tahoma" panose="020B0604030504040204" pitchFamily="34" charset="0"/>
+              </a:rPr>
+              <a:t> Unicode, </a:t>
+            </a:r>
+            <a:r>
+              <a:rPr lang="en-US" sz="2400" dirty="0" err="1" smtClean="0">
+                <a:solidFill>
+                  <a:schemeClr val="tx1"/>
+                </a:solidFill>
+                <a:latin typeface="Tahoma" panose="020B0604030504040204" pitchFamily="34" charset="0"/>
+                <a:ea typeface="Tahoma" panose="020B0604030504040204" pitchFamily="34" charset="0"/>
+                <a:cs typeface="Tahoma" panose="020B0604030504040204" pitchFamily="34" charset="0"/>
+              </a:rPr>
+              <a:t>i</a:t>
+            </a:r>
+            <a:r>
+              <a:rPr lang="en-US" sz="2400" dirty="0" smtClean="0">
+                <a:solidFill>
+                  <a:schemeClr val="tx1"/>
+                </a:solidFill>
+                <a:latin typeface="Tahoma" panose="020B0604030504040204" pitchFamily="34" charset="0"/>
+                <a:ea typeface="Tahoma" panose="020B0604030504040204" pitchFamily="34" charset="0"/>
+                <a:cs typeface="Tahoma" panose="020B0604030504040204" pitchFamily="34" charset="0"/>
+              </a:rPr>
+              <a:t> </a:t>
+            </a:r>
+            <a:r>
+              <a:rPr lang="en-US" sz="2400" b="1" dirty="0" err="1" smtClean="0">
+                <a:solidFill>
+                  <a:schemeClr val="tx1"/>
+                </a:solidFill>
+                <a:latin typeface="Tahoma" panose="020B0604030504040204" pitchFamily="34" charset="0"/>
+                <a:ea typeface="Tahoma" panose="020B0604030504040204" pitchFamily="34" charset="0"/>
+                <a:cs typeface="Tahoma" panose="020B0604030504040204" pitchFamily="34" charset="0"/>
+              </a:rPr>
+              <a:t>valori</a:t>
+            </a:r>
+            <a:r>
+              <a:rPr lang="en-US" sz="2400" b="1" dirty="0" smtClean="0">
+                <a:solidFill>
+                  <a:schemeClr val="tx1"/>
+                </a:solidFill>
+                <a:latin typeface="Tahoma" panose="020B0604030504040204" pitchFamily="34" charset="0"/>
+                <a:ea typeface="Tahoma" panose="020B0604030504040204" pitchFamily="34" charset="0"/>
+                <a:cs typeface="Tahoma" panose="020B0604030504040204" pitchFamily="34" charset="0"/>
+              </a:rPr>
+              <a:t> JSON </a:t>
+            </a:r>
+            <a:r>
+              <a:rPr lang="en-US" sz="2400" dirty="0" err="1" smtClean="0">
+                <a:solidFill>
+                  <a:schemeClr val="tx1"/>
+                </a:solidFill>
+                <a:latin typeface="Tahoma" panose="020B0604030504040204" pitchFamily="34" charset="0"/>
+                <a:ea typeface="Tahoma" panose="020B0604030504040204" pitchFamily="34" charset="0"/>
+                <a:cs typeface="Tahoma" panose="020B0604030504040204" pitchFamily="34" charset="0"/>
+              </a:rPr>
+              <a:t>sono</a:t>
+            </a:r>
+            <a:r>
+              <a:rPr lang="en-US" sz="2400" dirty="0" smtClean="0">
+                <a:solidFill>
+                  <a:schemeClr val="tx1"/>
+                </a:solidFill>
+                <a:latin typeface="Tahoma" panose="020B0604030504040204" pitchFamily="34" charset="0"/>
+                <a:ea typeface="Tahoma" panose="020B0604030504040204" pitchFamily="34" charset="0"/>
+                <a:cs typeface="Tahoma" panose="020B0604030504040204" pitchFamily="34" charset="0"/>
+              </a:rPr>
+              <a:t> </a:t>
+            </a:r>
+            <a:r>
+              <a:rPr lang="en-US" sz="2400" dirty="0" err="1" smtClean="0">
+                <a:solidFill>
+                  <a:schemeClr val="tx1"/>
+                </a:solidFill>
+                <a:latin typeface="Tahoma" panose="020B0604030504040204" pitchFamily="34" charset="0"/>
+                <a:ea typeface="Tahoma" panose="020B0604030504040204" pitchFamily="34" charset="0"/>
+                <a:cs typeface="Tahoma" panose="020B0604030504040204" pitchFamily="34" charset="0"/>
+              </a:rPr>
+              <a:t>definiti</a:t>
+            </a:r>
+            <a:r>
+              <a:rPr lang="en-US" sz="2400" dirty="0" smtClean="0">
+                <a:solidFill>
+                  <a:schemeClr val="tx1"/>
+                </a:solidFill>
+                <a:latin typeface="Tahoma" panose="020B0604030504040204" pitchFamily="34" charset="0"/>
+                <a:ea typeface="Tahoma" panose="020B0604030504040204" pitchFamily="34" charset="0"/>
+                <a:cs typeface="Tahoma" panose="020B0604030504040204" pitchFamily="34" charset="0"/>
+              </a:rPr>
+              <a:t> come segue: </a:t>
+            </a:r>
+            <a:endParaRPr lang="en-US" sz="2400" b="1" dirty="0">
+              <a:solidFill>
+                <a:schemeClr val="tx1"/>
+              </a:solidFill>
+              <a:latin typeface="Tahoma" panose="020B0604030504040204" pitchFamily="34" charset="0"/>
+              <a:ea typeface="Tahoma" panose="020B0604030504040204" pitchFamily="34" charset="0"/>
+              <a:cs typeface="Tahoma" panose="020B0604030504040204" pitchFamily="34" charset="0"/>
+            </a:endParaRPr>
+          </a:p>
+          <a:p>
+            <a:pPr marL="800100" lvl="1" indent="-342900">
+              <a:buFont typeface="Arial" panose="020B0604020202020204" pitchFamily="34" charset="0"/>
+              <a:buChar char="•"/>
+            </a:pPr>
+            <a:r>
+              <a:rPr lang="en-US" sz="2600" b="0" dirty="0" err="1" smtClean="0">
+                <a:solidFill>
+                  <a:schemeClr val="tx1"/>
+                </a:solidFill>
+                <a:latin typeface="Tahoma" panose="020B0604030504040204" pitchFamily="34" charset="0"/>
+                <a:ea typeface="Tahoma" panose="020B0604030504040204" pitchFamily="34" charset="0"/>
+                <a:cs typeface="Tahoma" panose="020B0604030504040204" pitchFamily="34" charset="0"/>
+              </a:rPr>
+              <a:t>Qualsiasi</a:t>
+            </a:r>
+            <a:r>
+              <a:rPr lang="en-US" sz="2600" b="0" dirty="0" smtClean="0">
+                <a:solidFill>
+                  <a:schemeClr val="tx1"/>
+                </a:solidFill>
+                <a:latin typeface="Tahoma" panose="020B0604030504040204" pitchFamily="34" charset="0"/>
+                <a:ea typeface="Tahoma" panose="020B0604030504040204" pitchFamily="34" charset="0"/>
+                <a:cs typeface="Tahoma" panose="020B0604030504040204" pitchFamily="34" charset="0"/>
+              </a:rPr>
+              <a:t> (</a:t>
+            </a:r>
+            <a:r>
+              <a:rPr lang="en-US" sz="2600" b="0" dirty="0" err="1" smtClean="0">
+                <a:solidFill>
+                  <a:schemeClr val="tx1"/>
+                </a:solidFill>
+                <a:latin typeface="Tahoma" panose="020B0604030504040204" pitchFamily="34" charset="0"/>
+                <a:ea typeface="Tahoma" panose="020B0604030504040204" pitchFamily="34" charset="0"/>
+                <a:cs typeface="Tahoma" panose="020B0604030504040204" pitchFamily="34" charset="0"/>
+              </a:rPr>
+              <a:t>reale</a:t>
+            </a:r>
+            <a:r>
+              <a:rPr lang="en-US" sz="2600" b="0" dirty="0" smtClean="0">
+                <a:solidFill>
+                  <a:schemeClr val="tx1"/>
+                </a:solidFill>
+                <a:latin typeface="Tahoma" panose="020B0604030504040204" pitchFamily="34" charset="0"/>
+                <a:ea typeface="Tahoma" panose="020B0604030504040204" pitchFamily="34" charset="0"/>
+                <a:cs typeface="Tahoma" panose="020B0604030504040204" pitchFamily="34" charset="0"/>
+              </a:rPr>
+              <a:t> con segno) </a:t>
+            </a:r>
+            <a:r>
+              <a:rPr lang="en-US" sz="2600" b="0" dirty="0" err="1" smtClean="0">
+                <a:solidFill>
+                  <a:schemeClr val="tx1"/>
+                </a:solidFill>
+                <a:latin typeface="Tahoma" panose="020B0604030504040204" pitchFamily="34" charset="0"/>
+                <a:ea typeface="Tahoma" panose="020B0604030504040204" pitchFamily="34" charset="0"/>
+                <a:cs typeface="Tahoma" panose="020B0604030504040204" pitchFamily="34" charset="0"/>
+              </a:rPr>
+              <a:t>numero</a:t>
+            </a:r>
+            <a:r>
+              <a:rPr lang="en-US" sz="2600" b="0" dirty="0" smtClean="0">
+                <a:solidFill>
+                  <a:schemeClr val="tx1"/>
+                </a:solidFill>
+                <a:latin typeface="Tahoma" panose="020B0604030504040204" pitchFamily="34" charset="0"/>
+                <a:ea typeface="Tahoma" panose="020B0604030504040204" pitchFamily="34" charset="0"/>
+                <a:cs typeface="Tahoma" panose="020B0604030504040204" pitchFamily="34" charset="0"/>
+              </a:rPr>
+              <a:t> </a:t>
+            </a:r>
+            <a:r>
+              <a:rPr lang="en-US" sz="2600" dirty="0" smtClean="0">
+                <a:solidFill>
+                  <a:schemeClr val="tx1"/>
+                </a:solidFill>
+                <a:latin typeface="Tahoma" panose="020B0604030504040204" pitchFamily="34" charset="0"/>
+                <a:ea typeface="Tahoma" panose="020B0604030504040204" pitchFamily="34" charset="0"/>
+                <a:cs typeface="Tahoma" panose="020B0604030504040204" pitchFamily="34" charset="0"/>
+              </a:rPr>
+              <a:t>n </a:t>
+            </a:r>
+            <a:r>
+              <a:rPr lang="en-US" sz="2600" b="0" dirty="0" smtClean="0">
+                <a:solidFill>
+                  <a:schemeClr val="tx1"/>
+                </a:solidFill>
+                <a:latin typeface="Tahoma" panose="020B0604030504040204" pitchFamily="34" charset="0"/>
+                <a:ea typeface="Tahoma" panose="020B0604030504040204" pitchFamily="34" charset="0"/>
+                <a:cs typeface="Tahoma" panose="020B0604030504040204" pitchFamily="34" charset="0"/>
+              </a:rPr>
+              <a:t>è un </a:t>
+            </a:r>
+            <a:r>
+              <a:rPr lang="en-US" sz="2600" b="0" dirty="0" err="1" smtClean="0">
+                <a:solidFill>
+                  <a:schemeClr val="tx1"/>
+                </a:solidFill>
+                <a:latin typeface="Tahoma" panose="020B0604030504040204" pitchFamily="34" charset="0"/>
+                <a:ea typeface="Tahoma" panose="020B0604030504040204" pitchFamily="34" charset="0"/>
+                <a:cs typeface="Tahoma" panose="020B0604030504040204" pitchFamily="34" charset="0"/>
+              </a:rPr>
+              <a:t>valore</a:t>
+            </a:r>
+            <a:r>
+              <a:rPr lang="en-US" sz="2600" b="0" dirty="0" smtClean="0">
+                <a:solidFill>
+                  <a:schemeClr val="tx1"/>
+                </a:solidFill>
+                <a:latin typeface="Tahoma" panose="020B0604030504040204" pitchFamily="34" charset="0"/>
+                <a:ea typeface="Tahoma" panose="020B0604030504040204" pitchFamily="34" charset="0"/>
+                <a:cs typeface="Tahoma" panose="020B0604030504040204" pitchFamily="34" charset="0"/>
+              </a:rPr>
+              <a:t> JSON, </a:t>
+            </a:r>
+            <a:r>
+              <a:rPr lang="en-US" sz="2600" b="0" dirty="0" err="1" smtClean="0">
+                <a:solidFill>
+                  <a:schemeClr val="tx1"/>
+                </a:solidFill>
+                <a:latin typeface="Tahoma" panose="020B0604030504040204" pitchFamily="34" charset="0"/>
+                <a:ea typeface="Tahoma" panose="020B0604030504040204" pitchFamily="34" charset="0"/>
+                <a:cs typeface="Tahoma" panose="020B0604030504040204" pitchFamily="34" charset="0"/>
+              </a:rPr>
+              <a:t>chiamato</a:t>
+            </a:r>
+            <a:r>
+              <a:rPr lang="en-US" sz="2600" b="0" dirty="0" smtClean="0">
+                <a:solidFill>
+                  <a:schemeClr val="tx1"/>
+                </a:solidFill>
+                <a:latin typeface="Tahoma" panose="020B0604030504040204" pitchFamily="34" charset="0"/>
+                <a:ea typeface="Tahoma" panose="020B0604030504040204" pitchFamily="34" charset="0"/>
+                <a:cs typeface="Tahoma" panose="020B0604030504040204" pitchFamily="34" charset="0"/>
+              </a:rPr>
+              <a:t> </a:t>
+            </a:r>
+            <a:r>
+              <a:rPr lang="en-US" sz="2600" dirty="0" err="1" smtClean="0">
+                <a:solidFill>
+                  <a:schemeClr val="tx1"/>
+                </a:solidFill>
+                <a:latin typeface="Tahoma" panose="020B0604030504040204" pitchFamily="34" charset="0"/>
+                <a:ea typeface="Tahoma" panose="020B0604030504040204" pitchFamily="34" charset="0"/>
+                <a:cs typeface="Tahoma" panose="020B0604030504040204" pitchFamily="34" charset="0"/>
+              </a:rPr>
+              <a:t>numero</a:t>
+            </a:r>
+            <a:r>
+              <a:rPr lang="en-US" sz="2600" dirty="0" smtClean="0">
+                <a:solidFill>
+                  <a:schemeClr val="tx1"/>
+                </a:solidFill>
+                <a:latin typeface="Tahoma" panose="020B0604030504040204" pitchFamily="34" charset="0"/>
+                <a:ea typeface="Tahoma" panose="020B0604030504040204" pitchFamily="34" charset="0"/>
+                <a:cs typeface="Tahoma" panose="020B0604030504040204" pitchFamily="34" charset="0"/>
+              </a:rPr>
+              <a:t>. </a:t>
+            </a:r>
+          </a:p>
+          <a:p>
+            <a:pPr marL="800100" lvl="1" indent="-342900">
+              <a:buFont typeface="Arial" panose="020B0604020202020204" pitchFamily="34" charset="0"/>
+              <a:buChar char="•"/>
+            </a:pPr>
+            <a:r>
+              <a:rPr lang="en-US" sz="2600" b="0" dirty="0" smtClean="0">
+                <a:solidFill>
+                  <a:schemeClr val="tx1"/>
+                </a:solidFill>
+                <a:latin typeface="Tahoma" panose="020B0604030504040204" pitchFamily="34" charset="0"/>
+                <a:ea typeface="Tahoma" panose="020B0604030504040204" pitchFamily="34" charset="0"/>
+                <a:cs typeface="Tahoma" panose="020B0604030504040204" pitchFamily="34" charset="0"/>
+              </a:rPr>
+              <a:t>Se </a:t>
+            </a:r>
+            <a:r>
+              <a:rPr lang="en-US" sz="2600" dirty="0" smtClean="0">
+                <a:solidFill>
+                  <a:schemeClr val="tx1"/>
+                </a:solidFill>
+                <a:latin typeface="Tahoma" panose="020B0604030504040204" pitchFamily="34" charset="0"/>
+                <a:ea typeface="Tahoma" panose="020B0604030504040204" pitchFamily="34" charset="0"/>
+                <a:cs typeface="Tahoma" panose="020B0604030504040204" pitchFamily="34" charset="0"/>
+              </a:rPr>
+              <a:t>s </a:t>
+            </a:r>
+            <a:r>
+              <a:rPr lang="en-US" sz="2600" b="0" dirty="0" smtClean="0">
+                <a:solidFill>
+                  <a:schemeClr val="tx1"/>
+                </a:solidFill>
+                <a:latin typeface="Tahoma" panose="020B0604030504040204" pitchFamily="34" charset="0"/>
+                <a:ea typeface="Tahoma" panose="020B0604030504040204" pitchFamily="34" charset="0"/>
+                <a:cs typeface="Tahoma" panose="020B0604030504040204" pitchFamily="34" charset="0"/>
+              </a:rPr>
+              <a:t>è </a:t>
+            </a:r>
+            <a:r>
+              <a:rPr lang="en-US" sz="2600" b="0" dirty="0" err="1" smtClean="0">
+                <a:solidFill>
+                  <a:schemeClr val="tx1"/>
+                </a:solidFill>
+                <a:latin typeface="Tahoma" panose="020B0604030504040204" pitchFamily="34" charset="0"/>
+                <a:ea typeface="Tahoma" panose="020B0604030504040204" pitchFamily="34" charset="0"/>
+                <a:cs typeface="Tahoma" panose="020B0604030504040204" pitchFamily="34" charset="0"/>
+              </a:rPr>
+              <a:t>una</a:t>
+            </a:r>
+            <a:r>
+              <a:rPr lang="en-US" sz="2600" b="0" dirty="0" smtClean="0">
+                <a:solidFill>
+                  <a:schemeClr val="tx1"/>
+                </a:solidFill>
+                <a:latin typeface="Tahoma" panose="020B0604030504040204" pitchFamily="34" charset="0"/>
+                <a:ea typeface="Tahoma" panose="020B0604030504040204" pitchFamily="34" charset="0"/>
+                <a:cs typeface="Tahoma" panose="020B0604030504040204" pitchFamily="34" charset="0"/>
+              </a:rPr>
+              <a:t> </a:t>
+            </a:r>
+            <a:r>
+              <a:rPr lang="en-US" sz="2600" b="0" dirty="0" err="1" smtClean="0">
+                <a:solidFill>
+                  <a:schemeClr val="tx1"/>
+                </a:solidFill>
+                <a:latin typeface="Tahoma" panose="020B0604030504040204" pitchFamily="34" charset="0"/>
+                <a:ea typeface="Tahoma" panose="020B0604030504040204" pitchFamily="34" charset="0"/>
+                <a:cs typeface="Tahoma" panose="020B0604030504040204" pitchFamily="34" charset="0"/>
+              </a:rPr>
+              <a:t>stringa</a:t>
+            </a:r>
+            <a:r>
+              <a:rPr lang="en-US" sz="2600" b="0" dirty="0" smtClean="0">
+                <a:solidFill>
+                  <a:schemeClr val="tx1"/>
+                </a:solidFill>
+                <a:latin typeface="Tahoma" panose="020B0604030504040204" pitchFamily="34" charset="0"/>
+                <a:ea typeface="Tahoma" panose="020B0604030504040204" pitchFamily="34" charset="0"/>
+                <a:cs typeface="Tahoma" panose="020B0604030504040204" pitchFamily="34" charset="0"/>
+              </a:rPr>
+              <a:t> in </a:t>
+            </a:r>
+            <a:r>
+              <a:rPr lang="en-US" sz="2800" dirty="0" smtClean="0">
+                <a:solidFill>
+                  <a:schemeClr val="tx1"/>
+                </a:solidFill>
+                <a:latin typeface="Tahoma" panose="020B0604030504040204" pitchFamily="34" charset="0"/>
+                <a:ea typeface="Tahoma" panose="020B0604030504040204" pitchFamily="34" charset="0"/>
+                <a:cs typeface="Tahoma" panose="020B0604030504040204" pitchFamily="34" charset="0"/>
+              </a:rPr>
+              <a:t>⅀</a:t>
+            </a:r>
+            <a:r>
+              <a:rPr lang="en-US" sz="2800" b="0" dirty="0" smtClean="0">
+                <a:solidFill>
+                  <a:schemeClr val="tx1"/>
+                </a:solidFill>
+                <a:latin typeface="Tahoma" panose="020B0604030504040204" pitchFamily="34" charset="0"/>
+                <a:ea typeface="Tahoma" panose="020B0604030504040204" pitchFamily="34" charset="0"/>
+                <a:cs typeface="Tahoma" panose="020B0604030504040204" pitchFamily="34" charset="0"/>
+              </a:rPr>
+              <a:t>, </a:t>
+            </a:r>
+            <a:r>
+              <a:rPr lang="en-US" sz="2800" b="0" dirty="0" err="1" smtClean="0">
+                <a:solidFill>
+                  <a:schemeClr val="tx1"/>
+                </a:solidFill>
+                <a:latin typeface="Tahoma" panose="020B0604030504040204" pitchFamily="34" charset="0"/>
+                <a:ea typeface="Tahoma" panose="020B0604030504040204" pitchFamily="34" charset="0"/>
+                <a:cs typeface="Tahoma" panose="020B0604030504040204" pitchFamily="34" charset="0"/>
+              </a:rPr>
+              <a:t>allora</a:t>
+            </a:r>
+            <a:r>
+              <a:rPr lang="en-US" sz="2800" b="0" dirty="0" smtClean="0">
+                <a:solidFill>
+                  <a:schemeClr val="tx1"/>
+                </a:solidFill>
+                <a:latin typeface="Tahoma" panose="020B0604030504040204" pitchFamily="34" charset="0"/>
+                <a:ea typeface="Tahoma" panose="020B0604030504040204" pitchFamily="34" charset="0"/>
+                <a:cs typeface="Tahoma" panose="020B0604030504040204" pitchFamily="34" charset="0"/>
+              </a:rPr>
+              <a:t> </a:t>
+            </a:r>
+            <a:r>
+              <a:rPr lang="en-US" sz="2800" dirty="0" smtClean="0">
+                <a:solidFill>
+                  <a:schemeClr val="tx1"/>
+                </a:solidFill>
+                <a:latin typeface="Tahoma" panose="020B0604030504040204" pitchFamily="34" charset="0"/>
+                <a:ea typeface="Tahoma" panose="020B0604030504040204" pitchFamily="34" charset="0"/>
+                <a:cs typeface="Tahoma" panose="020B0604030504040204" pitchFamily="34" charset="0"/>
+              </a:rPr>
+              <a:t>s </a:t>
+            </a:r>
+            <a:r>
+              <a:rPr lang="en-US" sz="2800" b="0" dirty="0" smtClean="0">
+                <a:solidFill>
+                  <a:schemeClr val="tx1"/>
+                </a:solidFill>
+                <a:latin typeface="Tahoma" panose="020B0604030504040204" pitchFamily="34" charset="0"/>
+                <a:ea typeface="Tahoma" panose="020B0604030504040204" pitchFamily="34" charset="0"/>
+                <a:cs typeface="Tahoma" panose="020B0604030504040204" pitchFamily="34" charset="0"/>
+              </a:rPr>
+              <a:t>è un </a:t>
+            </a:r>
+            <a:r>
+              <a:rPr lang="en-US" sz="2800" b="0" dirty="0" err="1" smtClean="0">
+                <a:solidFill>
+                  <a:schemeClr val="tx1"/>
+                </a:solidFill>
+                <a:latin typeface="Tahoma" panose="020B0604030504040204" pitchFamily="34" charset="0"/>
+                <a:ea typeface="Tahoma" panose="020B0604030504040204" pitchFamily="34" charset="0"/>
+                <a:cs typeface="Tahoma" panose="020B0604030504040204" pitchFamily="34" charset="0"/>
+              </a:rPr>
+              <a:t>valore</a:t>
+            </a:r>
+            <a:r>
+              <a:rPr lang="en-US" sz="2800" b="0" dirty="0" smtClean="0">
+                <a:solidFill>
+                  <a:schemeClr val="tx1"/>
+                </a:solidFill>
+                <a:latin typeface="Tahoma" panose="020B0604030504040204" pitchFamily="34" charset="0"/>
+                <a:ea typeface="Tahoma" panose="020B0604030504040204" pitchFamily="34" charset="0"/>
+                <a:cs typeface="Tahoma" panose="020B0604030504040204" pitchFamily="34" charset="0"/>
+              </a:rPr>
+              <a:t> JSON, </a:t>
+            </a:r>
+            <a:r>
+              <a:rPr lang="en-US" sz="2800" b="0" dirty="0" err="1" smtClean="0">
+                <a:solidFill>
+                  <a:schemeClr val="tx1"/>
+                </a:solidFill>
+                <a:latin typeface="Tahoma" panose="020B0604030504040204" pitchFamily="34" charset="0"/>
+                <a:ea typeface="Tahoma" panose="020B0604030504040204" pitchFamily="34" charset="0"/>
+                <a:cs typeface="Tahoma" panose="020B0604030504040204" pitchFamily="34" charset="0"/>
+              </a:rPr>
+              <a:t>chiamato</a:t>
+            </a:r>
+            <a:r>
+              <a:rPr lang="en-US" sz="2800" b="0" dirty="0" smtClean="0">
+                <a:solidFill>
+                  <a:schemeClr val="tx1"/>
+                </a:solidFill>
+                <a:latin typeface="Tahoma" panose="020B0604030504040204" pitchFamily="34" charset="0"/>
+                <a:ea typeface="Tahoma" panose="020B0604030504040204" pitchFamily="34" charset="0"/>
+                <a:cs typeface="Tahoma" panose="020B0604030504040204" pitchFamily="34" charset="0"/>
+              </a:rPr>
+              <a:t> </a:t>
+            </a:r>
+            <a:r>
+              <a:rPr lang="en-US" sz="2800" dirty="0" err="1" smtClean="0">
+                <a:solidFill>
+                  <a:schemeClr val="tx1"/>
+                </a:solidFill>
+                <a:latin typeface="Tahoma" panose="020B0604030504040204" pitchFamily="34" charset="0"/>
+                <a:ea typeface="Tahoma" panose="020B0604030504040204" pitchFamily="34" charset="0"/>
+                <a:cs typeface="Tahoma" panose="020B0604030504040204" pitchFamily="34" charset="0"/>
+              </a:rPr>
+              <a:t>strianga</a:t>
+            </a:r>
+            <a:r>
+              <a:rPr lang="en-US" sz="2800" dirty="0" smtClean="0">
+                <a:solidFill>
+                  <a:schemeClr val="tx1"/>
+                </a:solidFill>
+                <a:latin typeface="Tahoma" panose="020B0604030504040204" pitchFamily="34" charset="0"/>
+                <a:ea typeface="Tahoma" panose="020B0604030504040204" pitchFamily="34" charset="0"/>
+                <a:cs typeface="Tahoma" panose="020B0604030504040204" pitchFamily="34" charset="0"/>
+              </a:rPr>
+              <a:t>. </a:t>
+            </a:r>
+          </a:p>
+          <a:p>
+            <a:pPr marL="800100" lvl="1" indent="-342900" algn="just">
+              <a:buFont typeface="Arial" panose="020B0604020202020204" pitchFamily="34" charset="0"/>
+              <a:buChar char="•"/>
+            </a:pPr>
+            <a:r>
+              <a:rPr lang="en-US" sz="2800" b="0" dirty="0" smtClean="0">
+                <a:solidFill>
+                  <a:schemeClr val="tx1"/>
+                </a:solidFill>
+                <a:latin typeface="Tahoma" panose="020B0604030504040204" pitchFamily="34" charset="0"/>
+                <a:ea typeface="Tahoma" panose="020B0604030504040204" pitchFamily="34" charset="0"/>
+                <a:cs typeface="Tahoma" panose="020B0604030504040204" pitchFamily="34" charset="0"/>
+              </a:rPr>
+              <a:t>I </a:t>
+            </a:r>
+            <a:r>
+              <a:rPr lang="en-US" sz="2800" b="0" dirty="0" err="1" smtClean="0">
+                <a:solidFill>
+                  <a:schemeClr val="tx1"/>
+                </a:solidFill>
+                <a:latin typeface="Tahoma" panose="020B0604030504040204" pitchFamily="34" charset="0"/>
+                <a:ea typeface="Tahoma" panose="020B0604030504040204" pitchFamily="34" charset="0"/>
+                <a:cs typeface="Tahoma" panose="020B0604030504040204" pitchFamily="34" charset="0"/>
+              </a:rPr>
+              <a:t>simboli</a:t>
+            </a:r>
+            <a:r>
+              <a:rPr lang="en-US" sz="2800" b="0" dirty="0" smtClean="0">
+                <a:solidFill>
+                  <a:schemeClr val="tx1"/>
+                </a:solidFill>
+                <a:latin typeface="Tahoma" panose="020B0604030504040204" pitchFamily="34" charset="0"/>
+                <a:ea typeface="Tahoma" panose="020B0604030504040204" pitchFamily="34" charset="0"/>
+                <a:cs typeface="Tahoma" panose="020B0604030504040204" pitchFamily="34" charset="0"/>
+              </a:rPr>
+              <a:t> </a:t>
+            </a:r>
+            <a:r>
+              <a:rPr lang="en-US" sz="2800" b="0" dirty="0" err="1" smtClean="0">
+                <a:solidFill>
+                  <a:schemeClr val="tx1"/>
+                </a:solidFill>
+                <a:latin typeface="Tahoma" panose="020B0604030504040204" pitchFamily="34" charset="0"/>
+                <a:ea typeface="Tahoma" panose="020B0604030504040204" pitchFamily="34" charset="0"/>
+                <a:cs typeface="Tahoma" panose="020B0604030504040204" pitchFamily="34" charset="0"/>
+              </a:rPr>
+              <a:t>speciali</a:t>
+            </a:r>
+            <a:r>
+              <a:rPr lang="en-US" sz="2800" b="0" dirty="0" smtClean="0">
+                <a:solidFill>
+                  <a:schemeClr val="tx1"/>
+                </a:solidFill>
+                <a:latin typeface="Tahoma" panose="020B0604030504040204" pitchFamily="34" charset="0"/>
+                <a:ea typeface="Tahoma" panose="020B0604030504040204" pitchFamily="34" charset="0"/>
+                <a:cs typeface="Tahoma" panose="020B0604030504040204" pitchFamily="34" charset="0"/>
+              </a:rPr>
+              <a:t> </a:t>
+            </a:r>
+            <a:r>
+              <a:rPr lang="en-US" sz="2800" dirty="0" smtClean="0">
+                <a:solidFill>
+                  <a:schemeClr val="tx1"/>
+                </a:solidFill>
+                <a:latin typeface="Tahoma" panose="020B0604030504040204" pitchFamily="34" charset="0"/>
+                <a:ea typeface="Tahoma" panose="020B0604030504040204" pitchFamily="34" charset="0"/>
+                <a:cs typeface="Tahoma" panose="020B0604030504040204" pitchFamily="34" charset="0"/>
+              </a:rPr>
+              <a:t>true </a:t>
+            </a:r>
+            <a:r>
+              <a:rPr lang="en-US" sz="2800" b="0" dirty="0" smtClean="0">
+                <a:solidFill>
+                  <a:schemeClr val="tx1"/>
+                </a:solidFill>
+                <a:latin typeface="Tahoma" panose="020B0604030504040204" pitchFamily="34" charset="0"/>
+                <a:ea typeface="Tahoma" panose="020B0604030504040204" pitchFamily="34" charset="0"/>
+                <a:cs typeface="Tahoma" panose="020B0604030504040204" pitchFamily="34" charset="0"/>
+              </a:rPr>
+              <a:t>e </a:t>
+            </a:r>
+            <a:r>
+              <a:rPr lang="en-US" sz="2800" dirty="0" smtClean="0">
+                <a:solidFill>
+                  <a:schemeClr val="tx1"/>
+                </a:solidFill>
+                <a:latin typeface="Tahoma" panose="020B0604030504040204" pitchFamily="34" charset="0"/>
+                <a:ea typeface="Tahoma" panose="020B0604030504040204" pitchFamily="34" charset="0"/>
+                <a:cs typeface="Tahoma" panose="020B0604030504040204" pitchFamily="34" charset="0"/>
+              </a:rPr>
+              <a:t>false </a:t>
+            </a:r>
+            <a:r>
+              <a:rPr lang="en-US" sz="2800" b="0" dirty="0" err="1" smtClean="0">
+                <a:solidFill>
+                  <a:schemeClr val="tx1"/>
+                </a:solidFill>
+                <a:latin typeface="Tahoma" panose="020B0604030504040204" pitchFamily="34" charset="0"/>
+                <a:ea typeface="Tahoma" panose="020B0604030504040204" pitchFamily="34" charset="0"/>
+                <a:cs typeface="Tahoma" panose="020B0604030504040204" pitchFamily="34" charset="0"/>
+              </a:rPr>
+              <a:t>sono</a:t>
+            </a:r>
+            <a:r>
+              <a:rPr lang="en-US" sz="2800" b="0" dirty="0" smtClean="0">
+                <a:solidFill>
+                  <a:schemeClr val="tx1"/>
+                </a:solidFill>
+                <a:latin typeface="Tahoma" panose="020B0604030504040204" pitchFamily="34" charset="0"/>
+                <a:ea typeface="Tahoma" panose="020B0604030504040204" pitchFamily="34" charset="0"/>
+                <a:cs typeface="Tahoma" panose="020B0604030504040204" pitchFamily="34" charset="0"/>
+              </a:rPr>
+              <a:t> </a:t>
+            </a:r>
+            <a:r>
+              <a:rPr lang="en-US" sz="2800" b="0" dirty="0" err="1" smtClean="0">
+                <a:solidFill>
+                  <a:schemeClr val="tx1"/>
+                </a:solidFill>
+                <a:latin typeface="Tahoma" panose="020B0604030504040204" pitchFamily="34" charset="0"/>
+                <a:ea typeface="Tahoma" panose="020B0604030504040204" pitchFamily="34" charset="0"/>
+                <a:cs typeface="Tahoma" panose="020B0604030504040204" pitchFamily="34" charset="0"/>
+              </a:rPr>
+              <a:t>valori</a:t>
+            </a:r>
+            <a:r>
+              <a:rPr lang="en-US" sz="2800" b="0" dirty="0" smtClean="0">
+                <a:solidFill>
+                  <a:schemeClr val="tx1"/>
+                </a:solidFill>
+                <a:latin typeface="Tahoma" panose="020B0604030504040204" pitchFamily="34" charset="0"/>
+                <a:ea typeface="Tahoma" panose="020B0604030504040204" pitchFamily="34" charset="0"/>
+                <a:cs typeface="Tahoma" panose="020B0604030504040204" pitchFamily="34" charset="0"/>
+              </a:rPr>
+              <a:t> JSON, </a:t>
+            </a:r>
+            <a:r>
+              <a:rPr lang="en-US" sz="2800" b="0" dirty="0" err="1" smtClean="0">
+                <a:solidFill>
+                  <a:schemeClr val="tx1"/>
+                </a:solidFill>
+                <a:latin typeface="Tahoma" panose="020B0604030504040204" pitchFamily="34" charset="0"/>
+                <a:ea typeface="Tahoma" panose="020B0604030504040204" pitchFamily="34" charset="0"/>
+                <a:cs typeface="Tahoma" panose="020B0604030504040204" pitchFamily="34" charset="0"/>
+              </a:rPr>
+              <a:t>chiamati</a:t>
+            </a:r>
+            <a:r>
+              <a:rPr lang="en-US" sz="2800" b="0" dirty="0" smtClean="0">
+                <a:solidFill>
+                  <a:schemeClr val="tx1"/>
+                </a:solidFill>
+                <a:latin typeface="Tahoma" panose="020B0604030504040204" pitchFamily="34" charset="0"/>
+                <a:ea typeface="Tahoma" panose="020B0604030504040204" pitchFamily="34" charset="0"/>
+                <a:cs typeface="Tahoma" panose="020B0604030504040204" pitchFamily="34" charset="0"/>
+              </a:rPr>
+              <a:t> </a:t>
+            </a:r>
+            <a:r>
+              <a:rPr lang="en-US" sz="2800" dirty="0" err="1" smtClean="0">
+                <a:solidFill>
+                  <a:schemeClr val="tx1"/>
+                </a:solidFill>
+                <a:latin typeface="Tahoma" panose="020B0604030504040204" pitchFamily="34" charset="0"/>
+                <a:ea typeface="Tahoma" panose="020B0604030504040204" pitchFamily="34" charset="0"/>
+                <a:cs typeface="Tahoma" panose="020B0604030504040204" pitchFamily="34" charset="0"/>
+              </a:rPr>
+              <a:t>booleani</a:t>
+            </a:r>
+            <a:r>
+              <a:rPr lang="en-US" sz="2800" dirty="0" smtClean="0">
+                <a:solidFill>
+                  <a:schemeClr val="tx1"/>
+                </a:solidFill>
+                <a:latin typeface="Tahoma" panose="020B0604030504040204" pitchFamily="34" charset="0"/>
+                <a:ea typeface="Tahoma" panose="020B0604030504040204" pitchFamily="34" charset="0"/>
+                <a:cs typeface="Tahoma" panose="020B0604030504040204" pitchFamily="34" charset="0"/>
+              </a:rPr>
+              <a:t>. </a:t>
+            </a:r>
+          </a:p>
+          <a:p>
+            <a:pPr marL="800100" lvl="1" indent="-342900" algn="just">
+              <a:buFont typeface="Arial" panose="020B0604020202020204" pitchFamily="34" charset="0"/>
+              <a:buChar char="•"/>
+            </a:pPr>
+            <a:r>
+              <a:rPr lang="en-US" sz="2800" b="0" dirty="0" smtClean="0">
+                <a:solidFill>
+                  <a:schemeClr val="tx1"/>
+                </a:solidFill>
+                <a:latin typeface="Tahoma" panose="020B0604030504040204" pitchFamily="34" charset="0"/>
+                <a:ea typeface="Tahoma" panose="020B0604030504040204" pitchFamily="34" charset="0"/>
+                <a:cs typeface="Tahoma" panose="020B0604030504040204" pitchFamily="34" charset="0"/>
+              </a:rPr>
+              <a:t>Il </a:t>
+            </a:r>
+            <a:r>
+              <a:rPr lang="en-US" sz="2800" b="0" dirty="0" err="1" smtClean="0">
+                <a:solidFill>
+                  <a:schemeClr val="tx1"/>
+                </a:solidFill>
+                <a:latin typeface="Tahoma" panose="020B0604030504040204" pitchFamily="34" charset="0"/>
+                <a:ea typeface="Tahoma" panose="020B0604030504040204" pitchFamily="34" charset="0"/>
+                <a:cs typeface="Tahoma" panose="020B0604030504040204" pitchFamily="34" charset="0"/>
+              </a:rPr>
+              <a:t>simbolo</a:t>
+            </a:r>
+            <a:r>
+              <a:rPr lang="en-US" sz="2800" b="0" dirty="0" smtClean="0">
+                <a:solidFill>
+                  <a:schemeClr val="tx1"/>
+                </a:solidFill>
+                <a:latin typeface="Tahoma" panose="020B0604030504040204" pitchFamily="34" charset="0"/>
+                <a:ea typeface="Tahoma" panose="020B0604030504040204" pitchFamily="34" charset="0"/>
+                <a:cs typeface="Tahoma" panose="020B0604030504040204" pitchFamily="34" charset="0"/>
+              </a:rPr>
+              <a:t> </a:t>
+            </a:r>
+            <a:r>
+              <a:rPr lang="en-US" sz="2800" b="0" dirty="0" err="1" smtClean="0">
+                <a:solidFill>
+                  <a:schemeClr val="tx1"/>
+                </a:solidFill>
+                <a:latin typeface="Tahoma" panose="020B0604030504040204" pitchFamily="34" charset="0"/>
+                <a:ea typeface="Tahoma" panose="020B0604030504040204" pitchFamily="34" charset="0"/>
+                <a:cs typeface="Tahoma" panose="020B0604030504040204" pitchFamily="34" charset="0"/>
+              </a:rPr>
+              <a:t>speciale</a:t>
+            </a:r>
+            <a:r>
+              <a:rPr lang="en-US" sz="2800" b="0" dirty="0" smtClean="0">
+                <a:solidFill>
+                  <a:schemeClr val="tx1"/>
+                </a:solidFill>
+                <a:latin typeface="Tahoma" panose="020B0604030504040204" pitchFamily="34" charset="0"/>
+                <a:ea typeface="Tahoma" panose="020B0604030504040204" pitchFamily="34" charset="0"/>
+                <a:cs typeface="Tahoma" panose="020B0604030504040204" pitchFamily="34" charset="0"/>
+              </a:rPr>
+              <a:t> </a:t>
+            </a:r>
+            <a:r>
+              <a:rPr lang="en-US" sz="2800" dirty="0" smtClean="0">
+                <a:solidFill>
+                  <a:schemeClr val="tx1"/>
+                </a:solidFill>
+                <a:latin typeface="Tahoma" panose="020B0604030504040204" pitchFamily="34" charset="0"/>
+                <a:ea typeface="Tahoma" panose="020B0604030504040204" pitchFamily="34" charset="0"/>
+                <a:cs typeface="Tahoma" panose="020B0604030504040204" pitchFamily="34" charset="0"/>
+              </a:rPr>
+              <a:t>null </a:t>
+            </a:r>
+            <a:r>
+              <a:rPr lang="en-US" sz="2800" b="0" dirty="0" smtClean="0">
+                <a:solidFill>
+                  <a:schemeClr val="tx1"/>
+                </a:solidFill>
+                <a:latin typeface="Tahoma" panose="020B0604030504040204" pitchFamily="34" charset="0"/>
+                <a:ea typeface="Tahoma" panose="020B0604030504040204" pitchFamily="34" charset="0"/>
+                <a:cs typeface="Tahoma" panose="020B0604030504040204" pitchFamily="34" charset="0"/>
+              </a:rPr>
+              <a:t>è un </a:t>
+            </a:r>
+            <a:r>
+              <a:rPr lang="en-US" sz="2800" b="0" dirty="0" err="1" smtClean="0">
+                <a:solidFill>
+                  <a:schemeClr val="tx1"/>
+                </a:solidFill>
+                <a:latin typeface="Tahoma" panose="020B0604030504040204" pitchFamily="34" charset="0"/>
+                <a:ea typeface="Tahoma" panose="020B0604030504040204" pitchFamily="34" charset="0"/>
+                <a:cs typeface="Tahoma" panose="020B0604030504040204" pitchFamily="34" charset="0"/>
+              </a:rPr>
+              <a:t>valore</a:t>
+            </a:r>
+            <a:r>
+              <a:rPr lang="en-US" sz="2800" b="0" dirty="0" smtClean="0">
+                <a:solidFill>
+                  <a:schemeClr val="tx1"/>
+                </a:solidFill>
+                <a:latin typeface="Tahoma" panose="020B0604030504040204" pitchFamily="34" charset="0"/>
+                <a:ea typeface="Tahoma" panose="020B0604030504040204" pitchFamily="34" charset="0"/>
+                <a:cs typeface="Tahoma" panose="020B0604030504040204" pitchFamily="34" charset="0"/>
+              </a:rPr>
+              <a:t> JSON. </a:t>
+            </a:r>
+            <a:r>
+              <a:rPr lang="en-US" sz="2800" dirty="0" smtClean="0">
+                <a:solidFill>
+                  <a:schemeClr val="tx1"/>
+                </a:solidFill>
+                <a:latin typeface="Tahoma" panose="020B0604030504040204" pitchFamily="34" charset="0"/>
+                <a:ea typeface="Tahoma" panose="020B0604030504040204" pitchFamily="34" charset="0"/>
+                <a:cs typeface="Tahoma" panose="020B0604030504040204" pitchFamily="34" charset="0"/>
+              </a:rPr>
+              <a:t>  </a:t>
+            </a:r>
+            <a:endParaRPr lang="en-US" sz="2600" b="0" dirty="0" smtClean="0">
+              <a:solidFill>
+                <a:schemeClr val="tx1"/>
+              </a:solidFill>
+              <a:latin typeface="Tahoma" panose="020B0604030504040204" pitchFamily="34" charset="0"/>
+              <a:ea typeface="Tahoma" panose="020B0604030504040204" pitchFamily="34" charset="0"/>
+              <a:cs typeface="Tahoma" panose="020B0604030504040204" pitchFamily="34" charset="0"/>
+            </a:endParaRPr>
+          </a:p>
+        </p:txBody>
+      </p:sp>
+    </p:spTree>
+    <p:extLst>
+      <p:ext uri="{BB962C8B-B14F-4D97-AF65-F5344CB8AC3E}">
+        <p14:creationId xmlns:p14="http://schemas.microsoft.com/office/powerpoint/2010/main" val="518172852"/>
+      </p:ext>
+    </p:extLst>
+  </p:cSld>
+  <p:clrMapOvr>
+    <a:masterClrMapping/>
+  </p:clrMapOvr>
+</p:sld>
+</file>
+
+<file path=ppt/slides/slide32.xml><?xml version="1.0" encoding="utf-8"?>
+<p:sld xmlns:a="http://schemas.openxmlformats.org/drawingml/2006/main" xmlns:r="http://schemas.openxmlformats.org/officeDocument/2006/relationships" xmlns:p="http://schemas.openxmlformats.org/presentationml/2006/main">
+  <p:cSld>
+    <p:spTree>
+      <p:nvGrpSpPr>
+        <p:cNvPr id="1" name=""/>
+        <p:cNvGrpSpPr/>
+        <p:nvPr/>
+      </p:nvGrpSpPr>
+      <p:grpSpPr>
+        <a:xfrm>
+          <a:off x="0" y="0"/>
+          <a:ext cx="0" cy="0"/>
+          <a:chOff x="0" y="0"/>
+          <a:chExt cx="0" cy="0"/>
+        </a:xfrm>
+      </p:grpSpPr>
+      <p:sp>
+        <p:nvSpPr>
+          <p:cNvPr id="7" name="Segnaposto numero diapositiva 6">
+            <a:extLst>
+              <a:ext uri="{FF2B5EF4-FFF2-40B4-BE49-F238E27FC236}">
+                <a16:creationId xmlns:a16="http://schemas.microsoft.com/office/drawing/2014/main" id="{AB740BE9-E218-4144-BFDE-AE473D230A3D}"/>
+              </a:ext>
+            </a:extLst>
+          </p:cNvPr>
+          <p:cNvSpPr>
+            <a:spLocks noGrp="1"/>
+          </p:cNvSpPr>
+          <p:nvPr>
+            <p:ph type="sldNum" sz="quarter" idx="12"/>
+          </p:nvPr>
+        </p:nvSpPr>
+        <p:spPr/>
+        <p:txBody>
+          <a:bodyPr/>
+          <a:lstStyle/>
+          <a:p>
+            <a:pPr>
+              <a:defRPr/>
+            </a:pPr>
+            <a:fld id="{48B4153A-D4C5-4CEF-8992-0D8815C829E3}" type="slidenum">
+              <a:rPr lang="en-US" smtClean="0"/>
+              <a:pPr>
+                <a:defRPr/>
+              </a:pPr>
+              <a:t>32</a:t>
+            </a:fld>
+            <a:endParaRPr lang="en-US" dirty="0"/>
+          </a:p>
+        </p:txBody>
+      </p:sp>
+      <p:sp>
+        <p:nvSpPr>
+          <p:cNvPr id="5" name="Titolo 4">
+            <a:extLst>
+              <a:ext uri="{FF2B5EF4-FFF2-40B4-BE49-F238E27FC236}">
+                <a16:creationId xmlns:a16="http://schemas.microsoft.com/office/drawing/2014/main" id="{82C46BA2-B380-4357-B125-BA9F08A643F5}"/>
+              </a:ext>
+            </a:extLst>
+          </p:cNvPr>
+          <p:cNvSpPr>
+            <a:spLocks noGrp="1"/>
+          </p:cNvSpPr>
+          <p:nvPr>
+            <p:ph type="title"/>
+          </p:nvPr>
+        </p:nvSpPr>
+        <p:spPr>
+          <a:xfrm>
+            <a:off x="468895" y="503475"/>
+            <a:ext cx="11269308" cy="384721"/>
+          </a:xfrm>
+          <a:noFill/>
+          <a:ln>
+            <a:noFill/>
+          </a:ln>
+          <a:extLst>
+            <a:ext uri="{909E8E84-426E-40DD-AFC4-6F175D3DCCD1}">
+              <a14:hiddenFill xmlns:a14="http://schemas.microsoft.com/office/drawing/2010/main">
+                <a:solidFill>
+                  <a:srgbClr val="FFFFFF"/>
+                </a:solidFill>
+              </a14:hiddenFill>
+            </a:ext>
+            <a:ext uri="{91240B29-F687-4F45-9708-019B960494DF}">
+              <a14:hiddenLine xmlns:a14="http://schemas.microsoft.com/office/drawing/2010/main" w="9525">
+                <a:solidFill>
+                  <a:srgbClr val="000000"/>
+                </a:solidFill>
+                <a:miter lim="800000"/>
+                <a:headEnd/>
+                <a:tailEnd/>
+              </a14:hiddenLine>
+            </a:ext>
+          </a:extLst>
+        </p:spPr>
+        <p:txBody>
+          <a:bodyPr vert="horz" wrap="square" lIns="0" tIns="0" rIns="0" bIns="0" numCol="1" rtlCol="0" anchor="b" anchorCtr="0" compatLnSpc="1">
+            <a:prstTxWarp prst="textNoShape">
+              <a:avLst/>
+            </a:prstTxWarp>
+            <a:spAutoFit/>
+          </a:bodyPr>
+          <a:lstStyle/>
+          <a:p>
+            <a:pPr eaLnBrk="0" hangingPunct="0"/>
+            <a:r>
+              <a:rPr lang="it-IT" dirty="0" smtClean="0">
+                <a:solidFill>
+                  <a:schemeClr val="tx1"/>
+                </a:solidFill>
+              </a:rPr>
+              <a:t>JavaScript Object </a:t>
+            </a:r>
+            <a:r>
+              <a:rPr lang="it-IT" dirty="0" err="1" smtClean="0">
+                <a:solidFill>
+                  <a:schemeClr val="tx1"/>
+                </a:solidFill>
+              </a:rPr>
+              <a:t>Notation</a:t>
+            </a:r>
+            <a:r>
+              <a:rPr lang="it-IT" dirty="0" smtClean="0">
+                <a:solidFill>
+                  <a:schemeClr val="tx1"/>
+                </a:solidFill>
+              </a:rPr>
+              <a:t> (JSON)</a:t>
+            </a:r>
+            <a:endParaRPr lang="it-IT" dirty="0">
+              <a:solidFill>
+                <a:schemeClr val="tx1"/>
+              </a:solidFill>
+            </a:endParaRPr>
+          </a:p>
+        </p:txBody>
+      </p:sp>
+      <p:sp>
+        <p:nvSpPr>
+          <p:cNvPr id="8" name="Segnaposto testo 1">
+            <a:extLst>
+              <a:ext uri="{FF2B5EF4-FFF2-40B4-BE49-F238E27FC236}">
+                <a16:creationId xmlns:a16="http://schemas.microsoft.com/office/drawing/2014/main" id="{E5AE986C-196F-4141-A898-FA4C4198CDCC}"/>
+              </a:ext>
+            </a:extLst>
+          </p:cNvPr>
+          <p:cNvSpPr>
+            <a:spLocks noGrp="1"/>
+          </p:cNvSpPr>
+          <p:nvPr>
+            <p:ph type="body" idx="1"/>
+          </p:nvPr>
+        </p:nvSpPr>
+        <p:spPr>
+          <a:xfrm>
+            <a:off x="468895" y="1232694"/>
+            <a:ext cx="11459402" cy="4392612"/>
+          </a:xfrm>
+        </p:spPr>
+        <p:txBody>
+          <a:bodyPr/>
+          <a:lstStyle/>
+          <a:p>
+            <a:pPr marL="914400" lvl="1" indent="-457200">
+              <a:buFont typeface="Arial" panose="020B0604020202020204" pitchFamily="34" charset="0"/>
+              <a:buChar char="•"/>
+            </a:pPr>
+            <a:r>
+              <a:rPr lang="en-US" sz="2400" b="0" dirty="0" smtClean="0">
+                <a:solidFill>
+                  <a:schemeClr val="tx1"/>
+                </a:solidFill>
+                <a:latin typeface="Tahoma" panose="020B0604030504040204" pitchFamily="34" charset="0"/>
+                <a:ea typeface="Tahoma" panose="020B0604030504040204" pitchFamily="34" charset="0"/>
+                <a:cs typeface="Tahoma" panose="020B0604030504040204" pitchFamily="34" charset="0"/>
+              </a:rPr>
+              <a:t>Se v1,…,</a:t>
+            </a:r>
+            <a:r>
+              <a:rPr lang="en-US" sz="2400" b="0" dirty="0" err="1" smtClean="0">
+                <a:solidFill>
+                  <a:schemeClr val="tx1"/>
+                </a:solidFill>
+                <a:latin typeface="Tahoma" panose="020B0604030504040204" pitchFamily="34" charset="0"/>
+                <a:ea typeface="Tahoma" panose="020B0604030504040204" pitchFamily="34" charset="0"/>
+                <a:cs typeface="Tahoma" panose="020B0604030504040204" pitchFamily="34" charset="0"/>
+              </a:rPr>
+              <a:t>vn</a:t>
+            </a:r>
+            <a:r>
+              <a:rPr lang="en-US" sz="2400" b="0" dirty="0" smtClean="0">
+                <a:solidFill>
+                  <a:schemeClr val="tx1"/>
+                </a:solidFill>
+                <a:latin typeface="Tahoma" panose="020B0604030504040204" pitchFamily="34" charset="0"/>
+                <a:ea typeface="Tahoma" panose="020B0604030504040204" pitchFamily="34" charset="0"/>
+                <a:cs typeface="Tahoma" panose="020B0604030504040204" pitchFamily="34" charset="0"/>
+              </a:rPr>
+              <a:t> </a:t>
+            </a:r>
+            <a:r>
+              <a:rPr lang="en-US" sz="2400" b="0" dirty="0" err="1" smtClean="0">
+                <a:solidFill>
+                  <a:schemeClr val="tx1"/>
+                </a:solidFill>
+                <a:latin typeface="Tahoma" panose="020B0604030504040204" pitchFamily="34" charset="0"/>
+                <a:ea typeface="Tahoma" panose="020B0604030504040204" pitchFamily="34" charset="0"/>
+                <a:cs typeface="Tahoma" panose="020B0604030504040204" pitchFamily="34" charset="0"/>
+              </a:rPr>
+              <a:t>sono</a:t>
+            </a:r>
+            <a:r>
+              <a:rPr lang="en-US" sz="2400" b="0" dirty="0" smtClean="0">
+                <a:solidFill>
+                  <a:schemeClr val="tx1"/>
+                </a:solidFill>
+                <a:latin typeface="Tahoma" panose="020B0604030504040204" pitchFamily="34" charset="0"/>
+                <a:ea typeface="Tahoma" panose="020B0604030504040204" pitchFamily="34" charset="0"/>
+                <a:cs typeface="Tahoma" panose="020B0604030504040204" pitchFamily="34" charset="0"/>
+              </a:rPr>
+              <a:t> </a:t>
+            </a:r>
+            <a:r>
+              <a:rPr lang="en-US" sz="2400" b="0" dirty="0" err="1" smtClean="0">
+                <a:solidFill>
+                  <a:schemeClr val="tx1"/>
+                </a:solidFill>
+                <a:latin typeface="Tahoma" panose="020B0604030504040204" pitchFamily="34" charset="0"/>
+                <a:ea typeface="Tahoma" panose="020B0604030504040204" pitchFamily="34" charset="0"/>
+                <a:cs typeface="Tahoma" panose="020B0604030504040204" pitchFamily="34" charset="0"/>
+              </a:rPr>
+              <a:t>valori</a:t>
+            </a:r>
+            <a:r>
+              <a:rPr lang="en-US" sz="2400" b="0" dirty="0" smtClean="0">
+                <a:solidFill>
+                  <a:schemeClr val="tx1"/>
+                </a:solidFill>
+                <a:latin typeface="Tahoma" panose="020B0604030504040204" pitchFamily="34" charset="0"/>
+                <a:ea typeface="Tahoma" panose="020B0604030504040204" pitchFamily="34" charset="0"/>
+                <a:cs typeface="Tahoma" panose="020B0604030504040204" pitchFamily="34" charset="0"/>
+              </a:rPr>
+              <a:t> JSON e s1,…,</a:t>
+            </a:r>
+            <a:r>
+              <a:rPr lang="en-US" sz="2400" b="0" dirty="0" err="1" smtClean="0">
+                <a:solidFill>
+                  <a:schemeClr val="tx1"/>
+                </a:solidFill>
+                <a:latin typeface="Tahoma" panose="020B0604030504040204" pitchFamily="34" charset="0"/>
+                <a:ea typeface="Tahoma" panose="020B0604030504040204" pitchFamily="34" charset="0"/>
+                <a:cs typeface="Tahoma" panose="020B0604030504040204" pitchFamily="34" charset="0"/>
+              </a:rPr>
+              <a:t>sn</a:t>
+            </a:r>
+            <a:r>
+              <a:rPr lang="en-US" sz="2400" b="0" dirty="0" smtClean="0">
+                <a:solidFill>
+                  <a:schemeClr val="tx1"/>
+                </a:solidFill>
+                <a:latin typeface="Tahoma" panose="020B0604030504040204" pitchFamily="34" charset="0"/>
+                <a:ea typeface="Tahoma" panose="020B0604030504040204" pitchFamily="34" charset="0"/>
+                <a:cs typeface="Tahoma" panose="020B0604030504040204" pitchFamily="34" charset="0"/>
+              </a:rPr>
+              <a:t> </a:t>
+            </a:r>
+            <a:r>
+              <a:rPr lang="en-US" sz="2400" b="0" dirty="0" err="1" smtClean="0">
+                <a:solidFill>
+                  <a:schemeClr val="tx1"/>
+                </a:solidFill>
+                <a:latin typeface="Tahoma" panose="020B0604030504040204" pitchFamily="34" charset="0"/>
+                <a:ea typeface="Tahoma" panose="020B0604030504040204" pitchFamily="34" charset="0"/>
+                <a:cs typeface="Tahoma" panose="020B0604030504040204" pitchFamily="34" charset="0"/>
+              </a:rPr>
+              <a:t>sono</a:t>
+            </a:r>
+            <a:r>
+              <a:rPr lang="en-US" sz="2400" b="0" dirty="0" smtClean="0">
+                <a:solidFill>
+                  <a:schemeClr val="tx1"/>
+                </a:solidFill>
+                <a:latin typeface="Tahoma" panose="020B0604030504040204" pitchFamily="34" charset="0"/>
+                <a:ea typeface="Tahoma" panose="020B0604030504040204" pitchFamily="34" charset="0"/>
+                <a:cs typeface="Tahoma" panose="020B0604030504040204" pitchFamily="34" charset="0"/>
+              </a:rPr>
+              <a:t> </a:t>
+            </a:r>
+            <a:r>
+              <a:rPr lang="en-US" sz="2400" b="0" dirty="0" err="1" smtClean="0">
+                <a:solidFill>
+                  <a:schemeClr val="tx1"/>
+                </a:solidFill>
+                <a:latin typeface="Tahoma" panose="020B0604030504040204" pitchFamily="34" charset="0"/>
+                <a:ea typeface="Tahoma" panose="020B0604030504040204" pitchFamily="34" charset="0"/>
+                <a:cs typeface="Tahoma" panose="020B0604030504040204" pitchFamily="34" charset="0"/>
+              </a:rPr>
+              <a:t>valori</a:t>
+            </a:r>
+            <a:r>
+              <a:rPr lang="en-US" sz="2400" b="0" dirty="0" smtClean="0">
+                <a:solidFill>
+                  <a:schemeClr val="tx1"/>
+                </a:solidFill>
+                <a:latin typeface="Tahoma" panose="020B0604030504040204" pitchFamily="34" charset="0"/>
+                <a:ea typeface="Tahoma" panose="020B0604030504040204" pitchFamily="34" charset="0"/>
+                <a:cs typeface="Tahoma" panose="020B0604030504040204" pitchFamily="34" charset="0"/>
+              </a:rPr>
+              <a:t> di </a:t>
+            </a:r>
+            <a:r>
+              <a:rPr lang="en-US" sz="2400" b="0" dirty="0" err="1" smtClean="0">
+                <a:solidFill>
+                  <a:schemeClr val="tx1"/>
+                </a:solidFill>
+                <a:latin typeface="Tahoma" panose="020B0604030504040204" pitchFamily="34" charset="0"/>
+                <a:ea typeface="Tahoma" panose="020B0604030504040204" pitchFamily="34" charset="0"/>
+                <a:cs typeface="Tahoma" panose="020B0604030504040204" pitchFamily="34" charset="0"/>
+              </a:rPr>
+              <a:t>stringhe</a:t>
+            </a:r>
+            <a:r>
+              <a:rPr lang="en-US" sz="2400" b="0" dirty="0" smtClean="0">
+                <a:solidFill>
+                  <a:schemeClr val="tx1"/>
+                </a:solidFill>
+                <a:latin typeface="Tahoma" panose="020B0604030504040204" pitchFamily="34" charset="0"/>
+                <a:ea typeface="Tahoma" panose="020B0604030504040204" pitchFamily="34" charset="0"/>
+                <a:cs typeface="Tahoma" panose="020B0604030504040204" pitchFamily="34" charset="0"/>
+              </a:rPr>
+              <a:t> </a:t>
+            </a:r>
+            <a:r>
+              <a:rPr lang="en-US" sz="2400" b="0" dirty="0" err="1" smtClean="0">
+                <a:solidFill>
+                  <a:schemeClr val="tx1"/>
+                </a:solidFill>
+                <a:latin typeface="Tahoma" panose="020B0604030504040204" pitchFamily="34" charset="0"/>
+                <a:ea typeface="Tahoma" panose="020B0604030504040204" pitchFamily="34" charset="0"/>
+                <a:cs typeface="Tahoma" panose="020B0604030504040204" pitchFamily="34" charset="0"/>
+              </a:rPr>
+              <a:t>distinti</a:t>
+            </a:r>
+            <a:r>
+              <a:rPr lang="en-US" sz="2400" b="0" dirty="0" smtClean="0">
+                <a:solidFill>
+                  <a:schemeClr val="tx1"/>
+                </a:solidFill>
+                <a:latin typeface="Tahoma" panose="020B0604030504040204" pitchFamily="34" charset="0"/>
+                <a:ea typeface="Tahoma" panose="020B0604030504040204" pitchFamily="34" charset="0"/>
+                <a:cs typeface="Tahoma" panose="020B0604030504040204" pitchFamily="34" charset="0"/>
+              </a:rPr>
+              <a:t> a </a:t>
+            </a:r>
+            <a:r>
+              <a:rPr lang="en-US" sz="2400" b="0" dirty="0" err="1" smtClean="0">
+                <a:solidFill>
+                  <a:schemeClr val="tx1"/>
+                </a:solidFill>
+                <a:latin typeface="Tahoma" panose="020B0604030504040204" pitchFamily="34" charset="0"/>
+                <a:ea typeface="Tahoma" panose="020B0604030504040204" pitchFamily="34" charset="0"/>
+                <a:cs typeface="Tahoma" panose="020B0604030504040204" pitchFamily="34" charset="0"/>
+              </a:rPr>
+              <a:t>coppie</a:t>
+            </a:r>
+            <a:r>
+              <a:rPr lang="en-US" sz="2400" b="0" dirty="0" smtClean="0">
+                <a:solidFill>
+                  <a:schemeClr val="tx1"/>
+                </a:solidFill>
+                <a:latin typeface="Tahoma" panose="020B0604030504040204" pitchFamily="34" charset="0"/>
+                <a:ea typeface="Tahoma" panose="020B0604030504040204" pitchFamily="34" charset="0"/>
+                <a:cs typeface="Tahoma" panose="020B0604030504040204" pitchFamily="34" charset="0"/>
+              </a:rPr>
+              <a:t>, </a:t>
+            </a:r>
+            <a:r>
+              <a:rPr lang="en-US" sz="2400" b="0" dirty="0" err="1" smtClean="0">
+                <a:solidFill>
+                  <a:schemeClr val="tx1"/>
+                </a:solidFill>
+                <a:latin typeface="Tahoma" panose="020B0604030504040204" pitchFamily="34" charset="0"/>
+                <a:ea typeface="Tahoma" panose="020B0604030504040204" pitchFamily="34" charset="0"/>
+                <a:cs typeface="Tahoma" panose="020B0604030504040204" pitchFamily="34" charset="0"/>
+              </a:rPr>
+              <a:t>allora</a:t>
+            </a:r>
+            <a:r>
+              <a:rPr lang="en-US" sz="2400" b="0" dirty="0" smtClean="0">
+                <a:solidFill>
+                  <a:schemeClr val="tx1"/>
+                </a:solidFill>
+                <a:latin typeface="Tahoma" panose="020B0604030504040204" pitchFamily="34" charset="0"/>
+                <a:ea typeface="Tahoma" panose="020B0604030504040204" pitchFamily="34" charset="0"/>
+                <a:cs typeface="Tahoma" panose="020B0604030504040204" pitchFamily="34" charset="0"/>
+              </a:rPr>
+              <a:t> </a:t>
+            </a:r>
+            <a:r>
+              <a:rPr lang="it-IT" sz="2400" b="0" dirty="0"/>
+              <a:t>{</a:t>
+            </a:r>
+            <a:r>
+              <a:rPr lang="pt-BR" sz="2400" b="0" dirty="0" smtClean="0"/>
+              <a:t>s1:v1</a:t>
+            </a:r>
+            <a:r>
+              <a:rPr lang="pt-BR" sz="2400" b="0" dirty="0"/>
+              <a:t>,...,</a:t>
+            </a:r>
+            <a:r>
+              <a:rPr lang="pt-BR" sz="2400" b="0" dirty="0" smtClean="0"/>
+              <a:t>sn:vn} è un valore JSON, chiamato </a:t>
+            </a:r>
+            <a:r>
+              <a:rPr lang="pt-BR" sz="2400" dirty="0" smtClean="0"/>
+              <a:t>oggetto. </a:t>
+            </a:r>
+            <a:r>
+              <a:rPr lang="pt-BR" sz="2400" b="0" dirty="0" smtClean="0"/>
+              <a:t>In questo caso, ciascuna si:vi viene chiamata coppia chiave-valore di questo oggetto. </a:t>
+            </a:r>
+            <a:r>
+              <a:rPr lang="pt-BR" sz="2400" dirty="0" smtClean="0"/>
+              <a:t>Nessun oggetto può avere due (o più) coppie con la stessa chiave. </a:t>
+            </a:r>
+            <a:r>
+              <a:rPr lang="pt-BR" sz="2400" b="0" dirty="0" smtClean="0"/>
+              <a:t>Se n=0, possiamo avere un oggetto vuoto </a:t>
+            </a:r>
+            <a:r>
+              <a:rPr lang="it-IT" sz="2400" b="0" dirty="0" smtClean="0"/>
+              <a:t>{</a:t>
+            </a:r>
+            <a:r>
+              <a:rPr lang="pt-BR" sz="2400" b="0" dirty="0" smtClean="0"/>
+              <a:t>}</a:t>
+            </a:r>
+            <a:endParaRPr lang="en-US" sz="2400" dirty="0" smtClean="0">
+              <a:solidFill>
+                <a:schemeClr val="tx1"/>
+              </a:solidFill>
+              <a:latin typeface="Tahoma" panose="020B0604030504040204" pitchFamily="34" charset="0"/>
+              <a:ea typeface="Tahoma" panose="020B0604030504040204" pitchFamily="34" charset="0"/>
+              <a:cs typeface="Tahoma" panose="020B0604030504040204" pitchFamily="34" charset="0"/>
+            </a:endParaRPr>
+          </a:p>
+          <a:p>
+            <a:pPr marL="800100" lvl="1" indent="-342900">
+              <a:buFont typeface="Arial" panose="020B0604020202020204" pitchFamily="34" charset="0"/>
+              <a:buChar char="•"/>
+            </a:pPr>
+            <a:r>
+              <a:rPr lang="en-US" sz="2400" b="0" dirty="0">
+                <a:solidFill>
+                  <a:schemeClr val="tx1"/>
+                </a:solidFill>
+                <a:latin typeface="Tahoma" panose="020B0604030504040204" pitchFamily="34" charset="0"/>
+                <a:ea typeface="Tahoma" panose="020B0604030504040204" pitchFamily="34" charset="0"/>
+                <a:cs typeface="Tahoma" panose="020B0604030504040204" pitchFamily="34" charset="0"/>
+              </a:rPr>
+              <a:t>Se v1,…,</a:t>
+            </a:r>
+            <a:r>
+              <a:rPr lang="en-US" sz="2400" b="0" dirty="0" err="1">
+                <a:solidFill>
+                  <a:schemeClr val="tx1"/>
+                </a:solidFill>
+                <a:latin typeface="Tahoma" panose="020B0604030504040204" pitchFamily="34" charset="0"/>
+                <a:ea typeface="Tahoma" panose="020B0604030504040204" pitchFamily="34" charset="0"/>
+                <a:cs typeface="Tahoma" panose="020B0604030504040204" pitchFamily="34" charset="0"/>
+              </a:rPr>
+              <a:t>vn</a:t>
+            </a:r>
+            <a:r>
+              <a:rPr lang="en-US" sz="2400" b="0" dirty="0">
+                <a:solidFill>
+                  <a:schemeClr val="tx1"/>
+                </a:solidFill>
+                <a:latin typeface="Tahoma" panose="020B0604030504040204" pitchFamily="34" charset="0"/>
+                <a:ea typeface="Tahoma" panose="020B0604030504040204" pitchFamily="34" charset="0"/>
+                <a:cs typeface="Tahoma" panose="020B0604030504040204" pitchFamily="34" charset="0"/>
+              </a:rPr>
+              <a:t> </a:t>
+            </a:r>
+            <a:r>
+              <a:rPr lang="en-US" sz="2400" b="0" dirty="0" err="1">
+                <a:solidFill>
+                  <a:schemeClr val="tx1"/>
+                </a:solidFill>
+                <a:latin typeface="Tahoma" panose="020B0604030504040204" pitchFamily="34" charset="0"/>
+                <a:ea typeface="Tahoma" panose="020B0604030504040204" pitchFamily="34" charset="0"/>
+                <a:cs typeface="Tahoma" panose="020B0604030504040204" pitchFamily="34" charset="0"/>
+              </a:rPr>
+              <a:t>sono</a:t>
+            </a:r>
+            <a:r>
+              <a:rPr lang="en-US" sz="2400" b="0" dirty="0">
+                <a:solidFill>
+                  <a:schemeClr val="tx1"/>
+                </a:solidFill>
+                <a:latin typeface="Tahoma" panose="020B0604030504040204" pitchFamily="34" charset="0"/>
+                <a:ea typeface="Tahoma" panose="020B0604030504040204" pitchFamily="34" charset="0"/>
+                <a:cs typeface="Tahoma" panose="020B0604030504040204" pitchFamily="34" charset="0"/>
+              </a:rPr>
+              <a:t> </a:t>
+            </a:r>
+            <a:r>
+              <a:rPr lang="en-US" sz="2400" b="0" dirty="0" err="1">
+                <a:solidFill>
+                  <a:schemeClr val="tx1"/>
+                </a:solidFill>
+                <a:latin typeface="Tahoma" panose="020B0604030504040204" pitchFamily="34" charset="0"/>
+                <a:ea typeface="Tahoma" panose="020B0604030504040204" pitchFamily="34" charset="0"/>
+                <a:cs typeface="Tahoma" panose="020B0604030504040204" pitchFamily="34" charset="0"/>
+              </a:rPr>
+              <a:t>valori</a:t>
+            </a:r>
+            <a:r>
+              <a:rPr lang="en-US" sz="2400" b="0" dirty="0">
+                <a:solidFill>
+                  <a:schemeClr val="tx1"/>
+                </a:solidFill>
+                <a:latin typeface="Tahoma" panose="020B0604030504040204" pitchFamily="34" charset="0"/>
+                <a:ea typeface="Tahoma" panose="020B0604030504040204" pitchFamily="34" charset="0"/>
+                <a:cs typeface="Tahoma" panose="020B0604030504040204" pitchFamily="34" charset="0"/>
+              </a:rPr>
+              <a:t> </a:t>
+            </a:r>
+            <a:r>
+              <a:rPr lang="en-US" sz="2400" b="0" dirty="0" smtClean="0">
+                <a:solidFill>
+                  <a:schemeClr val="tx1"/>
+                </a:solidFill>
+                <a:latin typeface="Tahoma" panose="020B0604030504040204" pitchFamily="34" charset="0"/>
+                <a:ea typeface="Tahoma" panose="020B0604030504040204" pitchFamily="34" charset="0"/>
+                <a:cs typeface="Tahoma" panose="020B0604030504040204" pitchFamily="34" charset="0"/>
+              </a:rPr>
+              <a:t>JSON </a:t>
+            </a:r>
+            <a:r>
+              <a:rPr lang="en-US" sz="2400" b="0" dirty="0" err="1" smtClean="0">
+                <a:solidFill>
+                  <a:schemeClr val="tx1"/>
+                </a:solidFill>
+                <a:latin typeface="Tahoma" panose="020B0604030504040204" pitchFamily="34" charset="0"/>
+                <a:ea typeface="Tahoma" panose="020B0604030504040204" pitchFamily="34" charset="0"/>
+                <a:cs typeface="Tahoma" panose="020B0604030504040204" pitchFamily="34" charset="0"/>
+              </a:rPr>
+              <a:t>allora</a:t>
+            </a:r>
+            <a:r>
+              <a:rPr lang="en-US" sz="2400" b="0" dirty="0" smtClean="0">
+                <a:solidFill>
+                  <a:schemeClr val="tx1"/>
+                </a:solidFill>
+                <a:latin typeface="Tahoma" panose="020B0604030504040204" pitchFamily="34" charset="0"/>
+                <a:ea typeface="Tahoma" panose="020B0604030504040204" pitchFamily="34" charset="0"/>
+                <a:cs typeface="Tahoma" panose="020B0604030504040204" pitchFamily="34" charset="0"/>
+              </a:rPr>
+              <a:t> [v1,…,</a:t>
+            </a:r>
+            <a:r>
+              <a:rPr lang="en-US" sz="2400" b="0" dirty="0" err="1" smtClean="0">
+                <a:solidFill>
+                  <a:schemeClr val="tx1"/>
+                </a:solidFill>
+                <a:latin typeface="Tahoma" panose="020B0604030504040204" pitchFamily="34" charset="0"/>
+                <a:ea typeface="Tahoma" panose="020B0604030504040204" pitchFamily="34" charset="0"/>
+                <a:cs typeface="Tahoma" panose="020B0604030504040204" pitchFamily="34" charset="0"/>
+              </a:rPr>
+              <a:t>vn</a:t>
+            </a:r>
+            <a:r>
+              <a:rPr lang="en-US" sz="2400" b="0" dirty="0" smtClean="0">
+                <a:solidFill>
+                  <a:schemeClr val="tx1"/>
+                </a:solidFill>
+                <a:latin typeface="Tahoma" panose="020B0604030504040204" pitchFamily="34" charset="0"/>
+                <a:ea typeface="Tahoma" panose="020B0604030504040204" pitchFamily="34" charset="0"/>
+                <a:cs typeface="Tahoma" panose="020B0604030504040204" pitchFamily="34" charset="0"/>
+              </a:rPr>
+              <a:t>] è un </a:t>
+            </a:r>
+            <a:r>
+              <a:rPr lang="en-US" sz="2400" b="0" dirty="0" err="1" smtClean="0">
+                <a:solidFill>
+                  <a:schemeClr val="tx1"/>
+                </a:solidFill>
+                <a:latin typeface="Tahoma" panose="020B0604030504040204" pitchFamily="34" charset="0"/>
+                <a:ea typeface="Tahoma" panose="020B0604030504040204" pitchFamily="34" charset="0"/>
+                <a:cs typeface="Tahoma" panose="020B0604030504040204" pitchFamily="34" charset="0"/>
+              </a:rPr>
+              <a:t>valore</a:t>
+            </a:r>
+            <a:r>
+              <a:rPr lang="en-US" sz="2400" b="0" dirty="0" smtClean="0">
+                <a:solidFill>
+                  <a:schemeClr val="tx1"/>
+                </a:solidFill>
+                <a:latin typeface="Tahoma" panose="020B0604030504040204" pitchFamily="34" charset="0"/>
+                <a:ea typeface="Tahoma" panose="020B0604030504040204" pitchFamily="34" charset="0"/>
+                <a:cs typeface="Tahoma" panose="020B0604030504040204" pitchFamily="34" charset="0"/>
+              </a:rPr>
+              <a:t> JSON </a:t>
+            </a:r>
+            <a:r>
+              <a:rPr lang="en-US" sz="2400" b="0" dirty="0" err="1" smtClean="0">
+                <a:solidFill>
+                  <a:schemeClr val="tx1"/>
+                </a:solidFill>
+                <a:latin typeface="Tahoma" panose="020B0604030504040204" pitchFamily="34" charset="0"/>
+                <a:ea typeface="Tahoma" panose="020B0604030504040204" pitchFamily="34" charset="0"/>
+                <a:cs typeface="Tahoma" panose="020B0604030504040204" pitchFamily="34" charset="0"/>
+              </a:rPr>
+              <a:t>chiamato</a:t>
+            </a:r>
+            <a:r>
+              <a:rPr lang="en-US" sz="2400" b="0" dirty="0" smtClean="0">
+                <a:solidFill>
+                  <a:schemeClr val="tx1"/>
+                </a:solidFill>
+                <a:latin typeface="Tahoma" panose="020B0604030504040204" pitchFamily="34" charset="0"/>
+                <a:ea typeface="Tahoma" panose="020B0604030504040204" pitchFamily="34" charset="0"/>
+                <a:cs typeface="Tahoma" panose="020B0604030504040204" pitchFamily="34" charset="0"/>
+              </a:rPr>
+              <a:t> </a:t>
+            </a:r>
+            <a:r>
+              <a:rPr lang="en-US" sz="2400" dirty="0" smtClean="0">
+                <a:solidFill>
+                  <a:schemeClr val="tx1"/>
+                </a:solidFill>
+                <a:latin typeface="Tahoma" panose="020B0604030504040204" pitchFamily="34" charset="0"/>
+                <a:ea typeface="Tahoma" panose="020B0604030504040204" pitchFamily="34" charset="0"/>
+                <a:cs typeface="Tahoma" panose="020B0604030504040204" pitchFamily="34" charset="0"/>
+              </a:rPr>
+              <a:t>array. </a:t>
+            </a:r>
+            <a:r>
+              <a:rPr lang="en-US" sz="2400" b="0" dirty="0" smtClean="0">
+                <a:solidFill>
+                  <a:schemeClr val="tx1"/>
+                </a:solidFill>
+                <a:latin typeface="Tahoma" panose="020B0604030504040204" pitchFamily="34" charset="0"/>
+                <a:ea typeface="Tahoma" panose="020B0604030504040204" pitchFamily="34" charset="0"/>
+                <a:cs typeface="Tahoma" panose="020B0604030504040204" pitchFamily="34" charset="0"/>
+              </a:rPr>
+              <a:t>In </a:t>
+            </a:r>
+            <a:r>
+              <a:rPr lang="en-US" sz="2400" b="0" dirty="0" err="1" smtClean="0">
+                <a:solidFill>
+                  <a:schemeClr val="tx1"/>
+                </a:solidFill>
+                <a:latin typeface="Tahoma" panose="020B0604030504040204" pitchFamily="34" charset="0"/>
+                <a:ea typeface="Tahoma" panose="020B0604030504040204" pitchFamily="34" charset="0"/>
+                <a:cs typeface="Tahoma" panose="020B0604030504040204" pitchFamily="34" charset="0"/>
+              </a:rPr>
+              <a:t>questo</a:t>
+            </a:r>
+            <a:r>
+              <a:rPr lang="en-US" sz="2400" b="0" dirty="0" smtClean="0">
+                <a:solidFill>
+                  <a:schemeClr val="tx1"/>
+                </a:solidFill>
+                <a:latin typeface="Tahoma" panose="020B0604030504040204" pitchFamily="34" charset="0"/>
+                <a:ea typeface="Tahoma" panose="020B0604030504040204" pitchFamily="34" charset="0"/>
+                <a:cs typeface="Tahoma" panose="020B0604030504040204" pitchFamily="34" charset="0"/>
+              </a:rPr>
+              <a:t> </a:t>
+            </a:r>
+            <a:r>
+              <a:rPr lang="en-US" sz="2400" b="0" dirty="0" err="1" smtClean="0">
+                <a:solidFill>
+                  <a:schemeClr val="tx1"/>
+                </a:solidFill>
+                <a:latin typeface="Tahoma" panose="020B0604030504040204" pitchFamily="34" charset="0"/>
+                <a:ea typeface="Tahoma" panose="020B0604030504040204" pitchFamily="34" charset="0"/>
+                <a:cs typeface="Tahoma" panose="020B0604030504040204" pitchFamily="34" charset="0"/>
+              </a:rPr>
+              <a:t>caso</a:t>
+            </a:r>
+            <a:r>
+              <a:rPr lang="en-US" sz="2400" b="0" dirty="0" smtClean="0">
+                <a:solidFill>
+                  <a:schemeClr val="tx1"/>
+                </a:solidFill>
+                <a:latin typeface="Tahoma" panose="020B0604030504040204" pitchFamily="34" charset="0"/>
+                <a:ea typeface="Tahoma" panose="020B0604030504040204" pitchFamily="34" charset="0"/>
+                <a:cs typeface="Tahoma" panose="020B0604030504040204" pitchFamily="34" charset="0"/>
+              </a:rPr>
+              <a:t> v1,…,</a:t>
+            </a:r>
+            <a:r>
+              <a:rPr lang="en-US" sz="2400" b="0" dirty="0" err="1" smtClean="0">
+                <a:solidFill>
+                  <a:schemeClr val="tx1"/>
+                </a:solidFill>
+                <a:latin typeface="Tahoma" panose="020B0604030504040204" pitchFamily="34" charset="0"/>
+                <a:ea typeface="Tahoma" panose="020B0604030504040204" pitchFamily="34" charset="0"/>
+                <a:cs typeface="Tahoma" panose="020B0604030504040204" pitchFamily="34" charset="0"/>
+              </a:rPr>
+              <a:t>vn</a:t>
+            </a:r>
+            <a:r>
+              <a:rPr lang="en-US" sz="2400" b="0" dirty="0" smtClean="0">
+                <a:solidFill>
+                  <a:schemeClr val="tx1"/>
+                </a:solidFill>
+                <a:latin typeface="Tahoma" panose="020B0604030504040204" pitchFamily="34" charset="0"/>
+                <a:ea typeface="Tahoma" panose="020B0604030504040204" pitchFamily="34" charset="0"/>
+                <a:cs typeface="Tahoma" panose="020B0604030504040204" pitchFamily="34" charset="0"/>
+              </a:rPr>
+              <a:t> </a:t>
+            </a:r>
+            <a:r>
+              <a:rPr lang="en-US" sz="2400" b="0" dirty="0" err="1" smtClean="0">
+                <a:solidFill>
+                  <a:schemeClr val="tx1"/>
+                </a:solidFill>
+                <a:latin typeface="Tahoma" panose="020B0604030504040204" pitchFamily="34" charset="0"/>
+                <a:ea typeface="Tahoma" panose="020B0604030504040204" pitchFamily="34" charset="0"/>
+                <a:cs typeface="Tahoma" panose="020B0604030504040204" pitchFamily="34" charset="0"/>
+              </a:rPr>
+              <a:t>sono</a:t>
+            </a:r>
+            <a:r>
+              <a:rPr lang="en-US" sz="2400" b="0" dirty="0" smtClean="0">
+                <a:solidFill>
+                  <a:schemeClr val="tx1"/>
+                </a:solidFill>
+                <a:latin typeface="Tahoma" panose="020B0604030504040204" pitchFamily="34" charset="0"/>
+                <a:ea typeface="Tahoma" panose="020B0604030504040204" pitchFamily="34" charset="0"/>
+                <a:cs typeface="Tahoma" panose="020B0604030504040204" pitchFamily="34" charset="0"/>
+              </a:rPr>
+              <a:t> </a:t>
+            </a:r>
+            <a:r>
+              <a:rPr lang="en-US" sz="2400" b="0" dirty="0" err="1" smtClean="0">
+                <a:solidFill>
+                  <a:schemeClr val="tx1"/>
+                </a:solidFill>
+                <a:latin typeface="Tahoma" panose="020B0604030504040204" pitchFamily="34" charset="0"/>
+                <a:ea typeface="Tahoma" panose="020B0604030504040204" pitchFamily="34" charset="0"/>
+                <a:cs typeface="Tahoma" panose="020B0604030504040204" pitchFamily="34" charset="0"/>
+              </a:rPr>
+              <a:t>chiamati</a:t>
+            </a:r>
+            <a:r>
+              <a:rPr lang="en-US" sz="2400" b="0" dirty="0" smtClean="0">
+                <a:solidFill>
+                  <a:schemeClr val="tx1"/>
+                </a:solidFill>
+                <a:latin typeface="Tahoma" panose="020B0604030504040204" pitchFamily="34" charset="0"/>
+                <a:ea typeface="Tahoma" panose="020B0604030504040204" pitchFamily="34" charset="0"/>
+                <a:cs typeface="Tahoma" panose="020B0604030504040204" pitchFamily="34" charset="0"/>
+              </a:rPr>
+              <a:t> </a:t>
+            </a:r>
+            <a:r>
+              <a:rPr lang="en-US" sz="2400" dirty="0" err="1" smtClean="0">
+                <a:solidFill>
+                  <a:schemeClr val="tx1"/>
+                </a:solidFill>
+                <a:latin typeface="Tahoma" panose="020B0604030504040204" pitchFamily="34" charset="0"/>
+                <a:ea typeface="Tahoma" panose="020B0604030504040204" pitchFamily="34" charset="0"/>
+                <a:cs typeface="Tahoma" panose="020B0604030504040204" pitchFamily="34" charset="0"/>
+              </a:rPr>
+              <a:t>elementi</a:t>
+            </a:r>
+            <a:r>
+              <a:rPr lang="en-US" sz="2400" dirty="0" smtClean="0">
+                <a:solidFill>
+                  <a:schemeClr val="tx1"/>
+                </a:solidFill>
+                <a:latin typeface="Tahoma" panose="020B0604030504040204" pitchFamily="34" charset="0"/>
+                <a:ea typeface="Tahoma" panose="020B0604030504040204" pitchFamily="34" charset="0"/>
+                <a:cs typeface="Tahoma" panose="020B0604030504040204" pitchFamily="34" charset="0"/>
+              </a:rPr>
+              <a:t> di un array. </a:t>
+            </a:r>
+          </a:p>
+          <a:p>
+            <a:pPr marL="800100" lvl="1" indent="-342900" algn="just">
+              <a:buFont typeface="Arial" panose="020B0604020202020204" pitchFamily="34" charset="0"/>
+              <a:buChar char="•"/>
+            </a:pPr>
+            <a:r>
+              <a:rPr lang="en-US" sz="2400" b="0" dirty="0" smtClean="0">
+                <a:solidFill>
+                  <a:schemeClr val="tx1"/>
+                </a:solidFill>
+                <a:latin typeface="Tahoma" panose="020B0604030504040204" pitchFamily="34" charset="0"/>
+                <a:ea typeface="Tahoma" panose="020B0604030504040204" pitchFamily="34" charset="0"/>
+                <a:cs typeface="Tahoma" panose="020B0604030504040204" pitchFamily="34" charset="0"/>
+              </a:rPr>
+              <a:t>Nota </a:t>
+            </a:r>
+            <a:r>
+              <a:rPr lang="en-US" sz="2400" b="0" dirty="0" err="1" smtClean="0">
+                <a:solidFill>
+                  <a:schemeClr val="tx1"/>
+                </a:solidFill>
+                <a:latin typeface="Tahoma" panose="020B0604030504040204" pitchFamily="34" charset="0"/>
+                <a:ea typeface="Tahoma" panose="020B0604030504040204" pitchFamily="34" charset="0"/>
+                <a:cs typeface="Tahoma" panose="020B0604030504040204" pitchFamily="34" charset="0"/>
+              </a:rPr>
+              <a:t>che</a:t>
+            </a:r>
+            <a:r>
+              <a:rPr lang="en-US" sz="2400" b="0" dirty="0" smtClean="0">
+                <a:solidFill>
+                  <a:schemeClr val="tx1"/>
+                </a:solidFill>
+                <a:latin typeface="Tahoma" panose="020B0604030504040204" pitchFamily="34" charset="0"/>
+                <a:ea typeface="Tahoma" panose="020B0604030504040204" pitchFamily="34" charset="0"/>
+                <a:cs typeface="Tahoma" panose="020B0604030504040204" pitchFamily="34" charset="0"/>
+              </a:rPr>
+              <a:t> </a:t>
+            </a:r>
+            <a:r>
+              <a:rPr lang="en-US" sz="2400" b="0" dirty="0" err="1" smtClean="0">
+                <a:solidFill>
+                  <a:schemeClr val="tx1"/>
+                </a:solidFill>
+                <a:latin typeface="Tahoma" panose="020B0604030504040204" pitchFamily="34" charset="0"/>
+                <a:ea typeface="Tahoma" panose="020B0604030504040204" pitchFamily="34" charset="0"/>
+                <a:cs typeface="Tahoma" panose="020B0604030504040204" pitchFamily="34" charset="0"/>
+              </a:rPr>
+              <a:t>negli</a:t>
+            </a:r>
+            <a:r>
+              <a:rPr lang="en-US" sz="2400" b="0" dirty="0" smtClean="0">
+                <a:solidFill>
+                  <a:schemeClr val="tx1"/>
+                </a:solidFill>
+                <a:latin typeface="Tahoma" panose="020B0604030504040204" pitchFamily="34" charset="0"/>
+                <a:ea typeface="Tahoma" panose="020B0604030504040204" pitchFamily="34" charset="0"/>
+                <a:cs typeface="Tahoma" panose="020B0604030504040204" pitchFamily="34" charset="0"/>
+              </a:rPr>
+              <a:t> array e </a:t>
+            </a:r>
+            <a:r>
+              <a:rPr lang="en-US" sz="2400" b="0" dirty="0" err="1" smtClean="0">
+                <a:solidFill>
+                  <a:schemeClr val="tx1"/>
+                </a:solidFill>
+                <a:latin typeface="Tahoma" panose="020B0604030504040204" pitchFamily="34" charset="0"/>
+                <a:ea typeface="Tahoma" panose="020B0604030504040204" pitchFamily="34" charset="0"/>
+                <a:cs typeface="Tahoma" panose="020B0604030504040204" pitchFamily="34" charset="0"/>
+              </a:rPr>
+              <a:t>oggetti</a:t>
+            </a:r>
+            <a:r>
+              <a:rPr lang="en-US" sz="2400" b="0" dirty="0" smtClean="0">
+                <a:solidFill>
+                  <a:schemeClr val="tx1"/>
+                </a:solidFill>
+                <a:latin typeface="Tahoma" panose="020B0604030504040204" pitchFamily="34" charset="0"/>
+                <a:ea typeface="Tahoma" panose="020B0604030504040204" pitchFamily="34" charset="0"/>
+                <a:cs typeface="Tahoma" panose="020B0604030504040204" pitchFamily="34" charset="0"/>
+              </a:rPr>
+              <a:t>, I </a:t>
+            </a:r>
+            <a:r>
+              <a:rPr lang="en-US" sz="2400" b="0" dirty="0" err="1" smtClean="0">
+                <a:solidFill>
+                  <a:schemeClr val="tx1"/>
+                </a:solidFill>
+                <a:latin typeface="Tahoma" panose="020B0604030504040204" pitchFamily="34" charset="0"/>
+                <a:ea typeface="Tahoma" panose="020B0604030504040204" pitchFamily="34" charset="0"/>
+                <a:cs typeface="Tahoma" panose="020B0604030504040204" pitchFamily="34" charset="0"/>
+              </a:rPr>
+              <a:t>valori</a:t>
+            </a:r>
+            <a:r>
+              <a:rPr lang="en-US" sz="2400" b="0" dirty="0" smtClean="0">
+                <a:solidFill>
+                  <a:schemeClr val="tx1"/>
+                </a:solidFill>
+                <a:latin typeface="Tahoma" panose="020B0604030504040204" pitchFamily="34" charset="0"/>
+                <a:ea typeface="Tahoma" panose="020B0604030504040204" pitchFamily="34" charset="0"/>
+                <a:cs typeface="Tahoma" panose="020B0604030504040204" pitchFamily="34" charset="0"/>
+              </a:rPr>
+              <a:t> vi, </a:t>
+            </a:r>
+            <a:r>
+              <a:rPr lang="en-US" sz="2400" b="0" dirty="0" err="1" smtClean="0">
+                <a:solidFill>
+                  <a:schemeClr val="tx1"/>
+                </a:solidFill>
+                <a:latin typeface="Tahoma" panose="020B0604030504040204" pitchFamily="34" charset="0"/>
+                <a:ea typeface="Tahoma" panose="020B0604030504040204" pitchFamily="34" charset="0"/>
+                <a:cs typeface="Tahoma" panose="020B0604030504040204" pitchFamily="34" charset="0"/>
+              </a:rPr>
+              <a:t>possono</a:t>
+            </a:r>
+            <a:r>
+              <a:rPr lang="en-US" sz="2400" b="0" dirty="0" smtClean="0">
+                <a:solidFill>
+                  <a:schemeClr val="tx1"/>
+                </a:solidFill>
+                <a:latin typeface="Tahoma" panose="020B0604030504040204" pitchFamily="34" charset="0"/>
+                <a:ea typeface="Tahoma" panose="020B0604030504040204" pitchFamily="34" charset="0"/>
+                <a:cs typeface="Tahoma" panose="020B0604030504040204" pitchFamily="34" charset="0"/>
+              </a:rPr>
+              <a:t> </a:t>
+            </a:r>
+            <a:r>
+              <a:rPr lang="en-US" sz="2400" b="0" dirty="0" err="1" smtClean="0">
+                <a:solidFill>
+                  <a:schemeClr val="tx1"/>
+                </a:solidFill>
+                <a:latin typeface="Tahoma" panose="020B0604030504040204" pitchFamily="34" charset="0"/>
+                <a:ea typeface="Tahoma" panose="020B0604030504040204" pitchFamily="34" charset="0"/>
+                <a:cs typeface="Tahoma" panose="020B0604030504040204" pitchFamily="34" charset="0"/>
+              </a:rPr>
+              <a:t>essere</a:t>
+            </a:r>
+            <a:r>
+              <a:rPr lang="en-US" sz="2400" b="0" dirty="0" smtClean="0">
+                <a:solidFill>
+                  <a:schemeClr val="tx1"/>
+                </a:solidFill>
+                <a:latin typeface="Tahoma" panose="020B0604030504040204" pitchFamily="34" charset="0"/>
+                <a:ea typeface="Tahoma" panose="020B0604030504040204" pitchFamily="34" charset="0"/>
+                <a:cs typeface="Tahoma" panose="020B0604030504040204" pitchFamily="34" charset="0"/>
+              </a:rPr>
+              <a:t> a </a:t>
+            </a:r>
+            <a:r>
+              <a:rPr lang="en-US" sz="2400" b="0" dirty="0" err="1" smtClean="0">
+                <a:solidFill>
+                  <a:schemeClr val="tx1"/>
+                </a:solidFill>
+                <a:latin typeface="Tahoma" panose="020B0604030504040204" pitchFamily="34" charset="0"/>
+                <a:ea typeface="Tahoma" panose="020B0604030504040204" pitchFamily="34" charset="0"/>
+                <a:cs typeface="Tahoma" panose="020B0604030504040204" pitchFamily="34" charset="0"/>
+              </a:rPr>
+              <a:t>turno</a:t>
+            </a:r>
+            <a:r>
+              <a:rPr lang="en-US" sz="2400" b="0" dirty="0" smtClean="0">
+                <a:solidFill>
+                  <a:schemeClr val="tx1"/>
+                </a:solidFill>
+                <a:latin typeface="Tahoma" panose="020B0604030504040204" pitchFamily="34" charset="0"/>
+                <a:ea typeface="Tahoma" panose="020B0604030504040204" pitchFamily="34" charset="0"/>
+                <a:cs typeface="Tahoma" panose="020B0604030504040204" pitchFamily="34" charset="0"/>
+              </a:rPr>
+              <a:t> </a:t>
+            </a:r>
+            <a:r>
+              <a:rPr lang="en-US" sz="2400" b="0" dirty="0" err="1" smtClean="0">
+                <a:solidFill>
+                  <a:schemeClr val="tx1"/>
+                </a:solidFill>
+                <a:latin typeface="Tahoma" panose="020B0604030504040204" pitchFamily="34" charset="0"/>
+                <a:ea typeface="Tahoma" panose="020B0604030504040204" pitchFamily="34" charset="0"/>
+                <a:cs typeface="Tahoma" panose="020B0604030504040204" pitchFamily="34" charset="0"/>
+              </a:rPr>
+              <a:t>oggetti</a:t>
+            </a:r>
+            <a:r>
+              <a:rPr lang="en-US" sz="2400" b="0" dirty="0" smtClean="0">
+                <a:solidFill>
+                  <a:schemeClr val="tx1"/>
+                </a:solidFill>
+                <a:latin typeface="Tahoma" panose="020B0604030504040204" pitchFamily="34" charset="0"/>
+                <a:ea typeface="Tahoma" panose="020B0604030504040204" pitchFamily="34" charset="0"/>
+                <a:cs typeface="Tahoma" panose="020B0604030504040204" pitchFamily="34" charset="0"/>
+              </a:rPr>
+              <a:t> o array, </a:t>
+            </a:r>
+            <a:r>
+              <a:rPr lang="en-US" sz="2400" b="0" dirty="0" err="1" smtClean="0">
+                <a:solidFill>
+                  <a:schemeClr val="tx1"/>
+                </a:solidFill>
+                <a:latin typeface="Tahoma" panose="020B0604030504040204" pitchFamily="34" charset="0"/>
+                <a:ea typeface="Tahoma" panose="020B0604030504040204" pitchFamily="34" charset="0"/>
+                <a:cs typeface="Tahoma" panose="020B0604030504040204" pitchFamily="34" charset="0"/>
+              </a:rPr>
+              <a:t>quindi</a:t>
+            </a:r>
+            <a:r>
+              <a:rPr lang="en-US" sz="2400" b="0" dirty="0" smtClean="0">
+                <a:solidFill>
+                  <a:schemeClr val="tx1"/>
+                </a:solidFill>
+                <a:latin typeface="Tahoma" panose="020B0604030504040204" pitchFamily="34" charset="0"/>
+                <a:ea typeface="Tahoma" panose="020B0604030504040204" pitchFamily="34" charset="0"/>
+                <a:cs typeface="Tahoma" panose="020B0604030504040204" pitchFamily="34" charset="0"/>
+              </a:rPr>
+              <a:t> </a:t>
+            </a:r>
+            <a:r>
+              <a:rPr lang="en-US" sz="2400" b="0" dirty="0" err="1" smtClean="0">
+                <a:solidFill>
+                  <a:schemeClr val="tx1"/>
+                </a:solidFill>
+                <a:latin typeface="Tahoma" panose="020B0604030504040204" pitchFamily="34" charset="0"/>
+                <a:ea typeface="Tahoma" panose="020B0604030504040204" pitchFamily="34" charset="0"/>
+                <a:cs typeface="Tahoma" panose="020B0604030504040204" pitchFamily="34" charset="0"/>
+              </a:rPr>
+              <a:t>permettendo</a:t>
+            </a:r>
+            <a:r>
+              <a:rPr lang="en-US" sz="2400" b="0" dirty="0" smtClean="0">
+                <a:solidFill>
+                  <a:schemeClr val="tx1"/>
+                </a:solidFill>
+                <a:latin typeface="Tahoma" panose="020B0604030504040204" pitchFamily="34" charset="0"/>
+                <a:ea typeface="Tahoma" panose="020B0604030504040204" pitchFamily="34" charset="0"/>
+                <a:cs typeface="Tahoma" panose="020B0604030504040204" pitchFamily="34" charset="0"/>
+              </a:rPr>
+              <a:t> un </a:t>
+            </a:r>
+            <a:r>
+              <a:rPr lang="en-US" sz="2400" b="0" dirty="0" err="1" smtClean="0">
+                <a:solidFill>
+                  <a:schemeClr val="tx1"/>
+                </a:solidFill>
+                <a:latin typeface="Tahoma" panose="020B0604030504040204" pitchFamily="34" charset="0"/>
+                <a:ea typeface="Tahoma" panose="020B0604030504040204" pitchFamily="34" charset="0"/>
+                <a:cs typeface="Tahoma" panose="020B0604030504040204" pitchFamily="34" charset="0"/>
+              </a:rPr>
+              <a:t>arbitrario</a:t>
+            </a:r>
+            <a:r>
+              <a:rPr lang="en-US" sz="2400" b="0" dirty="0" smtClean="0">
+                <a:solidFill>
+                  <a:schemeClr val="tx1"/>
+                </a:solidFill>
+                <a:latin typeface="Tahoma" panose="020B0604030504040204" pitchFamily="34" charset="0"/>
+                <a:ea typeface="Tahoma" panose="020B0604030504040204" pitchFamily="34" charset="0"/>
+                <a:cs typeface="Tahoma" panose="020B0604030504040204" pitchFamily="34" charset="0"/>
+              </a:rPr>
+              <a:t> </a:t>
+            </a:r>
+            <a:r>
+              <a:rPr lang="en-US" sz="2400" b="0" dirty="0" err="1" smtClean="0">
+                <a:solidFill>
+                  <a:schemeClr val="tx1"/>
+                </a:solidFill>
+                <a:latin typeface="Tahoma" panose="020B0604030504040204" pitchFamily="34" charset="0"/>
+                <a:ea typeface="Tahoma" panose="020B0604030504040204" pitchFamily="34" charset="0"/>
+                <a:cs typeface="Tahoma" panose="020B0604030504040204" pitchFamily="34" charset="0"/>
+              </a:rPr>
+              <a:t>livello</a:t>
+            </a:r>
+            <a:r>
+              <a:rPr lang="en-US" sz="2400" b="0" dirty="0" smtClean="0">
+                <a:solidFill>
+                  <a:schemeClr val="tx1"/>
+                </a:solidFill>
+                <a:latin typeface="Tahoma" panose="020B0604030504040204" pitchFamily="34" charset="0"/>
+                <a:ea typeface="Tahoma" panose="020B0604030504040204" pitchFamily="34" charset="0"/>
+                <a:cs typeface="Tahoma" panose="020B0604030504040204" pitchFamily="34" charset="0"/>
+              </a:rPr>
+              <a:t> di </a:t>
+            </a:r>
+            <a:r>
+              <a:rPr lang="en-US" sz="2400" b="0" dirty="0" err="1" smtClean="0">
+                <a:solidFill>
+                  <a:schemeClr val="tx1"/>
+                </a:solidFill>
+                <a:latin typeface="Tahoma" panose="020B0604030504040204" pitchFamily="34" charset="0"/>
+                <a:ea typeface="Tahoma" panose="020B0604030504040204" pitchFamily="34" charset="0"/>
+                <a:cs typeface="Tahoma" panose="020B0604030504040204" pitchFamily="34" charset="0"/>
+              </a:rPr>
+              <a:t>annidamento</a:t>
+            </a:r>
+            <a:r>
+              <a:rPr lang="en-US" sz="2400" b="0" dirty="0" smtClean="0">
+                <a:solidFill>
+                  <a:schemeClr val="tx1"/>
+                </a:solidFill>
+                <a:latin typeface="Tahoma" panose="020B0604030504040204" pitchFamily="34" charset="0"/>
+                <a:ea typeface="Tahoma" panose="020B0604030504040204" pitchFamily="34" charset="0"/>
+                <a:cs typeface="Tahoma" panose="020B0604030504040204" pitchFamily="34" charset="0"/>
+              </a:rPr>
+              <a:t>. </a:t>
+            </a:r>
+            <a:endParaRPr lang="en-US" sz="2400" dirty="0" smtClean="0">
+              <a:solidFill>
+                <a:schemeClr val="tx1"/>
+              </a:solidFill>
+              <a:latin typeface="Tahoma" panose="020B0604030504040204" pitchFamily="34" charset="0"/>
+              <a:ea typeface="Tahoma" panose="020B0604030504040204" pitchFamily="34" charset="0"/>
+              <a:cs typeface="Tahoma" panose="020B0604030504040204" pitchFamily="34" charset="0"/>
+            </a:endParaRPr>
+          </a:p>
+          <a:p>
+            <a:pPr marL="800100" lvl="1" indent="-342900" algn="just">
+              <a:buFont typeface="Arial" panose="020B0604020202020204" pitchFamily="34" charset="0"/>
+              <a:buChar char="•"/>
+            </a:pPr>
+            <a:r>
+              <a:rPr lang="en-US" sz="2400" b="0" dirty="0" smtClean="0">
+                <a:solidFill>
+                  <a:schemeClr val="tx1"/>
+                </a:solidFill>
+                <a:latin typeface="Tahoma" panose="020B0604030504040204" pitchFamily="34" charset="0"/>
+                <a:ea typeface="Tahoma" panose="020B0604030504040204" pitchFamily="34" charset="0"/>
+                <a:cs typeface="Tahoma" panose="020B0604030504040204" pitchFamily="34" charset="0"/>
+              </a:rPr>
+              <a:t>Un </a:t>
+            </a:r>
+            <a:r>
+              <a:rPr lang="en-US" sz="2400" dirty="0" err="1" smtClean="0">
+                <a:solidFill>
+                  <a:schemeClr val="tx1"/>
+                </a:solidFill>
+                <a:latin typeface="Tahoma" panose="020B0604030504040204" pitchFamily="34" charset="0"/>
+                <a:ea typeface="Tahoma" panose="020B0604030504040204" pitchFamily="34" charset="0"/>
+                <a:cs typeface="Tahoma" panose="020B0604030504040204" pitchFamily="34" charset="0"/>
+              </a:rPr>
+              <a:t>documento</a:t>
+            </a:r>
+            <a:r>
+              <a:rPr lang="en-US" sz="2400" dirty="0" smtClean="0">
+                <a:solidFill>
+                  <a:schemeClr val="tx1"/>
+                </a:solidFill>
+                <a:latin typeface="Tahoma" panose="020B0604030504040204" pitchFamily="34" charset="0"/>
+                <a:ea typeface="Tahoma" panose="020B0604030504040204" pitchFamily="34" charset="0"/>
+                <a:cs typeface="Tahoma" panose="020B0604030504040204" pitchFamily="34" charset="0"/>
+              </a:rPr>
+              <a:t> JSON </a:t>
+            </a:r>
+            <a:r>
+              <a:rPr lang="en-US" sz="2400" b="0" dirty="0" smtClean="0">
+                <a:solidFill>
+                  <a:schemeClr val="tx1"/>
+                </a:solidFill>
+                <a:latin typeface="Tahoma" panose="020B0604030504040204" pitchFamily="34" charset="0"/>
+                <a:ea typeface="Tahoma" panose="020B0604030504040204" pitchFamily="34" charset="0"/>
+                <a:cs typeface="Tahoma" panose="020B0604030504040204" pitchFamily="34" charset="0"/>
+              </a:rPr>
+              <a:t>è un </a:t>
+            </a:r>
+            <a:r>
+              <a:rPr lang="en-US" sz="2400" dirty="0" err="1" smtClean="0">
+                <a:solidFill>
+                  <a:schemeClr val="tx1"/>
+                </a:solidFill>
+                <a:latin typeface="Tahoma" panose="020B0604030504040204" pitchFamily="34" charset="0"/>
+                <a:ea typeface="Tahoma" panose="020B0604030504040204" pitchFamily="34" charset="0"/>
+                <a:cs typeface="Tahoma" panose="020B0604030504040204" pitchFamily="34" charset="0"/>
+              </a:rPr>
+              <a:t>oggetto</a:t>
+            </a:r>
+            <a:r>
+              <a:rPr lang="en-US" sz="2400" dirty="0" smtClean="0">
+                <a:solidFill>
+                  <a:schemeClr val="tx1"/>
+                </a:solidFill>
+                <a:latin typeface="Tahoma" panose="020B0604030504040204" pitchFamily="34" charset="0"/>
+                <a:ea typeface="Tahoma" panose="020B0604030504040204" pitchFamily="34" charset="0"/>
+                <a:cs typeface="Tahoma" panose="020B0604030504040204" pitchFamily="34" charset="0"/>
+              </a:rPr>
+              <a:t> JSON</a:t>
+            </a:r>
+            <a:r>
+              <a:rPr lang="en-US" sz="2400" b="0" dirty="0" smtClean="0">
+                <a:solidFill>
+                  <a:schemeClr val="tx1"/>
+                </a:solidFill>
+                <a:latin typeface="Tahoma" panose="020B0604030504040204" pitchFamily="34" charset="0"/>
+                <a:ea typeface="Tahoma" panose="020B0604030504040204" pitchFamily="34" charset="0"/>
+                <a:cs typeface="Tahoma" panose="020B0604030504040204" pitchFamily="34" charset="0"/>
+              </a:rPr>
+              <a:t>. </a:t>
+            </a:r>
+            <a:r>
+              <a:rPr lang="en-US" sz="2400" dirty="0" smtClean="0">
+                <a:solidFill>
+                  <a:schemeClr val="tx1"/>
+                </a:solidFill>
+                <a:latin typeface="Tahoma" panose="020B0604030504040204" pitchFamily="34" charset="0"/>
+                <a:ea typeface="Tahoma" panose="020B0604030504040204" pitchFamily="34" charset="0"/>
+                <a:cs typeface="Tahoma" panose="020B0604030504040204" pitchFamily="34" charset="0"/>
+              </a:rPr>
+              <a:t>  </a:t>
+            </a:r>
+            <a:endParaRPr lang="en-US" sz="2400" b="0" dirty="0" smtClean="0">
+              <a:solidFill>
+                <a:schemeClr val="tx1"/>
+              </a:solidFill>
+              <a:latin typeface="Tahoma" panose="020B0604030504040204" pitchFamily="34" charset="0"/>
+              <a:ea typeface="Tahoma" panose="020B0604030504040204" pitchFamily="34" charset="0"/>
+              <a:cs typeface="Tahoma" panose="020B0604030504040204" pitchFamily="34" charset="0"/>
+            </a:endParaRPr>
+          </a:p>
+        </p:txBody>
+      </p:sp>
+    </p:spTree>
+    <p:extLst>
+      <p:ext uri="{BB962C8B-B14F-4D97-AF65-F5344CB8AC3E}">
+        <p14:creationId xmlns:p14="http://schemas.microsoft.com/office/powerpoint/2010/main" val="2037336117"/>
+      </p:ext>
+    </p:extLst>
+  </p:cSld>
+  <p:clrMapOvr>
+    <a:masterClrMapping/>
+  </p:clrMapOvr>
+</p:sld>
+</file>
+
+<file path=ppt/slides/slide33.xml><?xml version="1.0" encoding="utf-8"?>
+<p:sld xmlns:a="http://schemas.openxmlformats.org/drawingml/2006/main" xmlns:r="http://schemas.openxmlformats.org/officeDocument/2006/relationships" xmlns:p="http://schemas.openxmlformats.org/presentationml/2006/main">
+  <p:cSld>
+    <p:spTree>
+      <p:nvGrpSpPr>
+        <p:cNvPr id="1" name=""/>
+        <p:cNvGrpSpPr/>
+        <p:nvPr/>
+      </p:nvGrpSpPr>
+      <p:grpSpPr>
+        <a:xfrm>
+          <a:off x="0" y="0"/>
+          <a:ext cx="0" cy="0"/>
+          <a:chOff x="0" y="0"/>
+          <a:chExt cx="0" cy="0"/>
+        </a:xfrm>
+      </p:grpSpPr>
+      <p:sp>
+        <p:nvSpPr>
+          <p:cNvPr id="2" name="Segnaposto testo 1">
+            <a:extLst>
+              <a:ext uri="{FF2B5EF4-FFF2-40B4-BE49-F238E27FC236}">
+                <a16:creationId xmlns:a16="http://schemas.microsoft.com/office/drawing/2014/main" id="{E5AE986C-196F-4141-A898-FA4C4198CDCC}"/>
+              </a:ext>
+            </a:extLst>
+          </p:cNvPr>
+          <p:cNvSpPr>
+            <a:spLocks noGrp="1"/>
+          </p:cNvSpPr>
+          <p:nvPr>
+            <p:ph type="body" idx="1"/>
+          </p:nvPr>
+        </p:nvSpPr>
+        <p:spPr>
+          <a:xfrm>
+            <a:off x="468895" y="1232694"/>
+            <a:ext cx="11459402" cy="4392612"/>
+          </a:xfrm>
+        </p:spPr>
+        <p:txBody>
+          <a:bodyPr/>
+          <a:lstStyle/>
+          <a:p>
+            <a:pPr marL="342900" indent="-342900" algn="l">
+              <a:buFont typeface="Wingdings" panose="05000000000000000000" pitchFamily="2" charset="2"/>
+              <a:buChar char="ü"/>
+            </a:pPr>
+            <a:r>
+              <a:rPr lang="en-US" sz="2400" b="1" dirty="0" err="1">
+                <a:solidFill>
+                  <a:schemeClr val="tx1"/>
+                </a:solidFill>
+                <a:latin typeface="Tahoma" panose="020B0604030504040204" pitchFamily="34" charset="0"/>
+                <a:ea typeface="Tahoma" panose="020B0604030504040204" pitchFamily="34" charset="0"/>
+                <a:cs typeface="Tahoma" panose="020B0604030504040204" pitchFamily="34" charset="0"/>
+              </a:rPr>
+              <a:t>turtleDB</a:t>
+            </a:r>
+            <a:r>
+              <a:rPr lang="en-US" sz="2400" dirty="0">
+                <a:solidFill>
+                  <a:schemeClr val="tx1"/>
+                </a:solidFill>
+                <a:latin typeface="Tahoma" panose="020B0604030504040204" pitchFamily="34" charset="0"/>
+                <a:ea typeface="Tahoma" panose="020B0604030504040204" pitchFamily="34" charset="0"/>
+                <a:cs typeface="Tahoma" panose="020B0604030504040204" pitchFamily="34" charset="0"/>
+              </a:rPr>
+              <a:t> è un framework per </a:t>
+            </a:r>
+            <a:r>
+              <a:rPr lang="en-US" sz="2400" dirty="0" err="1">
+                <a:solidFill>
+                  <a:schemeClr val="tx1"/>
+                </a:solidFill>
+                <a:latin typeface="Tahoma" panose="020B0604030504040204" pitchFamily="34" charset="0"/>
+                <a:ea typeface="Tahoma" panose="020B0604030504040204" pitchFamily="34" charset="0"/>
+                <a:cs typeface="Tahoma" panose="020B0604030504040204" pitchFamily="34" charset="0"/>
+              </a:rPr>
+              <a:t>sviluppatori</a:t>
+            </a:r>
+            <a:r>
+              <a:rPr lang="en-US" sz="2400" dirty="0">
+                <a:solidFill>
+                  <a:schemeClr val="tx1"/>
+                </a:solidFill>
+                <a:latin typeface="Tahoma" panose="020B0604030504040204" pitchFamily="34" charset="0"/>
+                <a:ea typeface="Tahoma" panose="020B0604030504040204" pitchFamily="34" charset="0"/>
+                <a:cs typeface="Tahoma" panose="020B0604030504040204" pitchFamily="34" charset="0"/>
+              </a:rPr>
+              <a:t> per </a:t>
+            </a:r>
+            <a:r>
+              <a:rPr lang="en-US" sz="2400" dirty="0" err="1">
+                <a:solidFill>
+                  <a:schemeClr val="tx1"/>
+                </a:solidFill>
+                <a:latin typeface="Tahoma" panose="020B0604030504040204" pitchFamily="34" charset="0"/>
+                <a:ea typeface="Tahoma" panose="020B0604030504040204" pitchFamily="34" charset="0"/>
+                <a:cs typeface="Tahoma" panose="020B0604030504040204" pitchFamily="34" charset="0"/>
+              </a:rPr>
+              <a:t>costruire</a:t>
+            </a:r>
+            <a:r>
+              <a:rPr lang="en-US" sz="2400" dirty="0">
+                <a:solidFill>
+                  <a:schemeClr val="tx1"/>
+                </a:solidFill>
+                <a:latin typeface="Tahoma" panose="020B0604030504040204" pitchFamily="34" charset="0"/>
+                <a:ea typeface="Tahoma" panose="020B0604030504040204" pitchFamily="34" charset="0"/>
+                <a:cs typeface="Tahoma" panose="020B0604030504040204" pitchFamily="34" charset="0"/>
+              </a:rPr>
+              <a:t> </a:t>
+            </a:r>
+            <a:r>
+              <a:rPr lang="en-US" sz="2400" dirty="0" err="1">
+                <a:solidFill>
+                  <a:schemeClr val="tx1"/>
+                </a:solidFill>
+                <a:latin typeface="Tahoma" panose="020B0604030504040204" pitchFamily="34" charset="0"/>
+                <a:ea typeface="Tahoma" panose="020B0604030504040204" pitchFamily="34" charset="0"/>
+                <a:cs typeface="Tahoma" panose="020B0604030504040204" pitchFamily="34" charset="0"/>
+              </a:rPr>
+              <a:t>applicazioni</a:t>
+            </a:r>
+            <a:r>
+              <a:rPr lang="en-US" sz="2400" dirty="0">
+                <a:solidFill>
+                  <a:schemeClr val="tx1"/>
+                </a:solidFill>
+                <a:latin typeface="Tahoma" panose="020B0604030504040204" pitchFamily="34" charset="0"/>
+                <a:ea typeface="Tahoma" panose="020B0604030504040204" pitchFamily="34" charset="0"/>
+                <a:cs typeface="Tahoma" panose="020B0604030504040204" pitchFamily="34" charset="0"/>
+              </a:rPr>
+              <a:t> we collaborative </a:t>
+            </a:r>
+            <a:r>
+              <a:rPr lang="en-US" sz="2400" b="1" dirty="0">
+                <a:solidFill>
+                  <a:schemeClr val="tx1"/>
+                </a:solidFill>
+                <a:latin typeface="Tahoma" panose="020B0604030504040204" pitchFamily="34" charset="0"/>
+                <a:ea typeface="Tahoma" panose="020B0604030504040204" pitchFamily="34" charset="0"/>
+                <a:cs typeface="Tahoma" panose="020B0604030504040204" pitchFamily="34" charset="0"/>
+              </a:rPr>
+              <a:t>offline-first.</a:t>
+            </a:r>
+            <a:r>
+              <a:rPr lang="en-US" sz="2400" dirty="0">
+                <a:solidFill>
+                  <a:schemeClr val="tx1"/>
+                </a:solidFill>
+                <a:latin typeface="Tahoma" panose="020B0604030504040204" pitchFamily="34" charset="0"/>
+                <a:ea typeface="Tahoma" panose="020B0604030504040204" pitchFamily="34" charset="0"/>
+                <a:cs typeface="Tahoma" panose="020B0604030504040204" pitchFamily="34" charset="0"/>
+              </a:rPr>
+              <a:t> </a:t>
+            </a:r>
+          </a:p>
+          <a:p>
+            <a:pPr marL="342900" indent="-342900" algn="l">
+              <a:buFont typeface="Wingdings" panose="05000000000000000000" pitchFamily="2" charset="2"/>
+              <a:buChar char="ü"/>
+            </a:pPr>
+            <a:r>
+              <a:rPr lang="en-US" sz="2400" dirty="0">
+                <a:solidFill>
+                  <a:schemeClr val="tx1"/>
+                </a:solidFill>
+                <a:latin typeface="Tahoma" panose="020B0604030504040204" pitchFamily="34" charset="0"/>
+                <a:ea typeface="Tahoma" panose="020B0604030504040204" pitchFamily="34" charset="0"/>
+                <a:cs typeface="Tahoma" panose="020B0604030504040204" pitchFamily="34" charset="0"/>
+              </a:rPr>
+              <a:t>Esso </a:t>
+            </a:r>
+            <a:r>
+              <a:rPr lang="en-US" sz="2400" dirty="0" err="1">
+                <a:solidFill>
+                  <a:schemeClr val="tx1"/>
+                </a:solidFill>
+                <a:latin typeface="Tahoma" panose="020B0604030504040204" pitchFamily="34" charset="0"/>
+                <a:ea typeface="Tahoma" panose="020B0604030504040204" pitchFamily="34" charset="0"/>
+                <a:cs typeface="Tahoma" panose="020B0604030504040204" pitchFamily="34" charset="0"/>
+              </a:rPr>
+              <a:t>fornisce</a:t>
+            </a:r>
+            <a:r>
+              <a:rPr lang="en-US" sz="2400" dirty="0">
+                <a:solidFill>
+                  <a:schemeClr val="tx1"/>
+                </a:solidFill>
+                <a:latin typeface="Tahoma" panose="020B0604030504040204" pitchFamily="34" charset="0"/>
+                <a:ea typeface="Tahoma" panose="020B0604030504040204" pitchFamily="34" charset="0"/>
+                <a:cs typeface="Tahoma" panose="020B0604030504040204" pitchFamily="34" charset="0"/>
+              </a:rPr>
+              <a:t> </a:t>
+            </a:r>
+            <a:r>
+              <a:rPr lang="en-US" sz="2400" dirty="0" err="1">
+                <a:solidFill>
+                  <a:schemeClr val="tx1"/>
+                </a:solidFill>
+                <a:latin typeface="Tahoma" panose="020B0604030504040204" pitchFamily="34" charset="0"/>
+                <a:ea typeface="Tahoma" panose="020B0604030504040204" pitchFamily="34" charset="0"/>
+                <a:cs typeface="Tahoma" panose="020B0604030504040204" pitchFamily="34" charset="0"/>
+              </a:rPr>
+              <a:t>un'API</a:t>
+            </a:r>
+            <a:r>
+              <a:rPr lang="en-US" sz="2400" dirty="0">
+                <a:solidFill>
+                  <a:schemeClr val="tx1"/>
+                </a:solidFill>
+                <a:latin typeface="Tahoma" panose="020B0604030504040204" pitchFamily="34" charset="0"/>
+                <a:ea typeface="Tahoma" panose="020B0604030504040204" pitchFamily="34" charset="0"/>
+                <a:cs typeface="Tahoma" panose="020B0604030504040204" pitchFamily="34" charset="0"/>
+              </a:rPr>
+              <a:t> user-friendly per </a:t>
+            </a:r>
+            <a:r>
+              <a:rPr lang="en-US" sz="2400" dirty="0" err="1">
+                <a:solidFill>
+                  <a:schemeClr val="tx1"/>
+                </a:solidFill>
+                <a:latin typeface="Tahoma" panose="020B0604030504040204" pitchFamily="34" charset="0"/>
+                <a:ea typeface="Tahoma" panose="020B0604030504040204" pitchFamily="34" charset="0"/>
+                <a:cs typeface="Tahoma" panose="020B0604030504040204" pitchFamily="34" charset="0"/>
+              </a:rPr>
+              <a:t>gli</a:t>
+            </a:r>
+            <a:r>
+              <a:rPr lang="en-US" sz="2400" dirty="0">
+                <a:solidFill>
+                  <a:schemeClr val="tx1"/>
+                </a:solidFill>
+                <a:latin typeface="Tahoma" panose="020B0604030504040204" pitchFamily="34" charset="0"/>
+                <a:ea typeface="Tahoma" panose="020B0604030504040204" pitchFamily="34" charset="0"/>
+                <a:cs typeface="Tahoma" panose="020B0604030504040204" pitchFamily="34" charset="0"/>
+              </a:rPr>
+              <a:t> </a:t>
+            </a:r>
+            <a:r>
+              <a:rPr lang="en-US" sz="2400" dirty="0" err="1">
+                <a:solidFill>
+                  <a:schemeClr val="tx1"/>
+                </a:solidFill>
+                <a:latin typeface="Tahoma" panose="020B0604030504040204" pitchFamily="34" charset="0"/>
+                <a:ea typeface="Tahoma" panose="020B0604030504040204" pitchFamily="34" charset="0"/>
+                <a:cs typeface="Tahoma" panose="020B0604030504040204" pitchFamily="34" charset="0"/>
+              </a:rPr>
+              <a:t>sviluppatori</a:t>
+            </a:r>
+            <a:r>
+              <a:rPr lang="en-US" sz="2400" dirty="0">
+                <a:solidFill>
+                  <a:schemeClr val="tx1"/>
+                </a:solidFill>
+                <a:latin typeface="Tahoma" panose="020B0604030504040204" pitchFamily="34" charset="0"/>
+                <a:ea typeface="Tahoma" panose="020B0604030504040204" pitchFamily="34" charset="0"/>
+                <a:cs typeface="Tahoma" panose="020B0604030504040204" pitchFamily="34" charset="0"/>
+              </a:rPr>
+              <a:t>, </a:t>
+            </a:r>
+            <a:r>
+              <a:rPr lang="en-US" sz="2400" dirty="0" err="1">
+                <a:solidFill>
+                  <a:schemeClr val="tx1"/>
+                </a:solidFill>
+                <a:latin typeface="Tahoma" panose="020B0604030504040204" pitchFamily="34" charset="0"/>
+                <a:ea typeface="Tahoma" panose="020B0604030504040204" pitchFamily="34" charset="0"/>
+                <a:cs typeface="Tahoma" panose="020B0604030504040204" pitchFamily="34" charset="0"/>
+              </a:rPr>
+              <a:t>potenziando</a:t>
+            </a:r>
+            <a:r>
+              <a:rPr lang="en-US" sz="2400" dirty="0">
+                <a:solidFill>
+                  <a:schemeClr val="tx1"/>
+                </a:solidFill>
+                <a:latin typeface="Tahoma" panose="020B0604030504040204" pitchFamily="34" charset="0"/>
+                <a:ea typeface="Tahoma" panose="020B0604030504040204" pitchFamily="34" charset="0"/>
+                <a:cs typeface="Tahoma" panose="020B0604030504040204" pitchFamily="34" charset="0"/>
+              </a:rPr>
+              <a:t> </a:t>
+            </a:r>
+            <a:r>
+              <a:rPr lang="en-US" sz="2400" dirty="0" err="1">
+                <a:solidFill>
+                  <a:schemeClr val="tx1"/>
+                </a:solidFill>
+                <a:latin typeface="Tahoma" panose="020B0604030504040204" pitchFamily="34" charset="0"/>
+                <a:ea typeface="Tahoma" panose="020B0604030504040204" pitchFamily="34" charset="0"/>
+                <a:cs typeface="Tahoma" panose="020B0604030504040204" pitchFamily="34" charset="0"/>
+              </a:rPr>
+              <a:t>essi</a:t>
+            </a:r>
+            <a:r>
+              <a:rPr lang="en-US" sz="2400" dirty="0">
+                <a:solidFill>
+                  <a:schemeClr val="tx1"/>
+                </a:solidFill>
+                <a:latin typeface="Tahoma" panose="020B0604030504040204" pitchFamily="34" charset="0"/>
+                <a:ea typeface="Tahoma" panose="020B0604030504040204" pitchFamily="34" charset="0"/>
+                <a:cs typeface="Tahoma" panose="020B0604030504040204" pitchFamily="34" charset="0"/>
+              </a:rPr>
+              <a:t> con </a:t>
+            </a:r>
+            <a:r>
+              <a:rPr lang="en-US" sz="2400" dirty="0" err="1">
+                <a:solidFill>
+                  <a:schemeClr val="tx1"/>
+                </a:solidFill>
+                <a:latin typeface="Tahoma" panose="020B0604030504040204" pitchFamily="34" charset="0"/>
+                <a:ea typeface="Tahoma" panose="020B0604030504040204" pitchFamily="34" charset="0"/>
+                <a:cs typeface="Tahoma" panose="020B0604030504040204" pitchFamily="34" charset="0"/>
+              </a:rPr>
+              <a:t>l'abilità</a:t>
+            </a:r>
+            <a:r>
+              <a:rPr lang="en-US" sz="2400" dirty="0">
+                <a:solidFill>
+                  <a:schemeClr val="tx1"/>
+                </a:solidFill>
+                <a:latin typeface="Tahoma" panose="020B0604030504040204" pitchFamily="34" charset="0"/>
+                <a:ea typeface="Tahoma" panose="020B0604030504040204" pitchFamily="34" charset="0"/>
+                <a:cs typeface="Tahoma" panose="020B0604030504040204" pitchFamily="34" charset="0"/>
+              </a:rPr>
+              <a:t> di </a:t>
+            </a:r>
+            <a:r>
+              <a:rPr lang="en-US" sz="2400" dirty="0" err="1">
+                <a:solidFill>
+                  <a:schemeClr val="tx1"/>
+                </a:solidFill>
+                <a:latin typeface="Tahoma" panose="020B0604030504040204" pitchFamily="34" charset="0"/>
+                <a:ea typeface="Tahoma" panose="020B0604030504040204" pitchFamily="34" charset="0"/>
+                <a:cs typeface="Tahoma" panose="020B0604030504040204" pitchFamily="34" charset="0"/>
+              </a:rPr>
+              <a:t>creare</a:t>
+            </a:r>
+            <a:r>
+              <a:rPr lang="en-US" sz="2400" dirty="0">
+                <a:solidFill>
+                  <a:schemeClr val="tx1"/>
+                </a:solidFill>
+                <a:latin typeface="Tahoma" panose="020B0604030504040204" pitchFamily="34" charset="0"/>
+                <a:ea typeface="Tahoma" panose="020B0604030504040204" pitchFamily="34" charset="0"/>
+                <a:cs typeface="Tahoma" panose="020B0604030504040204" pitchFamily="34" charset="0"/>
+              </a:rPr>
+              <a:t> app con </a:t>
+            </a:r>
+            <a:r>
+              <a:rPr lang="en-US" sz="2400" dirty="0" err="1">
+                <a:solidFill>
+                  <a:schemeClr val="tx1"/>
+                </a:solidFill>
+                <a:latin typeface="Tahoma" panose="020B0604030504040204" pitchFamily="34" charset="0"/>
+                <a:ea typeface="Tahoma" panose="020B0604030504040204" pitchFamily="34" charset="0"/>
+                <a:cs typeface="Tahoma" panose="020B0604030504040204" pitchFamily="34" charset="0"/>
+              </a:rPr>
+              <a:t>uno</a:t>
+            </a:r>
+            <a:r>
+              <a:rPr lang="en-US" sz="2400" dirty="0">
+                <a:solidFill>
+                  <a:schemeClr val="tx1"/>
+                </a:solidFill>
+                <a:latin typeface="Tahoma" panose="020B0604030504040204" pitchFamily="34" charset="0"/>
+                <a:ea typeface="Tahoma" panose="020B0604030504040204" pitchFamily="34" charset="0"/>
+                <a:cs typeface="Tahoma" panose="020B0604030504040204" pitchFamily="34" charset="0"/>
+              </a:rPr>
+              <a:t> </a:t>
+            </a:r>
+            <a:r>
+              <a:rPr lang="en-US" sz="2400" b="1" dirty="0">
+                <a:solidFill>
+                  <a:schemeClr val="tx1"/>
+                </a:solidFill>
+                <a:latin typeface="Tahoma" panose="020B0604030504040204" pitchFamily="34" charset="0"/>
+                <a:ea typeface="Tahoma" panose="020B0604030504040204" pitchFamily="34" charset="0"/>
+                <a:cs typeface="Tahoma" panose="020B0604030504040204" pitchFamily="34" charset="0"/>
+              </a:rPr>
+              <a:t>storage, </a:t>
+            </a:r>
+            <a:r>
+              <a:rPr lang="en-US" sz="2400" dirty="0" err="1">
+                <a:solidFill>
+                  <a:schemeClr val="tx1"/>
+                </a:solidFill>
+                <a:latin typeface="Tahoma" panose="020B0604030504040204" pitchFamily="34" charset="0"/>
+                <a:ea typeface="Tahoma" panose="020B0604030504040204" pitchFamily="34" charset="0"/>
+                <a:cs typeface="Tahoma" panose="020B0604030504040204" pitchFamily="34" charset="0"/>
+              </a:rPr>
+              <a:t>sincronizzazione</a:t>
+            </a:r>
+            <a:r>
+              <a:rPr lang="en-US" sz="2400" dirty="0">
+                <a:solidFill>
+                  <a:schemeClr val="tx1"/>
+                </a:solidFill>
+                <a:latin typeface="Tahoma" panose="020B0604030504040204" pitchFamily="34" charset="0"/>
+                <a:ea typeface="Tahoma" panose="020B0604030504040204" pitchFamily="34" charset="0"/>
+                <a:cs typeface="Tahoma" panose="020B0604030504040204" pitchFamily="34" charset="0"/>
+              </a:rPr>
+              <a:t> di server </a:t>
+            </a:r>
+            <a:r>
+              <a:rPr lang="en-US" sz="2400" dirty="0" err="1">
+                <a:solidFill>
+                  <a:schemeClr val="tx1"/>
+                </a:solidFill>
+                <a:latin typeface="Tahoma" panose="020B0604030504040204" pitchFamily="34" charset="0"/>
+                <a:ea typeface="Tahoma" panose="020B0604030504040204" pitchFamily="34" charset="0"/>
+                <a:cs typeface="Tahoma" panose="020B0604030504040204" pitchFamily="34" charset="0"/>
+              </a:rPr>
+              <a:t>efficace</a:t>
+            </a:r>
+            <a:r>
+              <a:rPr lang="en-US" sz="2400" dirty="0">
+                <a:solidFill>
+                  <a:schemeClr val="tx1"/>
+                </a:solidFill>
+                <a:latin typeface="Tahoma" panose="020B0604030504040204" pitchFamily="34" charset="0"/>
+                <a:ea typeface="Tahoma" panose="020B0604030504040204" pitchFamily="34" charset="0"/>
+                <a:cs typeface="Tahoma" panose="020B0604030504040204" pitchFamily="34" charset="0"/>
+              </a:rPr>
+              <a:t>, versioning di </a:t>
+            </a:r>
+            <a:r>
+              <a:rPr lang="en-US" sz="2400" dirty="0" err="1">
+                <a:solidFill>
+                  <a:schemeClr val="tx1"/>
+                </a:solidFill>
+                <a:latin typeface="Tahoma" panose="020B0604030504040204" pitchFamily="34" charset="0"/>
+                <a:ea typeface="Tahoma" panose="020B0604030504040204" pitchFamily="34" charset="0"/>
+                <a:cs typeface="Tahoma" panose="020B0604030504040204" pitchFamily="34" charset="0"/>
+              </a:rPr>
+              <a:t>documenti</a:t>
+            </a:r>
+            <a:r>
+              <a:rPr lang="en-US" sz="2400" dirty="0">
+                <a:solidFill>
+                  <a:schemeClr val="tx1"/>
+                </a:solidFill>
+                <a:latin typeface="Tahoma" panose="020B0604030504040204" pitchFamily="34" charset="0"/>
+                <a:ea typeface="Tahoma" panose="020B0604030504040204" pitchFamily="34" charset="0"/>
+                <a:cs typeface="Tahoma" panose="020B0604030504040204" pitchFamily="34" charset="0"/>
+              </a:rPr>
+              <a:t>, </a:t>
+            </a:r>
+            <a:r>
+              <a:rPr lang="en-US" sz="2400" dirty="0" err="1">
+                <a:solidFill>
+                  <a:schemeClr val="tx1"/>
+                </a:solidFill>
+                <a:latin typeface="Tahoma" panose="020B0604030504040204" pitchFamily="34" charset="0"/>
+                <a:ea typeface="Tahoma" panose="020B0604030504040204" pitchFamily="34" charset="0"/>
+                <a:cs typeface="Tahoma" panose="020B0604030504040204" pitchFamily="34" charset="0"/>
+              </a:rPr>
+              <a:t>risoluzione</a:t>
+            </a:r>
+            <a:r>
+              <a:rPr lang="en-US" sz="2400" dirty="0">
+                <a:solidFill>
+                  <a:schemeClr val="tx1"/>
+                </a:solidFill>
+                <a:latin typeface="Tahoma" panose="020B0604030504040204" pitchFamily="34" charset="0"/>
+                <a:ea typeface="Tahoma" panose="020B0604030504040204" pitchFamily="34" charset="0"/>
+                <a:cs typeface="Tahoma" panose="020B0604030504040204" pitchFamily="34" charset="0"/>
+              </a:rPr>
+              <a:t> di </a:t>
+            </a:r>
+            <a:r>
+              <a:rPr lang="en-US" sz="2400" dirty="0" err="1">
+                <a:solidFill>
+                  <a:schemeClr val="tx1"/>
+                </a:solidFill>
+                <a:latin typeface="Tahoma" panose="020B0604030504040204" pitchFamily="34" charset="0"/>
+                <a:ea typeface="Tahoma" panose="020B0604030504040204" pitchFamily="34" charset="0"/>
+                <a:cs typeface="Tahoma" panose="020B0604030504040204" pitchFamily="34" charset="0"/>
+              </a:rPr>
+              <a:t>conflitto</a:t>
+            </a:r>
+            <a:r>
+              <a:rPr lang="en-US" sz="2400" dirty="0">
+                <a:solidFill>
+                  <a:schemeClr val="tx1"/>
+                </a:solidFill>
+                <a:latin typeface="Tahoma" panose="020B0604030504040204" pitchFamily="34" charset="0"/>
+                <a:ea typeface="Tahoma" panose="020B0604030504040204" pitchFamily="34" charset="0"/>
+                <a:cs typeface="Tahoma" panose="020B0604030504040204" pitchFamily="34" charset="0"/>
+              </a:rPr>
+              <a:t> </a:t>
+            </a:r>
+            <a:r>
+              <a:rPr lang="en-US" sz="2400" dirty="0" err="1">
+                <a:solidFill>
+                  <a:schemeClr val="tx1"/>
+                </a:solidFill>
+                <a:latin typeface="Tahoma" panose="020B0604030504040204" pitchFamily="34" charset="0"/>
+                <a:ea typeface="Tahoma" panose="020B0604030504040204" pitchFamily="34" charset="0"/>
+                <a:cs typeface="Tahoma" panose="020B0604030504040204" pitchFamily="34" charset="0"/>
+              </a:rPr>
+              <a:t>flessibile</a:t>
+            </a:r>
+            <a:r>
+              <a:rPr lang="en-US" sz="2400" dirty="0">
+                <a:solidFill>
+                  <a:schemeClr val="tx1"/>
+                </a:solidFill>
+                <a:latin typeface="Tahoma" panose="020B0604030504040204" pitchFamily="34" charset="0"/>
+                <a:ea typeface="Tahoma" panose="020B0604030504040204" pitchFamily="34" charset="0"/>
+                <a:cs typeface="Tahoma" panose="020B0604030504040204" pitchFamily="34" charset="0"/>
+              </a:rPr>
+              <a:t> per </a:t>
+            </a:r>
+            <a:r>
+              <a:rPr lang="en-US" sz="2400" dirty="0" err="1">
+                <a:solidFill>
+                  <a:schemeClr val="tx1"/>
+                </a:solidFill>
+                <a:latin typeface="Tahoma" panose="020B0604030504040204" pitchFamily="34" charset="0"/>
+                <a:ea typeface="Tahoma" panose="020B0604030504040204" pitchFamily="34" charset="0"/>
+                <a:cs typeface="Tahoma" panose="020B0604030504040204" pitchFamily="34" charset="0"/>
+              </a:rPr>
+              <a:t>qualsiasi</a:t>
+            </a:r>
+            <a:r>
+              <a:rPr lang="en-US" sz="2400" dirty="0">
+                <a:solidFill>
+                  <a:schemeClr val="tx1"/>
+                </a:solidFill>
+                <a:latin typeface="Tahoma" panose="020B0604030504040204" pitchFamily="34" charset="0"/>
+                <a:ea typeface="Tahoma" panose="020B0604030504040204" pitchFamily="34" charset="0"/>
+                <a:cs typeface="Tahoma" panose="020B0604030504040204" pitchFamily="34" charset="0"/>
+              </a:rPr>
+              <a:t> </a:t>
+            </a:r>
+            <a:r>
+              <a:rPr lang="en-US" sz="2400" dirty="0" err="1">
+                <a:solidFill>
+                  <a:schemeClr val="tx1"/>
+                </a:solidFill>
+                <a:latin typeface="Tahoma" panose="020B0604030504040204" pitchFamily="34" charset="0"/>
+                <a:ea typeface="Tahoma" panose="020B0604030504040204" pitchFamily="34" charset="0"/>
+                <a:cs typeface="Tahoma" panose="020B0604030504040204" pitchFamily="34" charset="0"/>
+              </a:rPr>
+              <a:t>documento</a:t>
+            </a:r>
+            <a:r>
+              <a:rPr lang="en-US" sz="2400" dirty="0">
+                <a:solidFill>
+                  <a:schemeClr val="tx1"/>
+                </a:solidFill>
+                <a:latin typeface="Tahoma" panose="020B0604030504040204" pitchFamily="34" charset="0"/>
+                <a:ea typeface="Tahoma" panose="020B0604030504040204" pitchFamily="34" charset="0"/>
+                <a:cs typeface="Tahoma" panose="020B0604030504040204" pitchFamily="34" charset="0"/>
+              </a:rPr>
+              <a:t>.</a:t>
+            </a:r>
+          </a:p>
+          <a:p>
+            <a:pPr marL="342900" indent="-342900" algn="l">
+              <a:buFont typeface="Wingdings" panose="05000000000000000000" pitchFamily="2" charset="2"/>
+              <a:buChar char="ü"/>
+            </a:pPr>
+            <a:r>
+              <a:rPr lang="en-US" sz="2400" dirty="0">
+                <a:solidFill>
+                  <a:schemeClr val="tx1"/>
+                </a:solidFill>
+                <a:latin typeface="Tahoma" panose="020B0604030504040204" pitchFamily="34" charset="0"/>
+                <a:ea typeface="Tahoma" panose="020B0604030504040204" pitchFamily="34" charset="0"/>
+                <a:cs typeface="Tahoma" panose="020B0604030504040204" pitchFamily="34" charset="0"/>
+              </a:rPr>
+              <a:t>Le </a:t>
+            </a:r>
+            <a:r>
+              <a:rPr lang="en-US" sz="2400" dirty="0" err="1">
+                <a:solidFill>
+                  <a:schemeClr val="tx1"/>
+                </a:solidFill>
+                <a:latin typeface="Tahoma" panose="020B0604030504040204" pitchFamily="34" charset="0"/>
+                <a:ea typeface="Tahoma" panose="020B0604030504040204" pitchFamily="34" charset="0"/>
+                <a:cs typeface="Tahoma" panose="020B0604030504040204" pitchFamily="34" charset="0"/>
+              </a:rPr>
+              <a:t>applicazioni</a:t>
+            </a:r>
+            <a:r>
+              <a:rPr lang="en-US" sz="2400" dirty="0">
+                <a:solidFill>
+                  <a:schemeClr val="tx1"/>
+                </a:solidFill>
+                <a:latin typeface="Tahoma" panose="020B0604030504040204" pitchFamily="34" charset="0"/>
+                <a:ea typeface="Tahoma" panose="020B0604030504040204" pitchFamily="34" charset="0"/>
+                <a:cs typeface="Tahoma" panose="020B0604030504040204" pitchFamily="34" charset="0"/>
+              </a:rPr>
+              <a:t> Web </a:t>
+            </a:r>
+            <a:r>
+              <a:rPr lang="en-US" sz="2400" dirty="0" err="1">
+                <a:solidFill>
+                  <a:schemeClr val="tx1"/>
+                </a:solidFill>
+                <a:latin typeface="Tahoma" panose="020B0604030504040204" pitchFamily="34" charset="0"/>
+                <a:ea typeface="Tahoma" panose="020B0604030504040204" pitchFamily="34" charset="0"/>
+                <a:cs typeface="Tahoma" panose="020B0604030504040204" pitchFamily="34" charset="0"/>
+              </a:rPr>
+              <a:t>lavoreranno</a:t>
+            </a:r>
+            <a:r>
+              <a:rPr lang="en-US" sz="2400" dirty="0">
+                <a:solidFill>
+                  <a:schemeClr val="tx1"/>
+                </a:solidFill>
+                <a:latin typeface="Tahoma" panose="020B0604030504040204" pitchFamily="34" charset="0"/>
+                <a:ea typeface="Tahoma" panose="020B0604030504040204" pitchFamily="34" charset="0"/>
+                <a:cs typeface="Tahoma" panose="020B0604030504040204" pitchFamily="34" charset="0"/>
+              </a:rPr>
+              <a:t> </a:t>
+            </a:r>
+            <a:r>
+              <a:rPr lang="en-US" sz="2400" dirty="0" err="1">
+                <a:solidFill>
+                  <a:schemeClr val="tx1"/>
+                </a:solidFill>
+                <a:latin typeface="Tahoma" panose="020B0604030504040204" pitchFamily="34" charset="0"/>
+                <a:ea typeface="Tahoma" panose="020B0604030504040204" pitchFamily="34" charset="0"/>
+                <a:cs typeface="Tahoma" panose="020B0604030504040204" pitchFamily="34" charset="0"/>
+              </a:rPr>
+              <a:t>apparentemente</a:t>
+            </a:r>
+            <a:r>
+              <a:rPr lang="en-US" sz="2400" dirty="0">
+                <a:solidFill>
+                  <a:schemeClr val="tx1"/>
+                </a:solidFill>
+                <a:latin typeface="Tahoma" panose="020B0604030504040204" pitchFamily="34" charset="0"/>
+                <a:ea typeface="Tahoma" panose="020B0604030504040204" pitchFamily="34" charset="0"/>
+                <a:cs typeface="Tahoma" panose="020B0604030504040204" pitchFamily="34" charset="0"/>
+              </a:rPr>
+              <a:t> online o offline, e </a:t>
+            </a:r>
+            <a:r>
+              <a:rPr lang="en-US" sz="2400" dirty="0" err="1">
+                <a:solidFill>
+                  <a:schemeClr val="tx1"/>
+                </a:solidFill>
+                <a:latin typeface="Tahoma" panose="020B0604030504040204" pitchFamily="34" charset="0"/>
+                <a:ea typeface="Tahoma" panose="020B0604030504040204" pitchFamily="34" charset="0"/>
+                <a:cs typeface="Tahoma" panose="020B0604030504040204" pitchFamily="34" charset="0"/>
+              </a:rPr>
+              <a:t>gli</a:t>
+            </a:r>
+            <a:r>
+              <a:rPr lang="en-US" sz="2400" dirty="0">
+                <a:solidFill>
+                  <a:schemeClr val="tx1"/>
+                </a:solidFill>
+                <a:latin typeface="Tahoma" panose="020B0604030504040204" pitchFamily="34" charset="0"/>
+                <a:ea typeface="Tahoma" panose="020B0604030504040204" pitchFamily="34" charset="0"/>
+                <a:cs typeface="Tahoma" panose="020B0604030504040204" pitchFamily="34" charset="0"/>
+              </a:rPr>
+              <a:t> </a:t>
+            </a:r>
+            <a:r>
+              <a:rPr lang="en-US" sz="2400" dirty="0" err="1">
+                <a:solidFill>
+                  <a:schemeClr val="tx1"/>
+                </a:solidFill>
+                <a:latin typeface="Tahoma" panose="020B0604030504040204" pitchFamily="34" charset="0"/>
+                <a:ea typeface="Tahoma" panose="020B0604030504040204" pitchFamily="34" charset="0"/>
+                <a:cs typeface="Tahoma" panose="020B0604030504040204" pitchFamily="34" charset="0"/>
+              </a:rPr>
+              <a:t>sviluppatori</a:t>
+            </a:r>
+            <a:r>
+              <a:rPr lang="en-US" sz="2400" dirty="0">
+                <a:solidFill>
+                  <a:schemeClr val="tx1"/>
+                </a:solidFill>
+                <a:latin typeface="Tahoma" panose="020B0604030504040204" pitchFamily="34" charset="0"/>
+                <a:ea typeface="Tahoma" panose="020B0604030504040204" pitchFamily="34" charset="0"/>
+                <a:cs typeface="Tahoma" panose="020B0604030504040204" pitchFamily="34" charset="0"/>
+              </a:rPr>
+              <a:t> </a:t>
+            </a:r>
+            <a:r>
+              <a:rPr lang="en-US" sz="2400" dirty="0" err="1">
+                <a:solidFill>
+                  <a:schemeClr val="tx1"/>
+                </a:solidFill>
+                <a:latin typeface="Tahoma" panose="020B0604030504040204" pitchFamily="34" charset="0"/>
+                <a:ea typeface="Tahoma" panose="020B0604030504040204" pitchFamily="34" charset="0"/>
+                <a:cs typeface="Tahoma" panose="020B0604030504040204" pitchFamily="34" charset="0"/>
+              </a:rPr>
+              <a:t>possono</a:t>
+            </a:r>
+            <a:r>
+              <a:rPr lang="en-US" sz="2400" dirty="0">
+                <a:solidFill>
+                  <a:schemeClr val="tx1"/>
+                </a:solidFill>
+                <a:latin typeface="Tahoma" panose="020B0604030504040204" pitchFamily="34" charset="0"/>
+                <a:ea typeface="Tahoma" panose="020B0604030504040204" pitchFamily="34" charset="0"/>
+                <a:cs typeface="Tahoma" panose="020B0604030504040204" pitchFamily="34" charset="0"/>
+              </a:rPr>
+              <a:t> </a:t>
+            </a:r>
+            <a:r>
+              <a:rPr lang="en-US" sz="2400" dirty="0" err="1">
+                <a:solidFill>
+                  <a:schemeClr val="tx1"/>
+                </a:solidFill>
+                <a:latin typeface="Tahoma" panose="020B0604030504040204" pitchFamily="34" charset="0"/>
+                <a:ea typeface="Tahoma" panose="020B0604030504040204" pitchFamily="34" charset="0"/>
+                <a:cs typeface="Tahoma" panose="020B0604030504040204" pitchFamily="34" charset="0"/>
+              </a:rPr>
+              <a:t>settare</a:t>
+            </a:r>
+            <a:r>
+              <a:rPr lang="en-US" sz="2400" dirty="0">
+                <a:solidFill>
+                  <a:schemeClr val="tx1"/>
+                </a:solidFill>
+                <a:latin typeface="Tahoma" panose="020B0604030504040204" pitchFamily="34" charset="0"/>
+                <a:ea typeface="Tahoma" panose="020B0604030504040204" pitchFamily="34" charset="0"/>
+                <a:cs typeface="Tahoma" panose="020B0604030504040204" pitchFamily="34" charset="0"/>
+              </a:rPr>
+              <a:t> </a:t>
+            </a:r>
+            <a:r>
+              <a:rPr lang="en-US" sz="2400" dirty="0" err="1">
+                <a:solidFill>
+                  <a:schemeClr val="tx1"/>
+                </a:solidFill>
+                <a:latin typeface="Tahoma" panose="020B0604030504040204" pitchFamily="34" charset="0"/>
+                <a:ea typeface="Tahoma" panose="020B0604030504040204" pitchFamily="34" charset="0"/>
+                <a:cs typeface="Tahoma" panose="020B0604030504040204" pitchFamily="34" charset="0"/>
+              </a:rPr>
+              <a:t>il</a:t>
+            </a:r>
+            <a:r>
+              <a:rPr lang="en-US" sz="2400" dirty="0">
+                <a:solidFill>
+                  <a:schemeClr val="tx1"/>
+                </a:solidFill>
+                <a:latin typeface="Tahoma" panose="020B0604030504040204" pitchFamily="34" charset="0"/>
+                <a:ea typeface="Tahoma" panose="020B0604030504040204" pitchFamily="34" charset="0"/>
+                <a:cs typeface="Tahoma" panose="020B0604030504040204" pitchFamily="34" charset="0"/>
+              </a:rPr>
+              <a:t> backend a </a:t>
+            </a:r>
+            <a:r>
+              <a:rPr lang="en-US" sz="2400" b="1" dirty="0" err="1">
+                <a:solidFill>
+                  <a:schemeClr val="tx1"/>
+                </a:solidFill>
+                <a:latin typeface="Tahoma" panose="020B0604030504040204" pitchFamily="34" charset="0"/>
+                <a:ea typeface="Tahoma" panose="020B0604030504040204" pitchFamily="34" charset="0"/>
+                <a:cs typeface="Tahoma" panose="020B0604030504040204" pitchFamily="34" charset="0"/>
+              </a:rPr>
+              <a:t>turtleDB</a:t>
+            </a:r>
+            <a:r>
+              <a:rPr lang="en-US" sz="2400" dirty="0">
+                <a:solidFill>
+                  <a:schemeClr val="tx1"/>
+                </a:solidFill>
+                <a:latin typeface="Tahoma" panose="020B0604030504040204" pitchFamily="34" charset="0"/>
+                <a:ea typeface="Tahoma" panose="020B0604030504040204" pitchFamily="34" charset="0"/>
+                <a:cs typeface="Tahoma" panose="020B0604030504040204" pitchFamily="34" charset="0"/>
+              </a:rPr>
+              <a:t>.  </a:t>
+            </a:r>
+          </a:p>
+          <a:p>
+            <a:pPr marL="342900" indent="-342900" algn="l">
+              <a:buFont typeface="Wingdings" panose="05000000000000000000" pitchFamily="2" charset="2"/>
+              <a:buChar char="ü"/>
+            </a:pPr>
+            <a:r>
+              <a:rPr lang="en-US" sz="2400" dirty="0" err="1">
+                <a:solidFill>
+                  <a:schemeClr val="tx1"/>
+                </a:solidFill>
+                <a:latin typeface="Tahoma" panose="020B0604030504040204" pitchFamily="34" charset="0"/>
+                <a:ea typeface="Tahoma" panose="020B0604030504040204" pitchFamily="34" charset="0"/>
+                <a:cs typeface="Tahoma" panose="020B0604030504040204" pitchFamily="34" charset="0"/>
+              </a:rPr>
+              <a:t>Questo</a:t>
+            </a:r>
+            <a:r>
+              <a:rPr lang="en-US" sz="2400" dirty="0">
+                <a:solidFill>
+                  <a:schemeClr val="tx1"/>
+                </a:solidFill>
+                <a:latin typeface="Tahoma" panose="020B0604030504040204" pitchFamily="34" charset="0"/>
+                <a:ea typeface="Tahoma" panose="020B0604030504040204" pitchFamily="34" charset="0"/>
+                <a:cs typeface="Tahoma" panose="020B0604030504040204" pitchFamily="34" charset="0"/>
+              </a:rPr>
+              <a:t> </a:t>
+            </a:r>
+            <a:r>
+              <a:rPr lang="en-US" sz="2400" dirty="0" err="1">
+                <a:solidFill>
+                  <a:schemeClr val="tx1"/>
+                </a:solidFill>
+                <a:latin typeface="Tahoma" panose="020B0604030504040204" pitchFamily="34" charset="0"/>
+                <a:ea typeface="Tahoma" panose="020B0604030504040204" pitchFamily="34" charset="0"/>
+                <a:cs typeface="Tahoma" panose="020B0604030504040204" pitchFamily="34" charset="0"/>
+              </a:rPr>
+              <a:t>manipolerà</a:t>
+            </a:r>
+            <a:r>
+              <a:rPr lang="en-US" sz="2400" dirty="0">
+                <a:solidFill>
+                  <a:schemeClr val="tx1"/>
+                </a:solidFill>
+                <a:latin typeface="Tahoma" panose="020B0604030504040204" pitchFamily="34" charset="0"/>
+                <a:ea typeface="Tahoma" panose="020B0604030504040204" pitchFamily="34" charset="0"/>
+                <a:cs typeface="Tahoma" panose="020B0604030504040204" pitchFamily="34" charset="0"/>
+              </a:rPr>
+              <a:t> </a:t>
+            </a:r>
+            <a:r>
+              <a:rPr lang="en-US" sz="2400" dirty="0" err="1">
+                <a:solidFill>
+                  <a:schemeClr val="tx1"/>
+                </a:solidFill>
+                <a:latin typeface="Tahoma" panose="020B0604030504040204" pitchFamily="34" charset="0"/>
+                <a:ea typeface="Tahoma" panose="020B0604030504040204" pitchFamily="34" charset="0"/>
+                <a:cs typeface="Tahoma" panose="020B0604030504040204" pitchFamily="34" charset="0"/>
+              </a:rPr>
+              <a:t>tutta</a:t>
+            </a:r>
+            <a:r>
+              <a:rPr lang="en-US" sz="2400" dirty="0">
+                <a:solidFill>
+                  <a:schemeClr val="tx1"/>
+                </a:solidFill>
+                <a:latin typeface="Tahoma" panose="020B0604030504040204" pitchFamily="34" charset="0"/>
+                <a:ea typeface="Tahoma" panose="020B0604030504040204" pitchFamily="34" charset="0"/>
+                <a:cs typeface="Tahoma" panose="020B0604030504040204" pitchFamily="34" charset="0"/>
+              </a:rPr>
+              <a:t> la </a:t>
+            </a:r>
+            <a:r>
+              <a:rPr lang="en-US" sz="2400" dirty="0" err="1">
+                <a:solidFill>
+                  <a:schemeClr val="tx1"/>
+                </a:solidFill>
+                <a:latin typeface="Tahoma" panose="020B0604030504040204" pitchFamily="34" charset="0"/>
+                <a:ea typeface="Tahoma" panose="020B0604030504040204" pitchFamily="34" charset="0"/>
+                <a:cs typeface="Tahoma" panose="020B0604030504040204" pitchFamily="34" charset="0"/>
+              </a:rPr>
+              <a:t>sincronizzazione</a:t>
+            </a:r>
+            <a:r>
+              <a:rPr lang="en-US" sz="2400" dirty="0">
+                <a:solidFill>
+                  <a:schemeClr val="tx1"/>
+                </a:solidFill>
+                <a:latin typeface="Tahoma" panose="020B0604030504040204" pitchFamily="34" charset="0"/>
+                <a:ea typeface="Tahoma" panose="020B0604030504040204" pitchFamily="34" charset="0"/>
+                <a:cs typeface="Tahoma" panose="020B0604030504040204" pitchFamily="34" charset="0"/>
+              </a:rPr>
+              <a:t> </a:t>
+            </a:r>
+            <a:r>
+              <a:rPr lang="en-US" sz="2400" dirty="0" err="1">
+                <a:solidFill>
+                  <a:schemeClr val="tx1"/>
+                </a:solidFill>
+                <a:latin typeface="Tahoma" panose="020B0604030504040204" pitchFamily="34" charset="0"/>
+                <a:ea typeface="Tahoma" panose="020B0604030504040204" pitchFamily="34" charset="0"/>
+                <a:cs typeface="Tahoma" panose="020B0604030504040204" pitchFamily="34" charset="0"/>
+              </a:rPr>
+              <a:t>dei</a:t>
+            </a:r>
+            <a:r>
+              <a:rPr lang="en-US" sz="2400" dirty="0">
+                <a:solidFill>
+                  <a:schemeClr val="tx1"/>
+                </a:solidFill>
+                <a:latin typeface="Tahoma" panose="020B0604030504040204" pitchFamily="34" charset="0"/>
+                <a:ea typeface="Tahoma" panose="020B0604030504040204" pitchFamily="34" charset="0"/>
+                <a:cs typeface="Tahoma" panose="020B0604030504040204" pitchFamily="34" charset="0"/>
+              </a:rPr>
+              <a:t> </a:t>
+            </a:r>
+            <a:r>
+              <a:rPr lang="en-US" sz="2400" dirty="0" err="1">
+                <a:solidFill>
+                  <a:schemeClr val="tx1"/>
+                </a:solidFill>
+                <a:latin typeface="Tahoma" panose="020B0604030504040204" pitchFamily="34" charset="0"/>
+                <a:ea typeface="Tahoma" panose="020B0604030504040204" pitchFamily="34" charset="0"/>
+                <a:cs typeface="Tahoma" panose="020B0604030504040204" pitchFamily="34" charset="0"/>
+              </a:rPr>
+              <a:t>dati</a:t>
+            </a:r>
+            <a:r>
+              <a:rPr lang="en-US" sz="2400" dirty="0">
+                <a:solidFill>
+                  <a:schemeClr val="tx1"/>
+                </a:solidFill>
+                <a:latin typeface="Tahoma" panose="020B0604030504040204" pitchFamily="34" charset="0"/>
+                <a:ea typeface="Tahoma" panose="020B0604030504040204" pitchFamily="34" charset="0"/>
+                <a:cs typeface="Tahoma" panose="020B0604030504040204" pitchFamily="34" charset="0"/>
+              </a:rPr>
+              <a:t> e la </a:t>
+            </a:r>
+            <a:r>
+              <a:rPr lang="en-US" sz="2400" dirty="0" err="1">
+                <a:solidFill>
+                  <a:schemeClr val="tx1"/>
+                </a:solidFill>
+                <a:latin typeface="Tahoma" panose="020B0604030504040204" pitchFamily="34" charset="0"/>
+                <a:ea typeface="Tahoma" panose="020B0604030504040204" pitchFamily="34" charset="0"/>
+                <a:cs typeface="Tahoma" panose="020B0604030504040204" pitchFamily="34" charset="0"/>
+              </a:rPr>
+              <a:t>risoluzione</a:t>
+            </a:r>
+            <a:r>
+              <a:rPr lang="en-US" sz="2400" dirty="0">
+                <a:solidFill>
+                  <a:schemeClr val="tx1"/>
+                </a:solidFill>
+                <a:latin typeface="Tahoma" panose="020B0604030504040204" pitchFamily="34" charset="0"/>
+                <a:ea typeface="Tahoma" panose="020B0604030504040204" pitchFamily="34" charset="0"/>
+                <a:cs typeface="Tahoma" panose="020B0604030504040204" pitchFamily="34" charset="0"/>
+              </a:rPr>
+              <a:t> </a:t>
+            </a:r>
+            <a:r>
+              <a:rPr lang="en-US" sz="2400" dirty="0" err="1">
+                <a:solidFill>
+                  <a:schemeClr val="tx1"/>
+                </a:solidFill>
+                <a:latin typeface="Tahoma" panose="020B0604030504040204" pitchFamily="34" charset="0"/>
+                <a:ea typeface="Tahoma" panose="020B0604030504040204" pitchFamily="34" charset="0"/>
+                <a:cs typeface="Tahoma" panose="020B0604030504040204" pitchFamily="34" charset="0"/>
+              </a:rPr>
+              <a:t>dei</a:t>
+            </a:r>
+            <a:r>
+              <a:rPr lang="en-US" sz="2400" dirty="0">
+                <a:solidFill>
+                  <a:schemeClr val="tx1"/>
+                </a:solidFill>
+                <a:latin typeface="Tahoma" panose="020B0604030504040204" pitchFamily="34" charset="0"/>
+                <a:ea typeface="Tahoma" panose="020B0604030504040204" pitchFamily="34" charset="0"/>
+                <a:cs typeface="Tahoma" panose="020B0604030504040204" pitchFamily="34" charset="0"/>
+              </a:rPr>
+              <a:t> </a:t>
+            </a:r>
+            <a:r>
+              <a:rPr lang="en-US" sz="2400" dirty="0" err="1">
+                <a:solidFill>
+                  <a:schemeClr val="tx1"/>
+                </a:solidFill>
+                <a:latin typeface="Tahoma" panose="020B0604030504040204" pitchFamily="34" charset="0"/>
+                <a:ea typeface="Tahoma" panose="020B0604030504040204" pitchFamily="34" charset="0"/>
+                <a:cs typeface="Tahoma" panose="020B0604030504040204" pitchFamily="34" charset="0"/>
+              </a:rPr>
+              <a:t>conflitti</a:t>
+            </a:r>
+            <a:r>
+              <a:rPr lang="en-US" sz="2400" dirty="0">
+                <a:solidFill>
+                  <a:schemeClr val="tx1"/>
+                </a:solidFill>
+                <a:latin typeface="Tahoma" panose="020B0604030504040204" pitchFamily="34" charset="0"/>
+                <a:ea typeface="Tahoma" panose="020B0604030504040204" pitchFamily="34" charset="0"/>
+                <a:cs typeface="Tahoma" panose="020B0604030504040204" pitchFamily="34" charset="0"/>
+              </a:rPr>
+              <a:t> </a:t>
+            </a:r>
+            <a:r>
+              <a:rPr lang="en-US" sz="2400" dirty="0" err="1">
+                <a:solidFill>
+                  <a:schemeClr val="tx1"/>
+                </a:solidFill>
+                <a:latin typeface="Tahoma" panose="020B0604030504040204" pitchFamily="34" charset="0"/>
+                <a:ea typeface="Tahoma" panose="020B0604030504040204" pitchFamily="34" charset="0"/>
+                <a:cs typeface="Tahoma" panose="020B0604030504040204" pitchFamily="34" charset="0"/>
+              </a:rPr>
+              <a:t>tra</a:t>
+            </a:r>
+            <a:r>
+              <a:rPr lang="en-US" sz="2400" dirty="0">
+                <a:solidFill>
+                  <a:schemeClr val="tx1"/>
+                </a:solidFill>
+                <a:latin typeface="Tahoma" panose="020B0604030504040204" pitchFamily="34" charset="0"/>
+                <a:ea typeface="Tahoma" panose="020B0604030504040204" pitchFamily="34" charset="0"/>
+                <a:cs typeface="Tahoma" panose="020B0604030504040204" pitchFamily="34" charset="0"/>
+              </a:rPr>
+              <a:t> </a:t>
+            </a:r>
+            <a:r>
+              <a:rPr lang="en-US" sz="2400" dirty="0" err="1">
+                <a:solidFill>
+                  <a:schemeClr val="tx1"/>
+                </a:solidFill>
+                <a:latin typeface="Tahoma" panose="020B0604030504040204" pitchFamily="34" charset="0"/>
+                <a:ea typeface="Tahoma" panose="020B0604030504040204" pitchFamily="34" charset="0"/>
+                <a:cs typeface="Tahoma" panose="020B0604030504040204" pitchFamily="34" charset="0"/>
+              </a:rPr>
+              <a:t>utenti</a:t>
+            </a:r>
+            <a:r>
+              <a:rPr lang="en-US" sz="2400" dirty="0">
+                <a:solidFill>
+                  <a:schemeClr val="tx1"/>
+                </a:solidFill>
+                <a:latin typeface="Tahoma" panose="020B0604030504040204" pitchFamily="34" charset="0"/>
+                <a:ea typeface="Tahoma" panose="020B0604030504040204" pitchFamily="34" charset="0"/>
+                <a:cs typeface="Tahoma" panose="020B0604030504040204" pitchFamily="34" charset="0"/>
+              </a:rPr>
+              <a:t>. Esso </a:t>
+            </a:r>
+            <a:r>
+              <a:rPr lang="en-US" sz="2400" dirty="0" err="1">
+                <a:solidFill>
+                  <a:schemeClr val="tx1"/>
+                </a:solidFill>
+                <a:latin typeface="Tahoma" panose="020B0604030504040204" pitchFamily="34" charset="0"/>
+                <a:ea typeface="Tahoma" panose="020B0604030504040204" pitchFamily="34" charset="0"/>
+                <a:cs typeface="Tahoma" panose="020B0604030504040204" pitchFamily="34" charset="0"/>
+              </a:rPr>
+              <a:t>lavora</a:t>
+            </a:r>
+            <a:r>
+              <a:rPr lang="en-US" sz="2400" dirty="0">
+                <a:solidFill>
+                  <a:schemeClr val="tx1"/>
+                </a:solidFill>
+                <a:latin typeface="Tahoma" panose="020B0604030504040204" pitchFamily="34" charset="0"/>
+                <a:ea typeface="Tahoma" panose="020B0604030504040204" pitchFamily="34" charset="0"/>
+                <a:cs typeface="Tahoma" panose="020B0604030504040204" pitchFamily="34" charset="0"/>
+              </a:rPr>
+              <a:t> con </a:t>
+            </a:r>
+            <a:r>
+              <a:rPr lang="en-US" sz="2400" b="1" dirty="0">
+                <a:solidFill>
+                  <a:schemeClr val="tx1"/>
+                </a:solidFill>
+                <a:latin typeface="Tahoma" panose="020B0604030504040204" pitchFamily="34" charset="0"/>
+                <a:ea typeface="Tahoma" panose="020B0604030504040204" pitchFamily="34" charset="0"/>
+                <a:cs typeface="Tahoma" panose="020B0604030504040204" pitchFamily="34" charset="0"/>
+              </a:rPr>
+              <a:t>MongoDB</a:t>
+            </a:r>
+            <a:r>
+              <a:rPr lang="en-US" sz="2400" dirty="0">
+                <a:solidFill>
+                  <a:schemeClr val="tx1"/>
+                </a:solidFill>
+                <a:latin typeface="Tahoma" panose="020B0604030504040204" pitchFamily="34" charset="0"/>
+                <a:ea typeface="Tahoma" panose="020B0604030504040204" pitchFamily="34" charset="0"/>
+                <a:cs typeface="Tahoma" panose="020B0604030504040204" pitchFamily="34" charset="0"/>
+              </a:rPr>
+              <a:t>. </a:t>
+            </a:r>
+          </a:p>
+          <a:p>
+            <a:pPr marL="342900" indent="-342900">
+              <a:buFont typeface="Wingdings" panose="05000000000000000000" pitchFamily="2" charset="2"/>
+              <a:buChar char="ü"/>
+            </a:pPr>
+            <a:endParaRPr lang="en-US" sz="2400" b="0" i="0" dirty="0">
+              <a:solidFill>
+                <a:srgbClr val="555555"/>
+              </a:solidFill>
+              <a:effectLst/>
+              <a:latin typeface="PT Sans" panose="020B0503020203020204" pitchFamily="34" charset="0"/>
+            </a:endParaRPr>
+          </a:p>
+        </p:txBody>
+      </p:sp>
+      <p:sp>
+        <p:nvSpPr>
+          <p:cNvPr id="7" name="Segnaposto numero diapositiva 6">
+            <a:extLst>
+              <a:ext uri="{FF2B5EF4-FFF2-40B4-BE49-F238E27FC236}">
+                <a16:creationId xmlns:a16="http://schemas.microsoft.com/office/drawing/2014/main" id="{AB740BE9-E218-4144-BFDE-AE473D230A3D}"/>
+              </a:ext>
+            </a:extLst>
+          </p:cNvPr>
+          <p:cNvSpPr>
+            <a:spLocks noGrp="1"/>
+          </p:cNvSpPr>
+          <p:nvPr>
+            <p:ph type="sldNum" sz="quarter" idx="12"/>
+          </p:nvPr>
+        </p:nvSpPr>
+        <p:spPr/>
+        <p:txBody>
+          <a:bodyPr/>
+          <a:lstStyle/>
+          <a:p>
+            <a:pPr>
+              <a:defRPr/>
+            </a:pPr>
+            <a:fld id="{48B4153A-D4C5-4CEF-8992-0D8815C829E3}" type="slidenum">
+              <a:rPr lang="en-US" smtClean="0"/>
+              <a:pPr>
+                <a:defRPr/>
+              </a:pPr>
+              <a:t>33</a:t>
+            </a:fld>
+            <a:endParaRPr lang="en-US" dirty="0"/>
+          </a:p>
+        </p:txBody>
+      </p:sp>
+      <p:sp>
+        <p:nvSpPr>
+          <p:cNvPr id="5" name="Titolo 4">
+            <a:extLst>
+              <a:ext uri="{FF2B5EF4-FFF2-40B4-BE49-F238E27FC236}">
+                <a16:creationId xmlns:a16="http://schemas.microsoft.com/office/drawing/2014/main" id="{82C46BA2-B380-4357-B125-BA9F08A643F5}"/>
+              </a:ext>
+            </a:extLst>
+          </p:cNvPr>
+          <p:cNvSpPr>
+            <a:spLocks noGrp="1"/>
+          </p:cNvSpPr>
+          <p:nvPr>
+            <p:ph type="title"/>
+          </p:nvPr>
+        </p:nvSpPr>
+        <p:spPr>
+          <a:xfrm>
+            <a:off x="468895" y="503475"/>
+            <a:ext cx="11269308" cy="384721"/>
+          </a:xfrm>
+          <a:noFill/>
+          <a:ln>
+            <a:noFill/>
+          </a:ln>
+          <a:extLst>
+            <a:ext uri="{909E8E84-426E-40DD-AFC4-6F175D3DCCD1}">
+              <a14:hiddenFill xmlns:a14="http://schemas.microsoft.com/office/drawing/2010/main">
+                <a:solidFill>
+                  <a:srgbClr val="FFFFFF"/>
+                </a:solidFill>
+              </a14:hiddenFill>
+            </a:ext>
+            <a:ext uri="{91240B29-F687-4F45-9708-019B960494DF}">
+              <a14:hiddenLine xmlns:a14="http://schemas.microsoft.com/office/drawing/2010/main" w="9525">
+                <a:solidFill>
+                  <a:srgbClr val="000000"/>
+                </a:solidFill>
+                <a:miter lim="800000"/>
+                <a:headEnd/>
+                <a:tailEnd/>
+              </a14:hiddenLine>
+            </a:ext>
+          </a:extLst>
+        </p:spPr>
+        <p:txBody>
+          <a:bodyPr vert="horz" wrap="square" lIns="0" tIns="0" rIns="0" bIns="0" numCol="1" rtlCol="0" anchor="b" anchorCtr="0" compatLnSpc="1">
+            <a:prstTxWarp prst="textNoShape">
+              <a:avLst/>
+            </a:prstTxWarp>
+            <a:spAutoFit/>
+          </a:bodyPr>
+          <a:lstStyle/>
+          <a:p>
+            <a:pPr eaLnBrk="0" hangingPunct="0"/>
+            <a:r>
+              <a:rPr lang="it-IT">
+                <a:solidFill>
+                  <a:schemeClr val="tx1"/>
+                </a:solidFill>
+              </a:rPr>
+              <a:t>TurtleDB e Triplestore</a:t>
+            </a:r>
+            <a:endParaRPr lang="it-IT" dirty="0">
+              <a:solidFill>
+                <a:schemeClr val="tx1"/>
+              </a:solidFill>
+            </a:endParaRPr>
+          </a:p>
+        </p:txBody>
+      </p:sp>
+      <p:pic>
+        <p:nvPicPr>
+          <p:cNvPr id="4" name="Immagine 3" descr="Immagine che contiene logo&#10;&#10;Descrizione generata automaticamente">
+            <a:extLst>
+              <a:ext uri="{FF2B5EF4-FFF2-40B4-BE49-F238E27FC236}">
+                <a16:creationId xmlns:a16="http://schemas.microsoft.com/office/drawing/2014/main" id="{292350A5-BA8D-0603-8817-54A460399248}"/>
+              </a:ext>
+            </a:extLst>
+          </p:cNvPr>
+          <p:cNvPicPr>
+            <a:picLocks noChangeAspect="1"/>
+          </p:cNvPicPr>
+          <p:nvPr/>
+        </p:nvPicPr>
+        <p:blipFill>
+          <a:blip r:embed="rId2"/>
+          <a:stretch>
+            <a:fillRect/>
+          </a:stretch>
+        </p:blipFill>
+        <p:spPr>
+          <a:xfrm>
+            <a:off x="5642203" y="4901512"/>
+            <a:ext cx="6096000" cy="1678275"/>
+          </a:xfrm>
+          <a:prstGeom prst="rect">
+            <a:avLst/>
+          </a:prstGeom>
+        </p:spPr>
+      </p:pic>
+    </p:spTree>
+    <p:extLst>
+      <p:ext uri="{BB962C8B-B14F-4D97-AF65-F5344CB8AC3E}">
+        <p14:creationId xmlns:p14="http://schemas.microsoft.com/office/powerpoint/2010/main" val="3360116521"/>
+      </p:ext>
+    </p:extLst>
+  </p:cSld>
+  <p:clrMapOvr>
+    <a:masterClrMapping/>
+  </p:clrMapOvr>
+</p:sld>
+</file>
+
+<file path=ppt/slides/slide34.xml><?xml version="1.0" encoding="utf-8"?>
+<p:sld xmlns:a="http://schemas.openxmlformats.org/drawingml/2006/main" xmlns:r="http://schemas.openxmlformats.org/officeDocument/2006/relationships" xmlns:p="http://schemas.openxmlformats.org/presentationml/2006/main">
+  <p:cSld>
+    <p:spTree>
+      <p:nvGrpSpPr>
+        <p:cNvPr id="1" name=""/>
+        <p:cNvGrpSpPr/>
+        <p:nvPr/>
+      </p:nvGrpSpPr>
+      <p:grpSpPr>
+        <a:xfrm>
+          <a:off x="0" y="0"/>
+          <a:ext cx="0" cy="0"/>
+          <a:chOff x="0" y="0"/>
+          <a:chExt cx="0" cy="0"/>
+        </a:xfrm>
+      </p:grpSpPr>
+      <p:sp>
+        <p:nvSpPr>
+          <p:cNvPr id="7" name="Segnaposto numero diapositiva 6">
+            <a:extLst>
+              <a:ext uri="{FF2B5EF4-FFF2-40B4-BE49-F238E27FC236}">
+                <a16:creationId xmlns:a16="http://schemas.microsoft.com/office/drawing/2014/main" id="{AB740BE9-E218-4144-BFDE-AE473D230A3D}"/>
+              </a:ext>
+            </a:extLst>
+          </p:cNvPr>
+          <p:cNvSpPr>
+            <a:spLocks noGrp="1"/>
+          </p:cNvSpPr>
+          <p:nvPr>
+            <p:ph type="sldNum" sz="quarter" idx="12"/>
+          </p:nvPr>
+        </p:nvSpPr>
+        <p:spPr/>
+        <p:txBody>
+          <a:bodyPr/>
+          <a:lstStyle/>
+          <a:p>
+            <a:pPr>
+              <a:defRPr/>
+            </a:pPr>
+            <a:fld id="{48B4153A-D4C5-4CEF-8992-0D8815C829E3}" type="slidenum">
+              <a:rPr lang="en-US" smtClean="0"/>
+              <a:pPr>
+                <a:defRPr/>
+              </a:pPr>
+              <a:t>34</a:t>
+            </a:fld>
+            <a:endParaRPr lang="en-US" dirty="0"/>
+          </a:p>
+        </p:txBody>
+      </p:sp>
+      <p:sp>
+        <p:nvSpPr>
+          <p:cNvPr id="5" name="Titolo 4">
+            <a:extLst>
+              <a:ext uri="{FF2B5EF4-FFF2-40B4-BE49-F238E27FC236}">
+                <a16:creationId xmlns:a16="http://schemas.microsoft.com/office/drawing/2014/main" id="{82C46BA2-B380-4357-B125-BA9F08A643F5}"/>
+              </a:ext>
+            </a:extLst>
+          </p:cNvPr>
+          <p:cNvSpPr>
+            <a:spLocks noGrp="1"/>
+          </p:cNvSpPr>
+          <p:nvPr>
+            <p:ph type="title"/>
+          </p:nvPr>
+        </p:nvSpPr>
+        <p:spPr>
+          <a:xfrm>
+            <a:off x="468895" y="503475"/>
+            <a:ext cx="11269308" cy="384721"/>
+          </a:xfrm>
+        </p:spPr>
+        <p:txBody>
+          <a:bodyPr/>
+          <a:lstStyle/>
+          <a:p>
+            <a:r>
+              <a:rPr lang="it-IT" altLang="it-IT"/>
+              <a:t>Bibliografia</a:t>
+            </a:r>
+            <a:endParaRPr lang="it-IT" dirty="0"/>
+          </a:p>
+        </p:txBody>
+      </p:sp>
+      <p:sp>
+        <p:nvSpPr>
+          <p:cNvPr id="3" name="Segnaposto testo 2">
+            <a:extLst>
+              <a:ext uri="{FF2B5EF4-FFF2-40B4-BE49-F238E27FC236}">
+                <a16:creationId xmlns:a16="http://schemas.microsoft.com/office/drawing/2014/main" id="{15CD42DB-61E6-AA3D-7125-BF4BEDB5D886}"/>
+              </a:ext>
+            </a:extLst>
+          </p:cNvPr>
+          <p:cNvSpPr>
+            <a:spLocks noGrp="1"/>
+          </p:cNvSpPr>
+          <p:nvPr>
+            <p:ph type="body" idx="1"/>
+          </p:nvPr>
+        </p:nvSpPr>
+        <p:spPr>
+          <a:xfrm>
+            <a:off x="477519" y="1557338"/>
+            <a:ext cx="11043921" cy="4392612"/>
+          </a:xfrm>
+        </p:spPr>
+        <p:txBody>
+          <a:bodyPr/>
+          <a:lstStyle/>
+          <a:p>
+            <a:r>
+              <a:rPr lang="it-IT" dirty="0">
+                <a:hlinkClick r:id="rId2"/>
+              </a:rPr>
+              <a:t>https://www.stitchdata.com/resources</a:t>
+            </a:r>
+            <a:r>
+              <a:rPr lang="it-IT">
+                <a:hlinkClick r:id="rId2"/>
+              </a:rPr>
+              <a:t>/data-transformation</a:t>
+            </a:r>
+            <a:endParaRPr lang="it-IT"/>
+          </a:p>
+          <a:p>
+            <a:endParaRPr lang="it-IT"/>
+          </a:p>
+          <a:p>
+            <a:r>
+              <a:rPr lang="it-IT">
+                <a:hlinkClick r:id="rId3"/>
+              </a:rPr>
+              <a:t>https://www.ibm.com/cloud/learn/data-warehouse#:~:text=A%20data%20warehouse%2C%20or%20enterprise,AI)%2C%20and%20machine%20learning</a:t>
+            </a:r>
+            <a:r>
+              <a:rPr lang="it-IT"/>
+              <a:t>.</a:t>
+            </a:r>
+          </a:p>
+          <a:p>
+            <a:endParaRPr lang="it-IT" dirty="0"/>
+          </a:p>
+          <a:p>
+            <a:endParaRPr lang="it-IT" dirty="0"/>
+          </a:p>
+        </p:txBody>
+      </p:sp>
+    </p:spTree>
+    <p:extLst>
+      <p:ext uri="{BB962C8B-B14F-4D97-AF65-F5344CB8AC3E}">
+        <p14:creationId xmlns:p14="http://schemas.microsoft.com/office/powerpoint/2010/main" val="3490964097"/>
       </p:ext>
     </p:extLst>
   </p:cSld>
@@ -18264,15 +23767,6 @@
 
 <file path=customXml/item1.xml><?xml version="1.0" encoding="utf-8"?>
 <?mso-contentType ?>
-<FormTemplates xmlns="http://schemas.microsoft.com/sharepoint/v3/contenttype/forms">
-  <Display>DocumentLibraryForm</Display>
-  <Edit>DocumentLibraryForm</Edit>
-  <New>DocumentLibraryForm</New>
-</FormTemplates>
-</file>
-
-<file path=customXml/item2.xml><?xml version="1.0" encoding="utf-8"?>
-<?mso-contentType ?>
 <spe:Receivers xmlns:spe="http://schemas.microsoft.com/sharepoint/events">
   <Receiver>
     <Name>Document ID Generator</Name>
@@ -18321,7 +23815,30 @@
 </spe:Receivers>
 </file>
 
+<file path=customXml/item2.xml><?xml version="1.0" encoding="utf-8"?>
+<?mso-contentType ?>
+<FormTemplates xmlns="http://schemas.microsoft.com/sharepoint/v3/contenttype/forms">
+  <Display>DocumentLibraryForm</Display>
+  <Edit>DocumentLibraryForm</Edit>
+  <New>DocumentLibraryForm</New>
+</FormTemplates>
+</file>
+
 <file path=customXml/item3.xml><?xml version="1.0" encoding="utf-8"?>
+<p:properties xmlns:p="http://schemas.microsoft.com/office/2006/metadata/properties" xmlns:xsi="http://www.w3.org/2001/XMLSchema-instance" xmlns:pc="http://schemas.microsoft.com/office/infopath/2007/PartnerControls">
+  <documentManagement>
+    <SottoCategoria xmlns="679261c3-551f-4e86-913f-177e0e529669">-</SottoCategoria>
+    <Categoria xmlns="c58f2efd-82a8-4ecf-b395-8c25e928921d">Power Point</Categoria>
+    <_dlc_DocId xmlns="459159c4-d20a-4ff3-9b11-fbd127bd52e5">INTRANET-14-158</_dlc_DocId>
+    <_dlc_DocIdUrl xmlns="459159c4-d20a-4ff3-9b11-fbd127bd52e5">
+      <Url>https://intranet.istat.it/Collaborativi/_layouts/15/DocIdRedir.aspx?ID=INTRANET-14-158</Url>
+      <Description>INTRANET-14-158</Description>
+    </_dlc_DocIdUrl>
+  </documentManagement>
+</p:properties>
+</file>
+
+<file path=customXml/item4.xml><?xml version="1.0" encoding="utf-8"?>
 <ct:contentTypeSchema xmlns:ct="http://schemas.microsoft.com/office/2006/metadata/contentType" xmlns:ma="http://schemas.microsoft.com/office/2006/metadata/properties/metaAttributes" ct:_="" ma:_="" ma:contentTypeName="Documento" ma:contentTypeID="0x010100661A2BE3120D674DA36C11D6006822D4" ma:contentTypeVersion="3" ma:contentTypeDescription="Creare un nuovo documento." ma:contentTypeScope="" ma:versionID="2ad8b07f9840a1ce9cd199d874146b74">
   <xsd:schema xmlns:xsd="http://www.w3.org/2001/XMLSchema" xmlns:xs="http://www.w3.org/2001/XMLSchema" xmlns:p="http://schemas.microsoft.com/office/2006/metadata/properties" xmlns:ns2="c58f2efd-82a8-4ecf-b395-8c25e928921d" xmlns:ns3="459159c4-d20a-4ff3-9b11-fbd127bd52e5" xmlns:ns4="679261c3-551f-4e86-913f-177e0e529669" targetNamespace="http://schemas.microsoft.com/office/2006/metadata/properties" ma:root="true" ma:fieldsID="fffb0e16fb90ffea59fef1085e90ecca" ns2:_="" ns3:_="" ns4:_="">
     <xsd:import namespace="c58f2efd-82a8-4ecf-b395-8c25e928921d"/>
@@ -18508,21 +24025,15 @@
 </ct:contentTypeSchema>
 </file>
 
-<file path=customXml/item4.xml><?xml version="1.0" encoding="utf-8"?>
-<p:properties xmlns:p="http://schemas.microsoft.com/office/2006/metadata/properties" xmlns:xsi="http://www.w3.org/2001/XMLSchema-instance" xmlns:pc="http://schemas.microsoft.com/office/infopath/2007/PartnerControls">
-  <documentManagement>
-    <SottoCategoria xmlns="679261c3-551f-4e86-913f-177e0e529669">-</SottoCategoria>
-    <Categoria xmlns="c58f2efd-82a8-4ecf-b395-8c25e928921d">Power Point</Categoria>
-    <_dlc_DocId xmlns="459159c4-d20a-4ff3-9b11-fbd127bd52e5">INTRANET-14-158</_dlc_DocId>
-    <_dlc_DocIdUrl xmlns="459159c4-d20a-4ff3-9b11-fbd127bd52e5">
-      <Url>https://intranet.istat.it/Collaborativi/_layouts/15/DocIdRedir.aspx?ID=INTRANET-14-158</Url>
-      <Description>INTRANET-14-158</Description>
-    </_dlc_DocIdUrl>
-  </documentManagement>
-</p:properties>
+<file path=customXml/itemProps1.xml><?xml version="1.0" encoding="utf-8"?>
+<ds:datastoreItem xmlns:ds="http://schemas.openxmlformats.org/officeDocument/2006/customXml" ds:itemID="{D9296C4F-9DE9-4B43-AA80-1FC85656CFFA}">
+  <ds:schemaRefs>
+    <ds:schemaRef ds:uri="http://schemas.microsoft.com/sharepoint/events"/>
+  </ds:schemaRefs>
+</ds:datastoreItem>
 </file>
 
-<file path=customXml/itemProps1.xml><?xml version="1.0" encoding="utf-8"?>
+<file path=customXml/itemProps2.xml><?xml version="1.0" encoding="utf-8"?>
 <ds:datastoreItem xmlns:ds="http://schemas.openxmlformats.org/officeDocument/2006/customXml" ds:itemID="{BD9C238D-4D5C-4783-820B-4854DCE45D41}">
   <ds:schemaRefs>
     <ds:schemaRef ds:uri="http://schemas.microsoft.com/sharepoint/v3/contenttype/forms"/>
@@ -18530,15 +24041,25 @@
 </ds:datastoreItem>
 </file>
 
-<file path=customXml/itemProps2.xml><?xml version="1.0" encoding="utf-8"?>
-<ds:datastoreItem xmlns:ds="http://schemas.openxmlformats.org/officeDocument/2006/customXml" ds:itemID="{D9296C4F-9DE9-4B43-AA80-1FC85656CFFA}">
+<file path=customXml/itemProps3.xml><?xml version="1.0" encoding="utf-8"?>
+<ds:datastoreItem xmlns:ds="http://schemas.openxmlformats.org/officeDocument/2006/customXml" ds:itemID="{3EF378BC-F4D0-4510-B4EC-07B6EFE18CF8}">
   <ds:schemaRefs>
-    <ds:schemaRef ds:uri="http://schemas.microsoft.com/sharepoint/events"/>
+    <ds:schemaRef ds:uri="http://schemas.microsoft.com/office/infopath/2007/PartnerControls"/>
+    <ds:schemaRef ds:uri="http://purl.org/dc/elements/1.1/"/>
+    <ds:schemaRef ds:uri="http://schemas.microsoft.com/office/2006/metadata/properties"/>
+    <ds:schemaRef ds:uri="http://schemas.openxmlformats.org/package/2006/metadata/core-properties"/>
+    <ds:schemaRef ds:uri="http://purl.org/dc/terms/"/>
+    <ds:schemaRef ds:uri="679261c3-551f-4e86-913f-177e0e529669"/>
+    <ds:schemaRef ds:uri="459159c4-d20a-4ff3-9b11-fbd127bd52e5"/>
+    <ds:schemaRef ds:uri="http://schemas.microsoft.com/office/2006/documentManagement/types"/>
+    <ds:schemaRef ds:uri="c58f2efd-82a8-4ecf-b395-8c25e928921d"/>
+    <ds:schemaRef ds:uri="http://www.w3.org/XML/1998/namespace"/>
+    <ds:schemaRef ds:uri="http://purl.org/dc/dcmitype/"/>
   </ds:schemaRefs>
 </ds:datastoreItem>
 </file>
 
-<file path=customXml/itemProps3.xml><?xml version="1.0" encoding="utf-8"?>
+<file path=customXml/itemProps4.xml><?xml version="1.0" encoding="utf-8"?>
 <ds:datastoreItem xmlns:ds="http://schemas.openxmlformats.org/officeDocument/2006/customXml" ds:itemID="{3F66F418-6054-4EA5-BF8E-6AF3CEAE6265}">
   <ds:schemaRefs>
     <ds:schemaRef ds:uri="http://schemas.microsoft.com/office/2006/metadata/contentType"/>
@@ -18556,22 +24077,4 @@
     <ds:schemaRef ds:uri="http://schemas.microsoft.com/internal/obd"/>
   </ds:schemaRefs>
 </ds:datastoreItem>
-</file>
-
-<file path=customXml/itemProps4.xml><?xml version="1.0" encoding="utf-8"?>
-<ds:datastoreItem xmlns:ds="http://schemas.openxmlformats.org/officeDocument/2006/customXml" ds:itemID="{3EF378BC-F4D0-4510-B4EC-07B6EFE18CF8}">
-  <ds:schemaRefs>
-    <ds:schemaRef ds:uri="http://schemas.microsoft.com/office/infopath/2007/PartnerControls"/>
-    <ds:schemaRef ds:uri="http://purl.org/dc/elements/1.1/"/>
-    <ds:schemaRef ds:uri="http://schemas.microsoft.com/office/2006/metadata/properties"/>
-    <ds:schemaRef ds:uri="http://schemas.openxmlformats.org/package/2006/metadata/core-properties"/>
-    <ds:schemaRef ds:uri="http://purl.org/dc/terms/"/>
-    <ds:schemaRef ds:uri="679261c3-551f-4e86-913f-177e0e529669"/>
-    <ds:schemaRef ds:uri="459159c4-d20a-4ff3-9b11-fbd127bd52e5"/>
-    <ds:schemaRef ds:uri="http://schemas.microsoft.com/office/2006/documentManagement/types"/>
-    <ds:schemaRef ds:uri="c58f2efd-82a8-4ecf-b395-8c25e928921d"/>
-    <ds:schemaRef ds:uri="http://www.w3.org/XML/1998/namespace"/>
-    <ds:schemaRef ds:uri="http://purl.org/dc/dcmitype/"/>
-  </ds:schemaRefs>
-</ds:datastoreItem>
 </file>